--- a/presentation/Group14_websearchengine_presentation.pptx
+++ b/presentation/Group14_websearchengine_presentation.pptx
@@ -4,8 +4,22 @@
   <p:sldMasterIdLst>
     <p:sldMasterId id="2147483761" r:id="rId1"/>
   </p:sldMasterIdLst>
+  <p:notesMasterIdLst>
+    <p:notesMasterId r:id="rId14"/>
+  </p:notesMasterIdLst>
   <p:sldIdLst>
     <p:sldId id="256" r:id="rId2"/>
+    <p:sldId id="257" r:id="rId3"/>
+    <p:sldId id="258" r:id="rId4"/>
+    <p:sldId id="259" r:id="rId5"/>
+    <p:sldId id="260" r:id="rId6"/>
+    <p:sldId id="262" r:id="rId7"/>
+    <p:sldId id="263" r:id="rId8"/>
+    <p:sldId id="264" r:id="rId9"/>
+    <p:sldId id="265" r:id="rId10"/>
+    <p:sldId id="266" r:id="rId11"/>
+    <p:sldId id="267" r:id="rId12"/>
+    <p:sldId id="268" r:id="rId13"/>
   </p:sldIdLst>
   <p:sldSz cx="12192000" cy="6858000"/>
   <p:notesSz cx="6858000" cy="9144000"/>
@@ -104,7 +118,1139 @@
       </a:defRPr>
     </a:lvl9pPr>
   </p:defaultTextStyle>
+  <p:extLst>
+    <p:ext uri="{EFAFB233-063F-42B5-8137-9DF3F51BA10A}">
+      <p15:sldGuideLst xmlns:p15="http://schemas.microsoft.com/office/powerpoint/2012/main"/>
+    </p:ext>
+  </p:extLst>
 </p:presentation>
+</file>
+
+<file path=ppt/notesMasters/notesMaster1.xml><?xml version="1.0" encoding="utf-8"?>
+<p:notesMaster xmlns:a="http://schemas.openxmlformats.org/drawingml/2006/main" xmlns:r="http://schemas.openxmlformats.org/officeDocument/2006/relationships" xmlns:p="http://schemas.openxmlformats.org/presentationml/2006/main">
+  <p:cSld>
+    <p:bg>
+      <p:bgRef idx="1001">
+        <a:schemeClr val="bg1"/>
+      </p:bgRef>
+    </p:bg>
+    <p:spTree>
+      <p:nvGrpSpPr>
+        <p:cNvPr id="1" name=""/>
+        <p:cNvGrpSpPr/>
+        <p:nvPr/>
+      </p:nvGrpSpPr>
+      <p:grpSpPr>
+        <a:xfrm>
+          <a:off x="0" y="0"/>
+          <a:ext cx="0" cy="0"/>
+          <a:chOff x="0" y="0"/>
+          <a:chExt cx="0" cy="0"/>
+        </a:xfrm>
+      </p:grpSpPr>
+      <p:sp>
+        <p:nvSpPr>
+          <p:cNvPr id="2" name="Header Placeholder 1"/>
+          <p:cNvSpPr>
+            <a:spLocks noGrp="1"/>
+          </p:cNvSpPr>
+          <p:nvPr>
+            <p:ph type="hdr" sz="quarter"/>
+          </p:nvPr>
+        </p:nvSpPr>
+        <p:spPr>
+          <a:xfrm>
+            <a:off x="0" y="0"/>
+            <a:ext cx="2971800" cy="458788"/>
+          </a:xfrm>
+          <a:prstGeom prst="rect">
+            <a:avLst/>
+          </a:prstGeom>
+        </p:spPr>
+        <p:txBody>
+          <a:bodyPr vert="horz" lIns="91440" tIns="45720" rIns="91440" bIns="45720" rtlCol="0"/>
+          <a:lstStyle>
+            <a:lvl1pPr algn="l">
+              <a:defRPr sz="1200"/>
+            </a:lvl1pPr>
+          </a:lstStyle>
+          <a:p>
+            <a:endParaRPr lang="en-GB"/>
+          </a:p>
+        </p:txBody>
+      </p:sp>
+      <p:sp>
+        <p:nvSpPr>
+          <p:cNvPr id="3" name="Date Placeholder 2"/>
+          <p:cNvSpPr>
+            <a:spLocks noGrp="1"/>
+          </p:cNvSpPr>
+          <p:nvPr>
+            <p:ph type="dt" idx="1"/>
+          </p:nvPr>
+        </p:nvSpPr>
+        <p:spPr>
+          <a:xfrm>
+            <a:off x="3884613" y="0"/>
+            <a:ext cx="2971800" cy="458788"/>
+          </a:xfrm>
+          <a:prstGeom prst="rect">
+            <a:avLst/>
+          </a:prstGeom>
+        </p:spPr>
+        <p:txBody>
+          <a:bodyPr vert="horz" lIns="91440" tIns="45720" rIns="91440" bIns="45720" rtlCol="0"/>
+          <a:lstStyle>
+            <a:lvl1pPr algn="r">
+              <a:defRPr sz="1200"/>
+            </a:lvl1pPr>
+          </a:lstStyle>
+          <a:p>
+            <a:fld id="{0B30959F-B313-4108-AFD6-ED2697C36670}" type="datetimeFigureOut">
+              <a:rPr lang="en-GB" smtClean="0"/>
+              <a:t>28/11/2022</a:t>
+            </a:fld>
+            <a:endParaRPr lang="en-GB"/>
+          </a:p>
+        </p:txBody>
+      </p:sp>
+      <p:sp>
+        <p:nvSpPr>
+          <p:cNvPr id="4" name="Slide Image Placeholder 3"/>
+          <p:cNvSpPr>
+            <a:spLocks noGrp="1" noRot="1" noChangeAspect="1"/>
+          </p:cNvSpPr>
+          <p:nvPr>
+            <p:ph type="sldImg" idx="2"/>
+          </p:nvPr>
+        </p:nvSpPr>
+        <p:spPr>
+          <a:xfrm>
+            <a:off x="685800" y="1143000"/>
+            <a:ext cx="5486400" cy="3086100"/>
+          </a:xfrm>
+          <a:prstGeom prst="rect">
+            <a:avLst/>
+          </a:prstGeom>
+          <a:noFill/>
+          <a:ln w="12700">
+            <a:solidFill>
+              <a:prstClr val="black"/>
+            </a:solidFill>
+          </a:ln>
+        </p:spPr>
+        <p:txBody>
+          <a:bodyPr vert="horz" lIns="91440" tIns="45720" rIns="91440" bIns="45720" rtlCol="0" anchor="ctr"/>
+          <a:lstStyle/>
+          <a:p>
+            <a:endParaRPr lang="en-GB"/>
+          </a:p>
+        </p:txBody>
+      </p:sp>
+      <p:sp>
+        <p:nvSpPr>
+          <p:cNvPr id="5" name="Notes Placeholder 4"/>
+          <p:cNvSpPr>
+            <a:spLocks noGrp="1"/>
+          </p:cNvSpPr>
+          <p:nvPr>
+            <p:ph type="body" sz="quarter" idx="3"/>
+          </p:nvPr>
+        </p:nvSpPr>
+        <p:spPr>
+          <a:xfrm>
+            <a:off x="685800" y="4400550"/>
+            <a:ext cx="5486400" cy="3600450"/>
+          </a:xfrm>
+          <a:prstGeom prst="rect">
+            <a:avLst/>
+          </a:prstGeom>
+        </p:spPr>
+        <p:txBody>
+          <a:bodyPr vert="horz" lIns="91440" tIns="45720" rIns="91440" bIns="45720" rtlCol="0"/>
+          <a:lstStyle/>
+          <a:p>
+            <a:pPr lvl="0"/>
+            <a:r>
+              <a:rPr lang="en-US"/>
+              <a:t>Click to edit Master text styles</a:t>
+            </a:r>
+          </a:p>
+          <a:p>
+            <a:pPr lvl="1"/>
+            <a:r>
+              <a:rPr lang="en-US"/>
+              <a:t>Second level</a:t>
+            </a:r>
+          </a:p>
+          <a:p>
+            <a:pPr lvl="2"/>
+            <a:r>
+              <a:rPr lang="en-US"/>
+              <a:t>Third level</a:t>
+            </a:r>
+          </a:p>
+          <a:p>
+            <a:pPr lvl="3"/>
+            <a:r>
+              <a:rPr lang="en-US"/>
+              <a:t>Fourth level</a:t>
+            </a:r>
+          </a:p>
+          <a:p>
+            <a:pPr lvl="4"/>
+            <a:r>
+              <a:rPr lang="en-US"/>
+              <a:t>Fifth level</a:t>
+            </a:r>
+            <a:endParaRPr lang="en-GB"/>
+          </a:p>
+        </p:txBody>
+      </p:sp>
+      <p:sp>
+        <p:nvSpPr>
+          <p:cNvPr id="6" name="Footer Placeholder 5"/>
+          <p:cNvSpPr>
+            <a:spLocks noGrp="1"/>
+          </p:cNvSpPr>
+          <p:nvPr>
+            <p:ph type="ftr" sz="quarter" idx="4"/>
+          </p:nvPr>
+        </p:nvSpPr>
+        <p:spPr>
+          <a:xfrm>
+            <a:off x="0" y="8685213"/>
+            <a:ext cx="2971800" cy="458787"/>
+          </a:xfrm>
+          <a:prstGeom prst="rect">
+            <a:avLst/>
+          </a:prstGeom>
+        </p:spPr>
+        <p:txBody>
+          <a:bodyPr vert="horz" lIns="91440" tIns="45720" rIns="91440" bIns="45720" rtlCol="0" anchor="b"/>
+          <a:lstStyle>
+            <a:lvl1pPr algn="l">
+              <a:defRPr sz="1200"/>
+            </a:lvl1pPr>
+          </a:lstStyle>
+          <a:p>
+            <a:endParaRPr lang="en-GB"/>
+          </a:p>
+        </p:txBody>
+      </p:sp>
+      <p:sp>
+        <p:nvSpPr>
+          <p:cNvPr id="7" name="Slide Number Placeholder 6"/>
+          <p:cNvSpPr>
+            <a:spLocks noGrp="1"/>
+          </p:cNvSpPr>
+          <p:nvPr>
+            <p:ph type="sldNum" sz="quarter" idx="5"/>
+          </p:nvPr>
+        </p:nvSpPr>
+        <p:spPr>
+          <a:xfrm>
+            <a:off x="3884613" y="8685213"/>
+            <a:ext cx="2971800" cy="458787"/>
+          </a:xfrm>
+          <a:prstGeom prst="rect">
+            <a:avLst/>
+          </a:prstGeom>
+        </p:spPr>
+        <p:txBody>
+          <a:bodyPr vert="horz" lIns="91440" tIns="45720" rIns="91440" bIns="45720" rtlCol="0" anchor="b"/>
+          <a:lstStyle>
+            <a:lvl1pPr algn="r">
+              <a:defRPr sz="1200"/>
+            </a:lvl1pPr>
+          </a:lstStyle>
+          <a:p>
+            <a:fld id="{753A5632-1335-4A32-A2F6-109084B7CA42}" type="slidenum">
+              <a:rPr lang="en-GB" smtClean="0"/>
+              <a:t>‹#›</a:t>
+            </a:fld>
+            <a:endParaRPr lang="en-GB"/>
+          </a:p>
+        </p:txBody>
+      </p:sp>
+    </p:spTree>
+    <p:extLst>
+      <p:ext uri="{BB962C8B-B14F-4D97-AF65-F5344CB8AC3E}">
+        <p14:creationId xmlns:p14="http://schemas.microsoft.com/office/powerpoint/2010/main" val="106137431"/>
+      </p:ext>
+    </p:extLst>
+  </p:cSld>
+  <p:clrMap bg1="lt1" tx1="dk1" bg2="lt2" tx2="dk2" accent1="accent1" accent2="accent2" accent3="accent3" accent4="accent4" accent5="accent5" accent6="accent6" hlink="hlink" folHlink="folHlink"/>
+  <p:notesStyle>
+    <a:lvl1pPr marL="0" algn="l" defTabSz="914400" rtl="0" eaLnBrk="1" latinLnBrk="0" hangingPunct="1">
+      <a:defRPr sz="1200" kern="1200">
+        <a:solidFill>
+          <a:schemeClr val="tx1"/>
+        </a:solidFill>
+        <a:latin typeface="+mn-lt"/>
+        <a:ea typeface="+mn-ea"/>
+        <a:cs typeface="+mn-cs"/>
+      </a:defRPr>
+    </a:lvl1pPr>
+    <a:lvl2pPr marL="457200" algn="l" defTabSz="914400" rtl="0" eaLnBrk="1" latinLnBrk="0" hangingPunct="1">
+      <a:defRPr sz="1200" kern="1200">
+        <a:solidFill>
+          <a:schemeClr val="tx1"/>
+        </a:solidFill>
+        <a:latin typeface="+mn-lt"/>
+        <a:ea typeface="+mn-ea"/>
+        <a:cs typeface="+mn-cs"/>
+      </a:defRPr>
+    </a:lvl2pPr>
+    <a:lvl3pPr marL="914400" algn="l" defTabSz="914400" rtl="0" eaLnBrk="1" latinLnBrk="0" hangingPunct="1">
+      <a:defRPr sz="1200" kern="1200">
+        <a:solidFill>
+          <a:schemeClr val="tx1"/>
+        </a:solidFill>
+        <a:latin typeface="+mn-lt"/>
+        <a:ea typeface="+mn-ea"/>
+        <a:cs typeface="+mn-cs"/>
+      </a:defRPr>
+    </a:lvl3pPr>
+    <a:lvl4pPr marL="1371600" algn="l" defTabSz="914400" rtl="0" eaLnBrk="1" latinLnBrk="0" hangingPunct="1">
+      <a:defRPr sz="1200" kern="1200">
+        <a:solidFill>
+          <a:schemeClr val="tx1"/>
+        </a:solidFill>
+        <a:latin typeface="+mn-lt"/>
+        <a:ea typeface="+mn-ea"/>
+        <a:cs typeface="+mn-cs"/>
+      </a:defRPr>
+    </a:lvl4pPr>
+    <a:lvl5pPr marL="1828800" algn="l" defTabSz="914400" rtl="0" eaLnBrk="1" latinLnBrk="0" hangingPunct="1">
+      <a:defRPr sz="1200" kern="1200">
+        <a:solidFill>
+          <a:schemeClr val="tx1"/>
+        </a:solidFill>
+        <a:latin typeface="+mn-lt"/>
+        <a:ea typeface="+mn-ea"/>
+        <a:cs typeface="+mn-cs"/>
+      </a:defRPr>
+    </a:lvl5pPr>
+    <a:lvl6pPr marL="2286000" algn="l" defTabSz="914400" rtl="0" eaLnBrk="1" latinLnBrk="0" hangingPunct="1">
+      <a:defRPr sz="1200" kern="1200">
+        <a:solidFill>
+          <a:schemeClr val="tx1"/>
+        </a:solidFill>
+        <a:latin typeface="+mn-lt"/>
+        <a:ea typeface="+mn-ea"/>
+        <a:cs typeface="+mn-cs"/>
+      </a:defRPr>
+    </a:lvl6pPr>
+    <a:lvl7pPr marL="2743200" algn="l" defTabSz="914400" rtl="0" eaLnBrk="1" latinLnBrk="0" hangingPunct="1">
+      <a:defRPr sz="1200" kern="1200">
+        <a:solidFill>
+          <a:schemeClr val="tx1"/>
+        </a:solidFill>
+        <a:latin typeface="+mn-lt"/>
+        <a:ea typeface="+mn-ea"/>
+        <a:cs typeface="+mn-cs"/>
+      </a:defRPr>
+    </a:lvl7pPr>
+    <a:lvl8pPr marL="3200400" algn="l" defTabSz="914400" rtl="0" eaLnBrk="1" latinLnBrk="0" hangingPunct="1">
+      <a:defRPr sz="1200" kern="1200">
+        <a:solidFill>
+          <a:schemeClr val="tx1"/>
+        </a:solidFill>
+        <a:latin typeface="+mn-lt"/>
+        <a:ea typeface="+mn-ea"/>
+        <a:cs typeface="+mn-cs"/>
+      </a:defRPr>
+    </a:lvl8pPr>
+    <a:lvl9pPr marL="3657600" algn="l" defTabSz="914400" rtl="0" eaLnBrk="1" latinLnBrk="0" hangingPunct="1">
+      <a:defRPr sz="1200" kern="1200">
+        <a:solidFill>
+          <a:schemeClr val="tx1"/>
+        </a:solidFill>
+        <a:latin typeface="+mn-lt"/>
+        <a:ea typeface="+mn-ea"/>
+        <a:cs typeface="+mn-cs"/>
+      </a:defRPr>
+    </a:lvl9pPr>
+  </p:notesStyle>
+</p:notesMaster>
+</file>
+
+<file path=ppt/notesSlides/notesSlide1.xml><?xml version="1.0" encoding="utf-8"?>
+<p:notes xmlns:a="http://schemas.openxmlformats.org/drawingml/2006/main" xmlns:r="http://schemas.openxmlformats.org/officeDocument/2006/relationships" xmlns:p="http://schemas.openxmlformats.org/presentationml/2006/main">
+  <p:cSld>
+    <p:spTree>
+      <p:nvGrpSpPr>
+        <p:cNvPr id="1" name=""/>
+        <p:cNvGrpSpPr/>
+        <p:nvPr/>
+      </p:nvGrpSpPr>
+      <p:grpSpPr>
+        <a:xfrm>
+          <a:off x="0" y="0"/>
+          <a:ext cx="0" cy="0"/>
+          <a:chOff x="0" y="0"/>
+          <a:chExt cx="0" cy="0"/>
+        </a:xfrm>
+      </p:grpSpPr>
+      <p:sp>
+        <p:nvSpPr>
+          <p:cNvPr id="2" name="Slide Image Placeholder 1"/>
+          <p:cNvSpPr>
+            <a:spLocks noGrp="1" noRot="1" noChangeAspect="1"/>
+          </p:cNvSpPr>
+          <p:nvPr>
+            <p:ph type="sldImg"/>
+          </p:nvPr>
+        </p:nvSpPr>
+        <p:spPr/>
+      </p:sp>
+      <p:sp>
+        <p:nvSpPr>
+          <p:cNvPr id="3" name="Notes Placeholder 2"/>
+          <p:cNvSpPr>
+            <a:spLocks noGrp="1"/>
+          </p:cNvSpPr>
+          <p:nvPr>
+            <p:ph type="body" idx="1"/>
+          </p:nvPr>
+        </p:nvSpPr>
+        <p:spPr/>
+        <p:txBody>
+          <a:bodyPr/>
+          <a:lstStyle/>
+          <a:p>
+            <a:r>
+              <a:rPr lang="en-GB" dirty="0"/>
+              <a:t>https://jellymarketing.ca/blog/how-do-search-engines-work/</a:t>
+            </a:r>
+          </a:p>
+        </p:txBody>
+      </p:sp>
+      <p:sp>
+        <p:nvSpPr>
+          <p:cNvPr id="4" name="Slide Number Placeholder 3"/>
+          <p:cNvSpPr>
+            <a:spLocks noGrp="1"/>
+          </p:cNvSpPr>
+          <p:nvPr>
+            <p:ph type="sldNum" sz="quarter" idx="5"/>
+          </p:nvPr>
+        </p:nvSpPr>
+        <p:spPr/>
+        <p:txBody>
+          <a:bodyPr/>
+          <a:lstStyle/>
+          <a:p>
+            <a:fld id="{753A5632-1335-4A32-A2F6-109084B7CA42}" type="slidenum">
+              <a:rPr lang="en-GB" smtClean="0"/>
+              <a:t>4</a:t>
+            </a:fld>
+            <a:endParaRPr lang="en-GB"/>
+          </a:p>
+        </p:txBody>
+      </p:sp>
+    </p:spTree>
+    <p:extLst>
+      <p:ext uri="{BB962C8B-B14F-4D97-AF65-F5344CB8AC3E}">
+        <p14:creationId xmlns:p14="http://schemas.microsoft.com/office/powerpoint/2010/main" val="3858168477"/>
+      </p:ext>
+    </p:extLst>
+  </p:cSld>
+  <p:clrMapOvr>
+    <a:masterClrMapping/>
+  </p:clrMapOvr>
+</p:notes>
+</file>
+
+<file path=ppt/notesSlides/notesSlide2.xml><?xml version="1.0" encoding="utf-8"?>
+<p:notes xmlns:a="http://schemas.openxmlformats.org/drawingml/2006/main" xmlns:r="http://schemas.openxmlformats.org/officeDocument/2006/relationships" xmlns:p="http://schemas.openxmlformats.org/presentationml/2006/main">
+  <p:cSld>
+    <p:spTree>
+      <p:nvGrpSpPr>
+        <p:cNvPr id="1" name=""/>
+        <p:cNvGrpSpPr/>
+        <p:nvPr/>
+      </p:nvGrpSpPr>
+      <p:grpSpPr>
+        <a:xfrm>
+          <a:off x="0" y="0"/>
+          <a:ext cx="0" cy="0"/>
+          <a:chOff x="0" y="0"/>
+          <a:chExt cx="0" cy="0"/>
+        </a:xfrm>
+      </p:grpSpPr>
+      <p:sp>
+        <p:nvSpPr>
+          <p:cNvPr id="2" name="Slide Image Placeholder 1"/>
+          <p:cNvSpPr>
+            <a:spLocks noGrp="1" noRot="1" noChangeAspect="1"/>
+          </p:cNvSpPr>
+          <p:nvPr>
+            <p:ph type="sldImg"/>
+          </p:nvPr>
+        </p:nvSpPr>
+        <p:spPr/>
+      </p:sp>
+      <p:sp>
+        <p:nvSpPr>
+          <p:cNvPr id="3" name="Notes Placeholder 2"/>
+          <p:cNvSpPr>
+            <a:spLocks noGrp="1"/>
+          </p:cNvSpPr>
+          <p:nvPr>
+            <p:ph type="body" idx="1"/>
+          </p:nvPr>
+        </p:nvSpPr>
+        <p:spPr/>
+        <p:txBody>
+          <a:bodyPr/>
+          <a:lstStyle/>
+          <a:p>
+            <a:r>
+              <a:rPr lang="en-GB" dirty="0"/>
+              <a:t>https://www.techtarget.com/whatis/definition/crawler</a:t>
+            </a:r>
+          </a:p>
+        </p:txBody>
+      </p:sp>
+      <p:sp>
+        <p:nvSpPr>
+          <p:cNvPr id="4" name="Slide Number Placeholder 3"/>
+          <p:cNvSpPr>
+            <a:spLocks noGrp="1"/>
+          </p:cNvSpPr>
+          <p:nvPr>
+            <p:ph type="sldNum" sz="quarter" idx="5"/>
+          </p:nvPr>
+        </p:nvSpPr>
+        <p:spPr/>
+        <p:txBody>
+          <a:bodyPr/>
+          <a:lstStyle/>
+          <a:p>
+            <a:fld id="{753A5632-1335-4A32-A2F6-109084B7CA42}" type="slidenum">
+              <a:rPr lang="en-GB" smtClean="0"/>
+              <a:t>5</a:t>
+            </a:fld>
+            <a:endParaRPr lang="en-GB"/>
+          </a:p>
+        </p:txBody>
+      </p:sp>
+    </p:spTree>
+    <p:extLst>
+      <p:ext uri="{BB962C8B-B14F-4D97-AF65-F5344CB8AC3E}">
+        <p14:creationId xmlns:p14="http://schemas.microsoft.com/office/powerpoint/2010/main" val="1183840235"/>
+      </p:ext>
+    </p:extLst>
+  </p:cSld>
+  <p:clrMapOvr>
+    <a:masterClrMapping/>
+  </p:clrMapOvr>
+</p:notes>
+</file>
+
+<file path=ppt/notesSlides/notesSlide3.xml><?xml version="1.0" encoding="utf-8"?>
+<p:notes xmlns:a="http://schemas.openxmlformats.org/drawingml/2006/main" xmlns:r="http://schemas.openxmlformats.org/officeDocument/2006/relationships" xmlns:p="http://schemas.openxmlformats.org/presentationml/2006/main">
+  <p:cSld>
+    <p:spTree>
+      <p:nvGrpSpPr>
+        <p:cNvPr id="1" name=""/>
+        <p:cNvGrpSpPr/>
+        <p:nvPr/>
+      </p:nvGrpSpPr>
+      <p:grpSpPr>
+        <a:xfrm>
+          <a:off x="0" y="0"/>
+          <a:ext cx="0" cy="0"/>
+          <a:chOff x="0" y="0"/>
+          <a:chExt cx="0" cy="0"/>
+        </a:xfrm>
+      </p:grpSpPr>
+      <p:sp>
+        <p:nvSpPr>
+          <p:cNvPr id="2" name="Slide Image Placeholder 1"/>
+          <p:cNvSpPr>
+            <a:spLocks noGrp="1" noRot="1" noChangeAspect="1"/>
+          </p:cNvSpPr>
+          <p:nvPr>
+            <p:ph type="sldImg"/>
+          </p:nvPr>
+        </p:nvSpPr>
+        <p:spPr/>
+      </p:sp>
+      <p:sp>
+        <p:nvSpPr>
+          <p:cNvPr id="3" name="Notes Placeholder 2"/>
+          <p:cNvSpPr>
+            <a:spLocks noGrp="1"/>
+          </p:cNvSpPr>
+          <p:nvPr>
+            <p:ph type="body" idx="1"/>
+          </p:nvPr>
+        </p:nvSpPr>
+        <p:spPr/>
+        <p:txBody>
+          <a:bodyPr/>
+          <a:lstStyle/>
+          <a:p>
+            <a:r>
+              <a:rPr lang="en-GB" dirty="0"/>
+              <a:t>https://www.techtarget.com/whatis/definition/crawler</a:t>
+            </a:r>
+          </a:p>
+        </p:txBody>
+      </p:sp>
+      <p:sp>
+        <p:nvSpPr>
+          <p:cNvPr id="4" name="Slide Number Placeholder 3"/>
+          <p:cNvSpPr>
+            <a:spLocks noGrp="1"/>
+          </p:cNvSpPr>
+          <p:nvPr>
+            <p:ph type="sldNum" sz="quarter" idx="5"/>
+          </p:nvPr>
+        </p:nvSpPr>
+        <p:spPr/>
+        <p:txBody>
+          <a:bodyPr/>
+          <a:lstStyle/>
+          <a:p>
+            <a:fld id="{753A5632-1335-4A32-A2F6-109084B7CA42}" type="slidenum">
+              <a:rPr lang="en-GB" smtClean="0"/>
+              <a:t>6</a:t>
+            </a:fld>
+            <a:endParaRPr lang="en-GB"/>
+          </a:p>
+        </p:txBody>
+      </p:sp>
+    </p:spTree>
+    <p:extLst>
+      <p:ext uri="{BB962C8B-B14F-4D97-AF65-F5344CB8AC3E}">
+        <p14:creationId xmlns:p14="http://schemas.microsoft.com/office/powerpoint/2010/main" val="2487326517"/>
+      </p:ext>
+    </p:extLst>
+  </p:cSld>
+  <p:clrMapOvr>
+    <a:masterClrMapping/>
+  </p:clrMapOvr>
+</p:notes>
+</file>
+
+<file path=ppt/notesSlides/notesSlide4.xml><?xml version="1.0" encoding="utf-8"?>
+<p:notes xmlns:a="http://schemas.openxmlformats.org/drawingml/2006/main" xmlns:r="http://schemas.openxmlformats.org/officeDocument/2006/relationships" xmlns:p="http://schemas.openxmlformats.org/presentationml/2006/main">
+  <p:cSld>
+    <p:spTree>
+      <p:nvGrpSpPr>
+        <p:cNvPr id="1" name=""/>
+        <p:cNvGrpSpPr/>
+        <p:nvPr/>
+      </p:nvGrpSpPr>
+      <p:grpSpPr>
+        <a:xfrm>
+          <a:off x="0" y="0"/>
+          <a:ext cx="0" cy="0"/>
+          <a:chOff x="0" y="0"/>
+          <a:chExt cx="0" cy="0"/>
+        </a:xfrm>
+      </p:grpSpPr>
+      <p:sp>
+        <p:nvSpPr>
+          <p:cNvPr id="2" name="Slide Image Placeholder 1"/>
+          <p:cNvSpPr>
+            <a:spLocks noGrp="1" noRot="1" noChangeAspect="1"/>
+          </p:cNvSpPr>
+          <p:nvPr>
+            <p:ph type="sldImg"/>
+          </p:nvPr>
+        </p:nvSpPr>
+        <p:spPr/>
+      </p:sp>
+      <p:sp>
+        <p:nvSpPr>
+          <p:cNvPr id="3" name="Notes Placeholder 2"/>
+          <p:cNvSpPr>
+            <a:spLocks noGrp="1"/>
+          </p:cNvSpPr>
+          <p:nvPr>
+            <p:ph type="body" idx="1"/>
+          </p:nvPr>
+        </p:nvSpPr>
+        <p:spPr/>
+        <p:txBody>
+          <a:bodyPr/>
+          <a:lstStyle/>
+          <a:p>
+            <a:r>
+              <a:rPr lang="en-GB" dirty="0"/>
+              <a:t>https://www.keycdn.com/support/web-cache</a:t>
+            </a:r>
+          </a:p>
+        </p:txBody>
+      </p:sp>
+      <p:sp>
+        <p:nvSpPr>
+          <p:cNvPr id="4" name="Slide Number Placeholder 3"/>
+          <p:cNvSpPr>
+            <a:spLocks noGrp="1"/>
+          </p:cNvSpPr>
+          <p:nvPr>
+            <p:ph type="sldNum" sz="quarter" idx="5"/>
+          </p:nvPr>
+        </p:nvSpPr>
+        <p:spPr/>
+        <p:txBody>
+          <a:bodyPr/>
+          <a:lstStyle/>
+          <a:p>
+            <a:fld id="{753A5632-1335-4A32-A2F6-109084B7CA42}" type="slidenum">
+              <a:rPr lang="en-GB" smtClean="0"/>
+              <a:t>7</a:t>
+            </a:fld>
+            <a:endParaRPr lang="en-GB"/>
+          </a:p>
+        </p:txBody>
+      </p:sp>
+    </p:spTree>
+    <p:extLst>
+      <p:ext uri="{BB962C8B-B14F-4D97-AF65-F5344CB8AC3E}">
+        <p14:creationId xmlns:p14="http://schemas.microsoft.com/office/powerpoint/2010/main" val="2411595711"/>
+      </p:ext>
+    </p:extLst>
+  </p:cSld>
+  <p:clrMapOvr>
+    <a:masterClrMapping/>
+  </p:clrMapOvr>
+</p:notes>
+</file>
+
+<file path=ppt/notesSlides/notesSlide5.xml><?xml version="1.0" encoding="utf-8"?>
+<p:notes xmlns:a="http://schemas.openxmlformats.org/drawingml/2006/main" xmlns:r="http://schemas.openxmlformats.org/officeDocument/2006/relationships" xmlns:p="http://schemas.openxmlformats.org/presentationml/2006/main">
+  <p:cSld>
+    <p:spTree>
+      <p:nvGrpSpPr>
+        <p:cNvPr id="1" name=""/>
+        <p:cNvGrpSpPr/>
+        <p:nvPr/>
+      </p:nvGrpSpPr>
+      <p:grpSpPr>
+        <a:xfrm>
+          <a:off x="0" y="0"/>
+          <a:ext cx="0" cy="0"/>
+          <a:chOff x="0" y="0"/>
+          <a:chExt cx="0" cy="0"/>
+        </a:xfrm>
+      </p:grpSpPr>
+      <p:sp>
+        <p:nvSpPr>
+          <p:cNvPr id="2" name="Slide Image Placeholder 1"/>
+          <p:cNvSpPr>
+            <a:spLocks noGrp="1" noRot="1" noChangeAspect="1"/>
+          </p:cNvSpPr>
+          <p:nvPr>
+            <p:ph type="sldImg"/>
+          </p:nvPr>
+        </p:nvSpPr>
+        <p:spPr/>
+      </p:sp>
+      <p:sp>
+        <p:nvSpPr>
+          <p:cNvPr id="3" name="Notes Placeholder 2"/>
+          <p:cNvSpPr>
+            <a:spLocks noGrp="1"/>
+          </p:cNvSpPr>
+          <p:nvPr>
+            <p:ph type="body" idx="1"/>
+          </p:nvPr>
+        </p:nvSpPr>
+        <p:spPr/>
+        <p:txBody>
+          <a:bodyPr/>
+          <a:lstStyle/>
+          <a:p>
+            <a:r>
+              <a:rPr lang="en-GB" dirty="0"/>
+              <a:t>https://www.keycdn.com/support/web-cache</a:t>
+            </a:r>
+          </a:p>
+        </p:txBody>
+      </p:sp>
+      <p:sp>
+        <p:nvSpPr>
+          <p:cNvPr id="4" name="Slide Number Placeholder 3"/>
+          <p:cNvSpPr>
+            <a:spLocks noGrp="1"/>
+          </p:cNvSpPr>
+          <p:nvPr>
+            <p:ph type="sldNum" sz="quarter" idx="5"/>
+          </p:nvPr>
+        </p:nvSpPr>
+        <p:spPr/>
+        <p:txBody>
+          <a:bodyPr/>
+          <a:lstStyle/>
+          <a:p>
+            <a:fld id="{753A5632-1335-4A32-A2F6-109084B7CA42}" type="slidenum">
+              <a:rPr lang="en-GB" smtClean="0"/>
+              <a:t>8</a:t>
+            </a:fld>
+            <a:endParaRPr lang="en-GB"/>
+          </a:p>
+        </p:txBody>
+      </p:sp>
+    </p:spTree>
+    <p:extLst>
+      <p:ext uri="{BB962C8B-B14F-4D97-AF65-F5344CB8AC3E}">
+        <p14:creationId xmlns:p14="http://schemas.microsoft.com/office/powerpoint/2010/main" val="951093590"/>
+      </p:ext>
+    </p:extLst>
+  </p:cSld>
+  <p:clrMapOvr>
+    <a:masterClrMapping/>
+  </p:clrMapOvr>
+</p:notes>
+</file>
+
+<file path=ppt/notesSlides/notesSlide6.xml><?xml version="1.0" encoding="utf-8"?>
+<p:notes xmlns:a="http://schemas.openxmlformats.org/drawingml/2006/main" xmlns:r="http://schemas.openxmlformats.org/officeDocument/2006/relationships" xmlns:p="http://schemas.openxmlformats.org/presentationml/2006/main">
+  <p:cSld>
+    <p:spTree>
+      <p:nvGrpSpPr>
+        <p:cNvPr id="1" name=""/>
+        <p:cNvGrpSpPr/>
+        <p:nvPr/>
+      </p:nvGrpSpPr>
+      <p:grpSpPr>
+        <a:xfrm>
+          <a:off x="0" y="0"/>
+          <a:ext cx="0" cy="0"/>
+          <a:chOff x="0" y="0"/>
+          <a:chExt cx="0" cy="0"/>
+        </a:xfrm>
+      </p:grpSpPr>
+      <p:sp>
+        <p:nvSpPr>
+          <p:cNvPr id="2" name="Slide Image Placeholder 1"/>
+          <p:cNvSpPr>
+            <a:spLocks noGrp="1" noRot="1" noChangeAspect="1"/>
+          </p:cNvSpPr>
+          <p:nvPr>
+            <p:ph type="sldImg"/>
+          </p:nvPr>
+        </p:nvSpPr>
+        <p:spPr/>
+      </p:sp>
+      <p:sp>
+        <p:nvSpPr>
+          <p:cNvPr id="3" name="Notes Placeholder 2"/>
+          <p:cNvSpPr>
+            <a:spLocks noGrp="1"/>
+          </p:cNvSpPr>
+          <p:nvPr>
+            <p:ph type="body" idx="1"/>
+          </p:nvPr>
+        </p:nvSpPr>
+        <p:spPr/>
+        <p:txBody>
+          <a:bodyPr/>
+          <a:lstStyle/>
+          <a:p>
+            <a:r>
+              <a:rPr lang="en-GB" dirty="0"/>
+              <a:t>https://towardsdatascience.com/pagerank-algorithm-fully-explained-dc794184b4af</a:t>
+            </a:r>
+          </a:p>
+        </p:txBody>
+      </p:sp>
+      <p:sp>
+        <p:nvSpPr>
+          <p:cNvPr id="4" name="Slide Number Placeholder 3"/>
+          <p:cNvSpPr>
+            <a:spLocks noGrp="1"/>
+          </p:cNvSpPr>
+          <p:nvPr>
+            <p:ph type="sldNum" sz="quarter" idx="5"/>
+          </p:nvPr>
+        </p:nvSpPr>
+        <p:spPr/>
+        <p:txBody>
+          <a:bodyPr/>
+          <a:lstStyle/>
+          <a:p>
+            <a:fld id="{753A5632-1335-4A32-A2F6-109084B7CA42}" type="slidenum">
+              <a:rPr lang="en-GB" smtClean="0"/>
+              <a:t>9</a:t>
+            </a:fld>
+            <a:endParaRPr lang="en-GB"/>
+          </a:p>
+        </p:txBody>
+      </p:sp>
+    </p:spTree>
+    <p:extLst>
+      <p:ext uri="{BB962C8B-B14F-4D97-AF65-F5344CB8AC3E}">
+        <p14:creationId xmlns:p14="http://schemas.microsoft.com/office/powerpoint/2010/main" val="1864290098"/>
+      </p:ext>
+    </p:extLst>
+  </p:cSld>
+  <p:clrMapOvr>
+    <a:masterClrMapping/>
+  </p:clrMapOvr>
+</p:notes>
+</file>
+
+<file path=ppt/notesSlides/notesSlide7.xml><?xml version="1.0" encoding="utf-8"?>
+<p:notes xmlns:a="http://schemas.openxmlformats.org/drawingml/2006/main" xmlns:r="http://schemas.openxmlformats.org/officeDocument/2006/relationships" xmlns:p="http://schemas.openxmlformats.org/presentationml/2006/main">
+  <p:cSld>
+    <p:spTree>
+      <p:nvGrpSpPr>
+        <p:cNvPr id="1" name=""/>
+        <p:cNvGrpSpPr/>
+        <p:nvPr/>
+      </p:nvGrpSpPr>
+      <p:grpSpPr>
+        <a:xfrm>
+          <a:off x="0" y="0"/>
+          <a:ext cx="0" cy="0"/>
+          <a:chOff x="0" y="0"/>
+          <a:chExt cx="0" cy="0"/>
+        </a:xfrm>
+      </p:grpSpPr>
+      <p:sp>
+        <p:nvSpPr>
+          <p:cNvPr id="2" name="Slide Image Placeholder 1"/>
+          <p:cNvSpPr>
+            <a:spLocks noGrp="1" noRot="1" noChangeAspect="1"/>
+          </p:cNvSpPr>
+          <p:nvPr>
+            <p:ph type="sldImg"/>
+          </p:nvPr>
+        </p:nvSpPr>
+        <p:spPr/>
+      </p:sp>
+      <p:sp>
+        <p:nvSpPr>
+          <p:cNvPr id="3" name="Notes Placeholder 2"/>
+          <p:cNvSpPr>
+            <a:spLocks noGrp="1"/>
+          </p:cNvSpPr>
+          <p:nvPr>
+            <p:ph type="body" idx="1"/>
+          </p:nvPr>
+        </p:nvSpPr>
+        <p:spPr/>
+        <p:txBody>
+          <a:bodyPr/>
+          <a:lstStyle/>
+          <a:p>
+            <a:endParaRPr lang="en-GB" dirty="0"/>
+          </a:p>
+        </p:txBody>
+      </p:sp>
+      <p:sp>
+        <p:nvSpPr>
+          <p:cNvPr id="4" name="Slide Number Placeholder 3"/>
+          <p:cNvSpPr>
+            <a:spLocks noGrp="1"/>
+          </p:cNvSpPr>
+          <p:nvPr>
+            <p:ph type="sldNum" sz="quarter" idx="5"/>
+          </p:nvPr>
+        </p:nvSpPr>
+        <p:spPr/>
+        <p:txBody>
+          <a:bodyPr/>
+          <a:lstStyle/>
+          <a:p>
+            <a:fld id="{753A5632-1335-4A32-A2F6-109084B7CA42}" type="slidenum">
+              <a:rPr lang="en-GB" smtClean="0"/>
+              <a:t>10</a:t>
+            </a:fld>
+            <a:endParaRPr lang="en-GB"/>
+          </a:p>
+        </p:txBody>
+      </p:sp>
+    </p:spTree>
+    <p:extLst>
+      <p:ext uri="{BB962C8B-B14F-4D97-AF65-F5344CB8AC3E}">
+        <p14:creationId xmlns:p14="http://schemas.microsoft.com/office/powerpoint/2010/main" val="2678181913"/>
+      </p:ext>
+    </p:extLst>
+  </p:cSld>
+  <p:clrMapOvr>
+    <a:masterClrMapping/>
+  </p:clrMapOvr>
+</p:notes>
+</file>
+
+<file path=ppt/notesSlides/notesSlide8.xml><?xml version="1.0" encoding="utf-8"?>
+<p:notes xmlns:a="http://schemas.openxmlformats.org/drawingml/2006/main" xmlns:r="http://schemas.openxmlformats.org/officeDocument/2006/relationships" xmlns:p="http://schemas.openxmlformats.org/presentationml/2006/main">
+  <p:cSld>
+    <p:spTree>
+      <p:nvGrpSpPr>
+        <p:cNvPr id="1" name=""/>
+        <p:cNvGrpSpPr/>
+        <p:nvPr/>
+      </p:nvGrpSpPr>
+      <p:grpSpPr>
+        <a:xfrm>
+          <a:off x="0" y="0"/>
+          <a:ext cx="0" cy="0"/>
+          <a:chOff x="0" y="0"/>
+          <a:chExt cx="0" cy="0"/>
+        </a:xfrm>
+      </p:grpSpPr>
+      <p:sp>
+        <p:nvSpPr>
+          <p:cNvPr id="2" name="Slide Image Placeholder 1"/>
+          <p:cNvSpPr>
+            <a:spLocks noGrp="1" noRot="1" noChangeAspect="1"/>
+          </p:cNvSpPr>
+          <p:nvPr>
+            <p:ph type="sldImg"/>
+          </p:nvPr>
+        </p:nvSpPr>
+        <p:spPr/>
+      </p:sp>
+      <p:sp>
+        <p:nvSpPr>
+          <p:cNvPr id="3" name="Notes Placeholder 2"/>
+          <p:cNvSpPr>
+            <a:spLocks noGrp="1"/>
+          </p:cNvSpPr>
+          <p:nvPr>
+            <p:ph type="body" idx="1"/>
+          </p:nvPr>
+        </p:nvSpPr>
+        <p:spPr/>
+        <p:txBody>
+          <a:bodyPr/>
+          <a:lstStyle/>
+          <a:p>
+            <a:endParaRPr lang="en-GB" dirty="0"/>
+          </a:p>
+        </p:txBody>
+      </p:sp>
+      <p:sp>
+        <p:nvSpPr>
+          <p:cNvPr id="4" name="Slide Number Placeholder 3"/>
+          <p:cNvSpPr>
+            <a:spLocks noGrp="1"/>
+          </p:cNvSpPr>
+          <p:nvPr>
+            <p:ph type="sldNum" sz="quarter" idx="5"/>
+          </p:nvPr>
+        </p:nvSpPr>
+        <p:spPr/>
+        <p:txBody>
+          <a:bodyPr/>
+          <a:lstStyle/>
+          <a:p>
+            <a:fld id="{753A5632-1335-4A32-A2F6-109084B7CA42}" type="slidenum">
+              <a:rPr lang="en-GB" smtClean="0"/>
+              <a:t>11</a:t>
+            </a:fld>
+            <a:endParaRPr lang="en-GB"/>
+          </a:p>
+        </p:txBody>
+      </p:sp>
+    </p:spTree>
+    <p:extLst>
+      <p:ext uri="{BB962C8B-B14F-4D97-AF65-F5344CB8AC3E}">
+        <p14:creationId xmlns:p14="http://schemas.microsoft.com/office/powerpoint/2010/main" val="2319741163"/>
+      </p:ext>
+    </p:extLst>
+  </p:cSld>
+  <p:clrMapOvr>
+    <a:masterClrMapping/>
+  </p:clrMapOvr>
+</p:notes>
+</file>
+
+<file path=ppt/notesSlides/notesSlide9.xml><?xml version="1.0" encoding="utf-8"?>
+<p:notes xmlns:a="http://schemas.openxmlformats.org/drawingml/2006/main" xmlns:r="http://schemas.openxmlformats.org/officeDocument/2006/relationships" xmlns:p="http://schemas.openxmlformats.org/presentationml/2006/main">
+  <p:cSld>
+    <p:spTree>
+      <p:nvGrpSpPr>
+        <p:cNvPr id="1" name=""/>
+        <p:cNvGrpSpPr/>
+        <p:nvPr/>
+      </p:nvGrpSpPr>
+      <p:grpSpPr>
+        <a:xfrm>
+          <a:off x="0" y="0"/>
+          <a:ext cx="0" cy="0"/>
+          <a:chOff x="0" y="0"/>
+          <a:chExt cx="0" cy="0"/>
+        </a:xfrm>
+      </p:grpSpPr>
+      <p:sp>
+        <p:nvSpPr>
+          <p:cNvPr id="2" name="Slide Image Placeholder 1"/>
+          <p:cNvSpPr>
+            <a:spLocks noGrp="1" noRot="1" noChangeAspect="1"/>
+          </p:cNvSpPr>
+          <p:nvPr>
+            <p:ph type="sldImg"/>
+          </p:nvPr>
+        </p:nvSpPr>
+        <p:spPr/>
+      </p:sp>
+      <p:sp>
+        <p:nvSpPr>
+          <p:cNvPr id="3" name="Notes Placeholder 2"/>
+          <p:cNvSpPr>
+            <a:spLocks noGrp="1"/>
+          </p:cNvSpPr>
+          <p:nvPr>
+            <p:ph type="body" idx="1"/>
+          </p:nvPr>
+        </p:nvSpPr>
+        <p:spPr/>
+        <p:txBody>
+          <a:bodyPr/>
+          <a:lstStyle/>
+          <a:p>
+            <a:r>
+              <a:rPr lang="en-GB" dirty="0"/>
+              <a:t>https://towardsdatascience.com/pagerank-algorithm-fully-explained-dc794184b4af</a:t>
+            </a:r>
+          </a:p>
+        </p:txBody>
+      </p:sp>
+      <p:sp>
+        <p:nvSpPr>
+          <p:cNvPr id="4" name="Slide Number Placeholder 3"/>
+          <p:cNvSpPr>
+            <a:spLocks noGrp="1"/>
+          </p:cNvSpPr>
+          <p:nvPr>
+            <p:ph type="sldNum" sz="quarter" idx="5"/>
+          </p:nvPr>
+        </p:nvSpPr>
+        <p:spPr/>
+        <p:txBody>
+          <a:bodyPr/>
+          <a:lstStyle/>
+          <a:p>
+            <a:fld id="{753A5632-1335-4A32-A2F6-109084B7CA42}" type="slidenum">
+              <a:rPr lang="en-GB" smtClean="0"/>
+              <a:t>12</a:t>
+            </a:fld>
+            <a:endParaRPr lang="en-GB"/>
+          </a:p>
+        </p:txBody>
+      </p:sp>
+    </p:spTree>
+    <p:extLst>
+      <p:ext uri="{BB962C8B-B14F-4D97-AF65-F5344CB8AC3E}">
+        <p14:creationId xmlns:p14="http://schemas.microsoft.com/office/powerpoint/2010/main" val="3857509792"/>
+      </p:ext>
+    </p:extLst>
+  </p:cSld>
+  <p:clrMapOvr>
+    <a:masterClrMapping/>
+  </p:clrMapOvr>
+</p:notes>
 </file>
 
 <file path=ppt/slideLayouts/slideLayout1.xml><?xml version="1.0" encoding="utf-8"?>
@@ -263,7 +1409,7 @@
           <a:p>
             <a:fld id="{02AC24A9-CCB6-4F8D-B8DB-C2F3692CFA5A}" type="datetimeFigureOut">
               <a:rPr lang="en-US" smtClean="0"/>
-              <a:t>11/27/2022</a:t>
+              <a:t>11/28/2022</a:t>
             </a:fld>
             <a:endParaRPr lang="en-US"/>
           </a:p>
@@ -675,7 +1821,7 @@
           <a:p>
             <a:fld id="{02AC24A9-CCB6-4F8D-B8DB-C2F3692CFA5A}" type="datetimeFigureOut">
               <a:rPr lang="en-US" smtClean="0"/>
-              <a:t>11/27/2022</a:t>
+              <a:t>11/28/2022</a:t>
             </a:fld>
             <a:endParaRPr lang="en-US"/>
           </a:p>
@@ -1456,7 +2602,7 @@
               </a:ext>
             </a:extLst>
           </a:blip>
-          <a:srcRect l="17387" r="17387"/>
+          <a:srcRect l="3442" r="3442"/>
           <a:stretch/>
         </p:blipFill>
         <p:spPr>
@@ -2167,6 +3313,3224 @@
     <p:extLst>
       <p:ext uri="{BB962C8B-B14F-4D97-AF65-F5344CB8AC3E}">
         <p14:creationId xmlns:p14="http://schemas.microsoft.com/office/powerpoint/2010/main" val="1247102101"/>
+      </p:ext>
+    </p:extLst>
+  </p:cSld>
+  <p:clrMapOvr>
+    <a:masterClrMapping/>
+  </p:clrMapOvr>
+</p:sld>
+</file>
+
+<file path=ppt/slides/slide10.xml><?xml version="1.0" encoding="utf-8"?>
+<p:sld xmlns:a="http://schemas.openxmlformats.org/drawingml/2006/main" xmlns:r="http://schemas.openxmlformats.org/officeDocument/2006/relationships" xmlns:p="http://schemas.openxmlformats.org/presentationml/2006/main">
+  <p:cSld>
+    <p:spTree>
+      <p:nvGrpSpPr>
+        <p:cNvPr id="1" name=""/>
+        <p:cNvGrpSpPr/>
+        <p:nvPr/>
+      </p:nvGrpSpPr>
+      <p:grpSpPr>
+        <a:xfrm>
+          <a:off x="0" y="0"/>
+          <a:ext cx="0" cy="0"/>
+          <a:chOff x="0" y="0"/>
+          <a:chExt cx="0" cy="0"/>
+        </a:xfrm>
+      </p:grpSpPr>
+      <p:sp>
+        <p:nvSpPr>
+          <p:cNvPr id="2" name="Title 1">
+            <a:extLst>
+              <a:ext uri="{FF2B5EF4-FFF2-40B4-BE49-F238E27FC236}">
+                <a16:creationId xmlns:a16="http://schemas.microsoft.com/office/drawing/2014/main" id="{B8575F0A-BCA5-7DAB-3711-E5F0CECE71AA}"/>
+              </a:ext>
+            </a:extLst>
+          </p:cNvPr>
+          <p:cNvSpPr>
+            <a:spLocks noGrp="1"/>
+          </p:cNvSpPr>
+          <p:nvPr>
+            <p:ph type="ctrTitle"/>
+          </p:nvPr>
+        </p:nvSpPr>
+        <p:spPr>
+          <a:xfrm>
+            <a:off x="477981" y="1122363"/>
+            <a:ext cx="4023360" cy="3204134"/>
+          </a:xfrm>
+        </p:spPr>
+        <p:txBody>
+          <a:bodyPr anchor="b">
+            <a:normAutofit/>
+          </a:bodyPr>
+          <a:lstStyle/>
+          <a:p>
+            <a:r>
+              <a:rPr lang="en-GB" sz="4800" dirty="0"/>
+              <a:t>Auto-correct</a:t>
+            </a:r>
+          </a:p>
+        </p:txBody>
+      </p:sp>
+      <p:sp>
+        <p:nvSpPr>
+          <p:cNvPr id="3" name="Subtitle 2">
+            <a:extLst>
+              <a:ext uri="{FF2B5EF4-FFF2-40B4-BE49-F238E27FC236}">
+                <a16:creationId xmlns:a16="http://schemas.microsoft.com/office/drawing/2014/main" id="{07764057-0F12-8D8B-02D4-A0E35A7FA917}"/>
+              </a:ext>
+            </a:extLst>
+          </p:cNvPr>
+          <p:cNvSpPr>
+            <a:spLocks noGrp="1"/>
+          </p:cNvSpPr>
+          <p:nvPr>
+            <p:ph type="subTitle" idx="1"/>
+          </p:nvPr>
+        </p:nvSpPr>
+        <p:spPr>
+          <a:xfrm>
+            <a:off x="477980" y="4872922"/>
+            <a:ext cx="11192909" cy="1208141"/>
+          </a:xfrm>
+        </p:spPr>
+        <p:txBody>
+          <a:bodyPr>
+            <a:normAutofit/>
+          </a:bodyPr>
+          <a:lstStyle/>
+          <a:p>
+            <a:pPr>
+              <a:lnSpc>
+                <a:spcPct val="100000"/>
+              </a:lnSpc>
+            </a:pPr>
+            <a:r>
+              <a:rPr lang="en-GB" sz="1700" dirty="0"/>
+              <a:t>A tree was used for creating the mechanism of auto-correct. </a:t>
+            </a:r>
+          </a:p>
+        </p:txBody>
+      </p:sp>
+    </p:spTree>
+    <p:extLst>
+      <p:ext uri="{BB962C8B-B14F-4D97-AF65-F5344CB8AC3E}">
+        <p14:creationId xmlns:p14="http://schemas.microsoft.com/office/powerpoint/2010/main" val="1317131392"/>
+      </p:ext>
+    </p:extLst>
+  </p:cSld>
+  <p:clrMapOvr>
+    <a:masterClrMapping/>
+  </p:clrMapOvr>
+</p:sld>
+</file>
+
+<file path=ppt/slides/slide11.xml><?xml version="1.0" encoding="utf-8"?>
+<p:sld xmlns:a="http://schemas.openxmlformats.org/drawingml/2006/main" xmlns:r="http://schemas.openxmlformats.org/officeDocument/2006/relationships" xmlns:p="http://schemas.openxmlformats.org/presentationml/2006/main">
+  <p:cSld>
+    <p:spTree>
+      <p:nvGrpSpPr>
+        <p:cNvPr id="1" name=""/>
+        <p:cNvGrpSpPr/>
+        <p:nvPr/>
+      </p:nvGrpSpPr>
+      <p:grpSpPr>
+        <a:xfrm>
+          <a:off x="0" y="0"/>
+          <a:ext cx="0" cy="0"/>
+          <a:chOff x="0" y="0"/>
+          <a:chExt cx="0" cy="0"/>
+        </a:xfrm>
+      </p:grpSpPr>
+      <p:sp>
+        <p:nvSpPr>
+          <p:cNvPr id="2" name="Title 1">
+            <a:extLst>
+              <a:ext uri="{FF2B5EF4-FFF2-40B4-BE49-F238E27FC236}">
+                <a16:creationId xmlns:a16="http://schemas.microsoft.com/office/drawing/2014/main" id="{B8575F0A-BCA5-7DAB-3711-E5F0CECE71AA}"/>
+              </a:ext>
+            </a:extLst>
+          </p:cNvPr>
+          <p:cNvSpPr>
+            <a:spLocks noGrp="1"/>
+          </p:cNvSpPr>
+          <p:nvPr>
+            <p:ph type="ctrTitle"/>
+          </p:nvPr>
+        </p:nvSpPr>
+        <p:spPr>
+          <a:xfrm>
+            <a:off x="477981" y="1122363"/>
+            <a:ext cx="4023360" cy="3204134"/>
+          </a:xfrm>
+        </p:spPr>
+        <p:txBody>
+          <a:bodyPr anchor="b">
+            <a:normAutofit/>
+          </a:bodyPr>
+          <a:lstStyle/>
+          <a:p>
+            <a:r>
+              <a:rPr lang="en-GB" sz="4800" dirty="0"/>
+              <a:t>Auto-fill	</a:t>
+            </a:r>
+          </a:p>
+        </p:txBody>
+      </p:sp>
+      <p:sp>
+        <p:nvSpPr>
+          <p:cNvPr id="3" name="Subtitle 2">
+            <a:extLst>
+              <a:ext uri="{FF2B5EF4-FFF2-40B4-BE49-F238E27FC236}">
+                <a16:creationId xmlns:a16="http://schemas.microsoft.com/office/drawing/2014/main" id="{07764057-0F12-8D8B-02D4-A0E35A7FA917}"/>
+              </a:ext>
+            </a:extLst>
+          </p:cNvPr>
+          <p:cNvSpPr>
+            <a:spLocks noGrp="1"/>
+          </p:cNvSpPr>
+          <p:nvPr>
+            <p:ph type="subTitle" idx="1"/>
+          </p:nvPr>
+        </p:nvSpPr>
+        <p:spPr>
+          <a:xfrm>
+            <a:off x="477980" y="4872922"/>
+            <a:ext cx="11173245" cy="1208141"/>
+          </a:xfrm>
+        </p:spPr>
+        <p:txBody>
+          <a:bodyPr>
+            <a:normAutofit/>
+          </a:bodyPr>
+          <a:lstStyle/>
+          <a:p>
+            <a:pPr>
+              <a:lnSpc>
+                <a:spcPct val="100000"/>
+              </a:lnSpc>
+            </a:pPr>
+            <a:r>
+              <a:rPr lang="en-US" sz="1700" dirty="0" err="1"/>
+              <a:t>Trie</a:t>
+            </a:r>
+            <a:r>
+              <a:rPr lang="en-US" sz="1700" dirty="0"/>
+              <a:t> was used for creating the mechanism of Auto-fill.</a:t>
+            </a:r>
+            <a:endParaRPr lang="en-GB" sz="1700" dirty="0"/>
+          </a:p>
+        </p:txBody>
+      </p:sp>
+    </p:spTree>
+    <p:extLst>
+      <p:ext uri="{BB962C8B-B14F-4D97-AF65-F5344CB8AC3E}">
+        <p14:creationId xmlns:p14="http://schemas.microsoft.com/office/powerpoint/2010/main" val="2202238403"/>
+      </p:ext>
+    </p:extLst>
+  </p:cSld>
+  <p:clrMapOvr>
+    <a:masterClrMapping/>
+  </p:clrMapOvr>
+</p:sld>
+</file>
+
+<file path=ppt/slides/slide12.xml><?xml version="1.0" encoding="utf-8"?>
+<p:sld xmlns:a="http://schemas.openxmlformats.org/drawingml/2006/main" xmlns:r="http://schemas.openxmlformats.org/officeDocument/2006/relationships" xmlns:p="http://schemas.openxmlformats.org/presentationml/2006/main">
+  <p:cSld>
+    <p:spTree>
+      <p:nvGrpSpPr>
+        <p:cNvPr id="1" name=""/>
+        <p:cNvGrpSpPr/>
+        <p:nvPr/>
+      </p:nvGrpSpPr>
+      <p:grpSpPr>
+        <a:xfrm>
+          <a:off x="0" y="0"/>
+          <a:ext cx="0" cy="0"/>
+          <a:chOff x="0" y="0"/>
+          <a:chExt cx="0" cy="0"/>
+        </a:xfrm>
+      </p:grpSpPr>
+      <p:sp>
+        <p:nvSpPr>
+          <p:cNvPr id="2" name="Title 1">
+            <a:extLst>
+              <a:ext uri="{FF2B5EF4-FFF2-40B4-BE49-F238E27FC236}">
+                <a16:creationId xmlns:a16="http://schemas.microsoft.com/office/drawing/2014/main" id="{B8575F0A-BCA5-7DAB-3711-E5F0CECE71AA}"/>
+              </a:ext>
+            </a:extLst>
+          </p:cNvPr>
+          <p:cNvSpPr>
+            <a:spLocks noGrp="1"/>
+          </p:cNvSpPr>
+          <p:nvPr>
+            <p:ph type="ctrTitle"/>
+          </p:nvPr>
+        </p:nvSpPr>
+        <p:spPr>
+          <a:xfrm>
+            <a:off x="477981" y="1122363"/>
+            <a:ext cx="4023360" cy="3204134"/>
+          </a:xfrm>
+        </p:spPr>
+        <p:txBody>
+          <a:bodyPr anchor="b">
+            <a:normAutofit/>
+          </a:bodyPr>
+          <a:lstStyle/>
+          <a:p>
+            <a:r>
+              <a:rPr lang="en-GB" sz="4800" dirty="0"/>
+              <a:t>References</a:t>
+            </a:r>
+          </a:p>
+        </p:txBody>
+      </p:sp>
+      <p:sp>
+        <p:nvSpPr>
+          <p:cNvPr id="3" name="Subtitle 2">
+            <a:extLst>
+              <a:ext uri="{FF2B5EF4-FFF2-40B4-BE49-F238E27FC236}">
+                <a16:creationId xmlns:a16="http://schemas.microsoft.com/office/drawing/2014/main" id="{07764057-0F12-8D8B-02D4-A0E35A7FA917}"/>
+              </a:ext>
+            </a:extLst>
+          </p:cNvPr>
+          <p:cNvSpPr>
+            <a:spLocks noGrp="1"/>
+          </p:cNvSpPr>
+          <p:nvPr>
+            <p:ph type="subTitle" idx="1"/>
+          </p:nvPr>
+        </p:nvSpPr>
+        <p:spPr>
+          <a:xfrm>
+            <a:off x="477981" y="4872922"/>
+            <a:ext cx="11153580" cy="1208141"/>
+          </a:xfrm>
+        </p:spPr>
+        <p:txBody>
+          <a:bodyPr>
+            <a:normAutofit/>
+          </a:bodyPr>
+          <a:lstStyle/>
+          <a:p>
+            <a:pPr marL="285750" indent="-285750">
+              <a:lnSpc>
+                <a:spcPct val="100000"/>
+              </a:lnSpc>
+              <a:buFont typeface="Arial" panose="020B0604020202020204" pitchFamily="34" charset="0"/>
+              <a:buChar char="•"/>
+            </a:pPr>
+            <a:r>
+              <a:rPr lang="en-US" sz="1700" dirty="0"/>
+              <a:t>Amine, A. (2021, December 24). PageRank algorithm, fully explained - Towards Data Science. Medium. </a:t>
+            </a:r>
+            <a:r>
+              <a:rPr lang="en-US" sz="1700" dirty="0">
+                <a:hlinkClick r:id="rId3"/>
+              </a:rPr>
+              <a:t>https://towardsdatascience.com/pagerank-algorithm-fully-explained-dc794184b4af</a:t>
+            </a:r>
+            <a:endParaRPr lang="en-US" sz="1700" dirty="0"/>
+          </a:p>
+          <a:p>
+            <a:pPr marL="285750" indent="-285750">
+              <a:lnSpc>
+                <a:spcPct val="100000"/>
+              </a:lnSpc>
+              <a:buFont typeface="Arial" panose="020B0604020202020204" pitchFamily="34" charset="0"/>
+              <a:buChar char="•"/>
+            </a:pPr>
+            <a:r>
+              <a:rPr lang="en-US" sz="1800" dirty="0">
+                <a:effectLst/>
+                <a:latin typeface="Times New Roman" panose="02020603050405020304" pitchFamily="18" charset="0"/>
+              </a:rPr>
+              <a:t>Gillis, A. S. (2022, September 30). </a:t>
+            </a:r>
+            <a:r>
+              <a:rPr lang="en-US" sz="1800" i="1" dirty="0">
+                <a:effectLst/>
+                <a:latin typeface="Times New Roman" panose="02020603050405020304" pitchFamily="18" charset="0"/>
+              </a:rPr>
+              <a:t>web crawler</a:t>
+            </a:r>
+            <a:r>
+              <a:rPr lang="en-US" sz="1800" dirty="0">
+                <a:effectLst/>
+                <a:latin typeface="Times New Roman" panose="02020603050405020304" pitchFamily="18" charset="0"/>
+              </a:rPr>
+              <a:t>. WhatIs.com. https://www.techtarget.com/whatis/definition/crawler</a:t>
+            </a:r>
+          </a:p>
+          <a:p>
+            <a:pPr marL="285750" indent="-285750">
+              <a:lnSpc>
+                <a:spcPct val="100000"/>
+              </a:lnSpc>
+              <a:buFont typeface="Arial" panose="020B0604020202020204" pitchFamily="34" charset="0"/>
+              <a:buChar char="•"/>
+            </a:pPr>
+            <a:endParaRPr lang="en-US" sz="1700" dirty="0"/>
+          </a:p>
+          <a:p>
+            <a:pPr marL="285750" indent="-285750">
+              <a:lnSpc>
+                <a:spcPct val="100000"/>
+              </a:lnSpc>
+              <a:buFont typeface="Arial" panose="020B0604020202020204" pitchFamily="34" charset="0"/>
+              <a:buChar char="•"/>
+            </a:pPr>
+            <a:endParaRPr lang="en-US" sz="1700" dirty="0"/>
+          </a:p>
+          <a:p>
+            <a:pPr marL="285750" indent="-285750">
+              <a:lnSpc>
+                <a:spcPct val="100000"/>
+              </a:lnSpc>
+              <a:buFont typeface="Arial" panose="020B0604020202020204" pitchFamily="34" charset="0"/>
+              <a:buChar char="•"/>
+            </a:pPr>
+            <a:endParaRPr lang="en-GB" sz="1700" dirty="0"/>
+          </a:p>
+        </p:txBody>
+      </p:sp>
+    </p:spTree>
+    <p:extLst>
+      <p:ext uri="{BB962C8B-B14F-4D97-AF65-F5344CB8AC3E}">
+        <p14:creationId xmlns:p14="http://schemas.microsoft.com/office/powerpoint/2010/main" val="3987916350"/>
+      </p:ext>
+    </p:extLst>
+  </p:cSld>
+  <p:clrMapOvr>
+    <a:masterClrMapping/>
+  </p:clrMapOvr>
+</p:sld>
+</file>
+
+<file path=ppt/slides/slide2.xml><?xml version="1.0" encoding="utf-8"?>
+<p:sld xmlns:a="http://schemas.openxmlformats.org/drawingml/2006/main" xmlns:r="http://schemas.openxmlformats.org/officeDocument/2006/relationships" xmlns:p="http://schemas.openxmlformats.org/presentationml/2006/main">
+  <p:cSld>
+    <p:bg>
+      <p:bgPr>
+        <a:solidFill>
+          <a:schemeClr val="bg1"/>
+        </a:solidFill>
+        <a:effectLst/>
+      </p:bgPr>
+    </p:bg>
+    <p:spTree>
+      <p:nvGrpSpPr>
+        <p:cNvPr id="1" name=""/>
+        <p:cNvGrpSpPr/>
+        <p:nvPr/>
+      </p:nvGrpSpPr>
+      <p:grpSpPr>
+        <a:xfrm>
+          <a:off x="0" y="0"/>
+          <a:ext cx="0" cy="0"/>
+          <a:chOff x="0" y="0"/>
+          <a:chExt cx="0" cy="0"/>
+        </a:xfrm>
+      </p:grpSpPr>
+      <p:sp useBgFill="1">
+        <p:nvSpPr>
+          <p:cNvPr id="34" name="Rectangle 33">
+            <a:extLst>
+              <a:ext uri="{FF2B5EF4-FFF2-40B4-BE49-F238E27FC236}">
+                <a16:creationId xmlns:a16="http://schemas.microsoft.com/office/drawing/2014/main" id="{0671A8AE-40A1-4631-A6B8-581AFF065482}"/>
+              </a:ext>
+              <a:ext uri="{C183D7F6-B498-43B3-948B-1728B52AA6E4}">
+                <adec:decorative xmlns:adec="http://schemas.microsoft.com/office/drawing/2017/decorative" val="1"/>
+              </a:ext>
+            </a:extLst>
+          </p:cNvPr>
+          <p:cNvSpPr>
+            <a:spLocks noGrp="1" noRot="1" noChangeAspect="1" noMove="1" noResize="1" noEditPoints="1" noAdjustHandles="1" noChangeArrowheads="1" noChangeShapeType="1" noTextEdit="1"/>
+          </p:cNvSpPr>
+          <p:nvPr>
+            <p:extLst>
+              <p:ext uri="{386F3935-93C4-4BCD-93E2-E3B085C9AB24}">
+                <p16:designElem xmlns:p16="http://schemas.microsoft.com/office/powerpoint/2015/main" val="1"/>
+              </p:ext>
+            </p:extLst>
+          </p:nvPr>
+        </p:nvSpPr>
+        <p:spPr>
+          <a:xfrm>
+            <a:off x="0" y="0"/>
+            <a:ext cx="12192000" cy="6858000"/>
+          </a:xfrm>
+          <a:prstGeom prst="rect">
+            <a:avLst/>
+          </a:prstGeom>
+          <a:ln>
+            <a:noFill/>
+          </a:ln>
+        </p:spPr>
+        <p:style>
+          <a:lnRef idx="2">
+            <a:schemeClr val="accent1">
+              <a:shade val="50000"/>
+            </a:schemeClr>
+          </a:lnRef>
+          <a:fillRef idx="1">
+            <a:schemeClr val="accent1"/>
+          </a:fillRef>
+          <a:effectRef idx="0">
+            <a:schemeClr val="accent1"/>
+          </a:effectRef>
+          <a:fontRef idx="minor">
+            <a:schemeClr val="lt1"/>
+          </a:fontRef>
+        </p:style>
+        <p:txBody>
+          <a:bodyPr rtlCol="0" anchor="ctr"/>
+          <a:lstStyle/>
+          <a:p>
+            <a:pPr algn="ctr"/>
+            <a:endParaRPr lang="en-US"/>
+          </a:p>
+        </p:txBody>
+      </p:sp>
+      <p:pic>
+        <p:nvPicPr>
+          <p:cNvPr id="5" name="Picture 4" descr="Magnifying glass and question mark">
+            <a:extLst>
+              <a:ext uri="{FF2B5EF4-FFF2-40B4-BE49-F238E27FC236}">
+                <a16:creationId xmlns:a16="http://schemas.microsoft.com/office/drawing/2014/main" id="{FFF2FB2E-4528-8376-312C-41F7718289C9}"/>
+              </a:ext>
+            </a:extLst>
+          </p:cNvPr>
+          <p:cNvPicPr>
+            <a:picLocks noChangeAspect="1"/>
+          </p:cNvPicPr>
+          <p:nvPr/>
+        </p:nvPicPr>
+        <p:blipFill rotWithShape="1">
+          <a:blip r:embed="rId2"/>
+          <a:srcRect l="14450" r="14450"/>
+          <a:stretch/>
+        </p:blipFill>
+        <p:spPr>
+          <a:xfrm>
+            <a:off x="3523488" y="10"/>
+            <a:ext cx="8668512" cy="6857990"/>
+          </a:xfrm>
+          <a:prstGeom prst="rect">
+            <a:avLst/>
+          </a:prstGeom>
+        </p:spPr>
+      </p:pic>
+      <p:sp>
+        <p:nvSpPr>
+          <p:cNvPr id="36" name="Rectangle 35">
+            <a:extLst>
+              <a:ext uri="{FF2B5EF4-FFF2-40B4-BE49-F238E27FC236}">
+                <a16:creationId xmlns:a16="http://schemas.microsoft.com/office/drawing/2014/main" id="{A44CD100-6267-4E62-AA64-2182A3A6A1C0}"/>
+              </a:ext>
+              <a:ext uri="{C183D7F6-B498-43B3-948B-1728B52AA6E4}">
+                <adec:decorative xmlns:adec="http://schemas.microsoft.com/office/drawing/2017/decorative" val="1"/>
+              </a:ext>
+            </a:extLst>
+          </p:cNvPr>
+          <p:cNvSpPr>
+            <a:spLocks noGrp="1" noRot="1" noChangeAspect="1" noMove="1" noResize="1" noEditPoints="1" noAdjustHandles="1" noChangeArrowheads="1" noChangeShapeType="1" noTextEdit="1"/>
+          </p:cNvSpPr>
+          <p:nvPr>
+            <p:extLst>
+              <p:ext uri="{386F3935-93C4-4BCD-93E2-E3B085C9AB24}">
+                <p16:designElem xmlns:p16="http://schemas.microsoft.com/office/powerpoint/2015/main" val="1"/>
+              </p:ext>
+            </p:extLst>
+          </p:nvPr>
+        </p:nvSpPr>
+        <p:spPr>
+          <a:xfrm>
+            <a:off x="3" y="0"/>
+            <a:ext cx="9339206" cy="6858000"/>
+          </a:xfrm>
+          <a:prstGeom prst="rect">
+            <a:avLst/>
+          </a:prstGeom>
+          <a:gradFill>
+            <a:gsLst>
+              <a:gs pos="58000">
+                <a:schemeClr val="bg1"/>
+              </a:gs>
+              <a:gs pos="33000">
+                <a:schemeClr val="bg1">
+                  <a:alpha val="64000"/>
+                </a:schemeClr>
+              </a:gs>
+              <a:gs pos="0">
+                <a:schemeClr val="bg1">
+                  <a:alpha val="0"/>
+                </a:schemeClr>
+              </a:gs>
+              <a:gs pos="100000">
+                <a:schemeClr val="bg1"/>
+              </a:gs>
+            </a:gsLst>
+            <a:lin ang="10800000" scaled="0"/>
+          </a:gradFill>
+          <a:ln>
+            <a:noFill/>
+          </a:ln>
+        </p:spPr>
+        <p:style>
+          <a:lnRef idx="2">
+            <a:schemeClr val="accent1">
+              <a:shade val="50000"/>
+            </a:schemeClr>
+          </a:lnRef>
+          <a:fillRef idx="1">
+            <a:schemeClr val="accent1"/>
+          </a:fillRef>
+          <a:effectRef idx="0">
+            <a:schemeClr val="accent1"/>
+          </a:effectRef>
+          <a:fontRef idx="minor">
+            <a:schemeClr val="lt1"/>
+          </a:fontRef>
+        </p:style>
+        <p:txBody>
+          <a:bodyPr rtlCol="0" anchor="ctr"/>
+          <a:lstStyle/>
+          <a:p>
+            <a:pPr algn="ctr"/>
+            <a:endParaRPr lang="en-US" dirty="0"/>
+          </a:p>
+        </p:txBody>
+      </p:sp>
+      <p:sp>
+        <p:nvSpPr>
+          <p:cNvPr id="2" name="Title 1">
+            <a:extLst>
+              <a:ext uri="{FF2B5EF4-FFF2-40B4-BE49-F238E27FC236}">
+                <a16:creationId xmlns:a16="http://schemas.microsoft.com/office/drawing/2014/main" id="{1576C9A0-6601-F084-9CA1-3551B4990459}"/>
+              </a:ext>
+            </a:extLst>
+          </p:cNvPr>
+          <p:cNvSpPr>
+            <a:spLocks noGrp="1"/>
+          </p:cNvSpPr>
+          <p:nvPr>
+            <p:ph type="ctrTitle"/>
+          </p:nvPr>
+        </p:nvSpPr>
+        <p:spPr>
+          <a:xfrm>
+            <a:off x="477981" y="1122363"/>
+            <a:ext cx="4023360" cy="3204134"/>
+          </a:xfrm>
+        </p:spPr>
+        <p:txBody>
+          <a:bodyPr anchor="b">
+            <a:normAutofit/>
+          </a:bodyPr>
+          <a:lstStyle/>
+          <a:p>
+            <a:r>
+              <a:rPr lang="en-GB" sz="4800"/>
+              <a:t>Search Engine</a:t>
+            </a:r>
+          </a:p>
+        </p:txBody>
+      </p:sp>
+      <p:sp>
+        <p:nvSpPr>
+          <p:cNvPr id="3" name="Subtitle 2">
+            <a:extLst>
+              <a:ext uri="{FF2B5EF4-FFF2-40B4-BE49-F238E27FC236}">
+                <a16:creationId xmlns:a16="http://schemas.microsoft.com/office/drawing/2014/main" id="{8E39E2B0-9EB9-FD8B-2661-7BEC68AF73F4}"/>
+              </a:ext>
+            </a:extLst>
+          </p:cNvPr>
+          <p:cNvSpPr>
+            <a:spLocks noGrp="1"/>
+          </p:cNvSpPr>
+          <p:nvPr>
+            <p:ph type="subTitle" idx="1"/>
+          </p:nvPr>
+        </p:nvSpPr>
+        <p:spPr>
+          <a:xfrm>
+            <a:off x="477980" y="4872922"/>
+            <a:ext cx="4023359" cy="1208141"/>
+          </a:xfrm>
+        </p:spPr>
+        <p:txBody>
+          <a:bodyPr>
+            <a:normAutofit/>
+          </a:bodyPr>
+          <a:lstStyle/>
+          <a:p>
+            <a:pPr>
+              <a:lnSpc>
+                <a:spcPct val="100000"/>
+              </a:lnSpc>
+            </a:pPr>
+            <a:r>
+              <a:rPr lang="en-GB" sz="1700"/>
+              <a:t>A search engine is a software system that searches the web to find the most relevant information related to the query given.</a:t>
+            </a:r>
+          </a:p>
+          <a:p>
+            <a:pPr>
+              <a:lnSpc>
+                <a:spcPct val="100000"/>
+              </a:lnSpc>
+            </a:pPr>
+            <a:endParaRPr lang="en-GB" sz="1700"/>
+          </a:p>
+        </p:txBody>
+      </p:sp>
+      <p:sp>
+        <p:nvSpPr>
+          <p:cNvPr id="38" name="Rectangle 37">
+            <a:extLst>
+              <a:ext uri="{FF2B5EF4-FFF2-40B4-BE49-F238E27FC236}">
+                <a16:creationId xmlns:a16="http://schemas.microsoft.com/office/drawing/2014/main" id="{AF2F604E-43BE-4DC3-B983-E071523364F8}"/>
+              </a:ext>
+              <a:ext uri="{C183D7F6-B498-43B3-948B-1728B52AA6E4}">
+                <adec:decorative xmlns:adec="http://schemas.microsoft.com/office/drawing/2017/decorative" val="1"/>
+              </a:ext>
+            </a:extLst>
+          </p:cNvPr>
+          <p:cNvSpPr>
+            <a:spLocks noGrp="1" noRot="1" noChangeAspect="1" noMove="1" noResize="1" noEditPoints="1" noAdjustHandles="1" noChangeArrowheads="1" noChangeShapeType="1" noTextEdit="1"/>
+          </p:cNvSpPr>
+          <p:nvPr>
+            <p:extLst>
+              <p:ext uri="{386F3935-93C4-4BCD-93E2-E3B085C9AB24}">
+                <p16:designElem xmlns:p16="http://schemas.microsoft.com/office/powerpoint/2015/main" val="1"/>
+              </p:ext>
+            </p:extLst>
+          </p:nvPr>
+        </p:nvSpPr>
+        <p:spPr>
+          <a:xfrm rot="5400000">
+            <a:off x="759921" y="346791"/>
+            <a:ext cx="146304" cy="704088"/>
+          </a:xfrm>
+          <a:prstGeom prst="rect">
+            <a:avLst/>
+          </a:prstGeom>
+          <a:solidFill>
+            <a:schemeClr val="accent1"/>
+          </a:solidFill>
+          <a:ln>
+            <a:noFill/>
+          </a:ln>
+        </p:spPr>
+        <p:style>
+          <a:lnRef idx="2">
+            <a:schemeClr val="accent1">
+              <a:shade val="50000"/>
+            </a:schemeClr>
+          </a:lnRef>
+          <a:fillRef idx="1">
+            <a:schemeClr val="accent1"/>
+          </a:fillRef>
+          <a:effectRef idx="0">
+            <a:schemeClr val="accent1"/>
+          </a:effectRef>
+          <a:fontRef idx="minor">
+            <a:schemeClr val="lt1"/>
+          </a:fontRef>
+        </p:style>
+        <p:txBody>
+          <a:bodyPr rtlCol="0" anchor="ctr"/>
+          <a:lstStyle/>
+          <a:p>
+            <a:pPr marL="0" marR="0" lvl="0" indent="0" algn="ctr" defTabSz="914400" rtl="0" eaLnBrk="1" fontAlgn="auto" latinLnBrk="0" hangingPunct="1">
+              <a:lnSpc>
+                <a:spcPct val="100000"/>
+              </a:lnSpc>
+              <a:spcBef>
+                <a:spcPts val="0"/>
+              </a:spcBef>
+              <a:spcAft>
+                <a:spcPts val="0"/>
+              </a:spcAft>
+              <a:buClrTx/>
+              <a:buSzTx/>
+              <a:buFontTx/>
+              <a:buNone/>
+              <a:tabLst/>
+              <a:defRPr/>
+            </a:pPr>
+            <a:endParaRPr kumimoji="0" lang="en-US" sz="1800" b="0" i="0" u="none" strike="noStrike" kern="1200" cap="none" spc="0" normalizeH="0" baseline="0" noProof="0">
+              <a:ln>
+                <a:noFill/>
+              </a:ln>
+              <a:solidFill>
+                <a:prstClr val="white"/>
+              </a:solidFill>
+              <a:effectLst/>
+              <a:uLnTx/>
+              <a:uFillTx/>
+              <a:latin typeface="Calibri" panose="020F0502020204030204"/>
+              <a:ea typeface="+mn-ea"/>
+              <a:cs typeface="+mn-cs"/>
+            </a:endParaRPr>
+          </a:p>
+        </p:txBody>
+      </p:sp>
+      <p:sp>
+        <p:nvSpPr>
+          <p:cNvPr id="40" name="Rectangle 39">
+            <a:extLst>
+              <a:ext uri="{FF2B5EF4-FFF2-40B4-BE49-F238E27FC236}">
+                <a16:creationId xmlns:a16="http://schemas.microsoft.com/office/drawing/2014/main" id="{08C9B587-E65E-4B52-B37C-ABEBB6E87928}"/>
+              </a:ext>
+              <a:ext uri="{C183D7F6-B498-43B3-948B-1728B52AA6E4}">
+                <adec:decorative xmlns:adec="http://schemas.microsoft.com/office/drawing/2017/decorative" val="1"/>
+              </a:ext>
+            </a:extLst>
+          </p:cNvPr>
+          <p:cNvSpPr>
+            <a:spLocks noGrp="1" noRot="1" noChangeAspect="1" noMove="1" noResize="1" noEditPoints="1" noAdjustHandles="1" noChangeArrowheads="1" noChangeShapeType="1" noTextEdit="1"/>
+          </p:cNvSpPr>
+          <p:nvPr>
+            <p:extLst>
+              <p:ext uri="{386F3935-93C4-4BCD-93E2-E3B085C9AB24}">
+                <p16:designElem xmlns:p16="http://schemas.microsoft.com/office/powerpoint/2015/main" val="1"/>
+              </p:ext>
+            </p:extLst>
+          </p:nvPr>
+        </p:nvSpPr>
+        <p:spPr>
+          <a:xfrm>
+            <a:off x="481029" y="4546920"/>
+            <a:ext cx="3977640" cy="18288"/>
+          </a:xfrm>
+          <a:prstGeom prst="rect">
+            <a:avLst/>
+          </a:prstGeom>
+          <a:solidFill>
+            <a:schemeClr val="tx1"/>
+          </a:solidFill>
+          <a:ln w="3175">
+            <a:noFill/>
+          </a:ln>
+          <a:effectLst/>
+        </p:spPr>
+        <p:style>
+          <a:lnRef idx="2">
+            <a:schemeClr val="accent1">
+              <a:shade val="50000"/>
+            </a:schemeClr>
+          </a:lnRef>
+          <a:fillRef idx="1">
+            <a:schemeClr val="accent1"/>
+          </a:fillRef>
+          <a:effectRef idx="0">
+            <a:schemeClr val="accent1"/>
+          </a:effectRef>
+          <a:fontRef idx="minor">
+            <a:schemeClr val="lt1"/>
+          </a:fontRef>
+        </p:style>
+        <p:txBody>
+          <a:bodyPr rtlCol="0" anchor="ctr"/>
+          <a:lstStyle/>
+          <a:p>
+            <a:pPr marL="0" marR="0" lvl="0" indent="0" algn="ctr" defTabSz="914400" rtl="0" eaLnBrk="1" fontAlgn="auto" latinLnBrk="0" hangingPunct="1">
+              <a:lnSpc>
+                <a:spcPct val="100000"/>
+              </a:lnSpc>
+              <a:spcBef>
+                <a:spcPts val="0"/>
+              </a:spcBef>
+              <a:spcAft>
+                <a:spcPts val="0"/>
+              </a:spcAft>
+              <a:buClrTx/>
+              <a:buSzTx/>
+              <a:buFontTx/>
+              <a:buNone/>
+              <a:tabLst/>
+              <a:defRPr/>
+            </a:pPr>
+            <a:endParaRPr kumimoji="0" lang="en-US" sz="1800" b="0" i="0" u="none" strike="noStrike" kern="1200" cap="none" spc="0" normalizeH="0" baseline="0" noProof="0">
+              <a:ln>
+                <a:noFill/>
+              </a:ln>
+              <a:solidFill>
+                <a:prstClr val="white"/>
+              </a:solidFill>
+              <a:effectLst/>
+              <a:uLnTx/>
+              <a:uFillTx/>
+              <a:latin typeface="Calibri" panose="020F0502020204030204"/>
+              <a:ea typeface="+mn-ea"/>
+              <a:cs typeface="+mn-cs"/>
+            </a:endParaRPr>
+          </a:p>
+        </p:txBody>
+      </p:sp>
+    </p:spTree>
+    <p:extLst>
+      <p:ext uri="{BB962C8B-B14F-4D97-AF65-F5344CB8AC3E}">
+        <p14:creationId xmlns:p14="http://schemas.microsoft.com/office/powerpoint/2010/main" val="4094923817"/>
+      </p:ext>
+    </p:extLst>
+  </p:cSld>
+  <p:clrMapOvr>
+    <a:overrideClrMapping bg1="dk1" tx1="lt1" bg2="dk2" tx2="lt2" accent1="accent1" accent2="accent2" accent3="accent3" accent4="accent4" accent5="accent5" accent6="accent6" hlink="hlink" folHlink="folHlink"/>
+  </p:clrMapOvr>
+  <p:timing>
+    <p:tnLst>
+      <p:par>
+        <p:cTn id="1" dur="indefinite" restart="never" nodeType="tmRoot">
+          <p:childTnLst>
+            <p:seq concurrent="1" nextAc="seek">
+              <p:cTn id="2" dur="indefinite" nodeType="mainSeq">
+                <p:childTnLst>
+                  <p:par>
+                    <p:cTn id="3" fill="hold">
+                      <p:stCondLst>
+                        <p:cond delay="indefinite"/>
+                        <p:cond evt="onBegin" delay="0">
+                          <p:tn val="2"/>
+                        </p:cond>
+                      </p:stCondLst>
+                      <p:childTnLst>
+                        <p:par>
+                          <p:cTn id="4" fill="hold">
+                            <p:stCondLst>
+                              <p:cond delay="0"/>
+                            </p:stCondLst>
+                            <p:childTnLst>
+                              <p:par>
+                                <p:cTn id="5" presetID="10" presetClass="entr" presetSubtype="0" fill="hold" grpId="0" nodeType="withEffect">
+                                  <p:stCondLst>
+                                    <p:cond delay="1000"/>
+                                  </p:stCondLst>
+                                  <p:iterate>
+                                    <p:tmPct val="10000"/>
+                                  </p:iterate>
+                                  <p:childTnLst>
+                                    <p:set>
+                                      <p:cBhvr>
+                                        <p:cTn id="6" dur="1" fill="hold">
+                                          <p:stCondLst>
+                                            <p:cond delay="0"/>
+                                          </p:stCondLst>
+                                        </p:cTn>
+                                        <p:tgtEl>
+                                          <p:spTgt spid="2"/>
+                                        </p:tgtEl>
+                                        <p:attrNameLst>
+                                          <p:attrName>style.visibility</p:attrName>
+                                        </p:attrNameLst>
+                                      </p:cBhvr>
+                                      <p:to>
+                                        <p:strVal val="visible"/>
+                                      </p:to>
+                                    </p:set>
+                                    <p:animEffect transition="in" filter="fade">
+                                      <p:cBhvr>
+                                        <p:cTn id="7" dur="700"/>
+                                        <p:tgtEl>
+                                          <p:spTgt spid="2"/>
+                                        </p:tgtEl>
+                                      </p:cBhvr>
+                                    </p:animEffect>
+                                  </p:childTnLst>
+                                </p:cTn>
+                              </p:par>
+                            </p:childTnLst>
+                          </p:cTn>
+                        </p:par>
+                      </p:childTnLst>
+                    </p:cTn>
+                  </p:par>
+                </p:childTnLst>
+              </p:cTn>
+              <p:prevCondLst>
+                <p:cond evt="onPrev" delay="0">
+                  <p:tgtEl>
+                    <p:sldTgt/>
+                  </p:tgtEl>
+                </p:cond>
+              </p:prevCondLst>
+              <p:nextCondLst>
+                <p:cond evt="onNext" delay="0">
+                  <p:tgtEl>
+                    <p:sldTgt/>
+                  </p:tgtEl>
+                </p:cond>
+              </p:nextCondLst>
+            </p:seq>
+          </p:childTnLst>
+        </p:cTn>
+      </p:par>
+    </p:tnLst>
+    <p:bldLst>
+      <p:bldP spid="2" grpId="0"/>
+    </p:bldLst>
+  </p:timing>
+</p:sld>
+</file>
+
+<file path=ppt/slides/slide3.xml><?xml version="1.0" encoding="utf-8"?>
+<p:sld xmlns:a="http://schemas.openxmlformats.org/drawingml/2006/main" xmlns:r="http://schemas.openxmlformats.org/officeDocument/2006/relationships" xmlns:p="http://schemas.openxmlformats.org/presentationml/2006/main">
+  <p:cSld>
+    <p:bg>
+      <p:bgPr>
+        <a:solidFill>
+          <a:schemeClr val="bg1"/>
+        </a:solidFill>
+        <a:effectLst/>
+      </p:bgPr>
+    </p:bg>
+    <p:spTree>
+      <p:nvGrpSpPr>
+        <p:cNvPr id="1" name=""/>
+        <p:cNvGrpSpPr/>
+        <p:nvPr/>
+      </p:nvGrpSpPr>
+      <p:grpSpPr>
+        <a:xfrm>
+          <a:off x="0" y="0"/>
+          <a:ext cx="0" cy="0"/>
+          <a:chOff x="0" y="0"/>
+          <a:chExt cx="0" cy="0"/>
+        </a:xfrm>
+      </p:grpSpPr>
+      <p:sp useBgFill="1">
+        <p:nvSpPr>
+          <p:cNvPr id="22" name="Rectangle 15">
+            <a:extLst>
+              <a:ext uri="{FF2B5EF4-FFF2-40B4-BE49-F238E27FC236}">
+                <a16:creationId xmlns:a16="http://schemas.microsoft.com/office/drawing/2014/main" id="{16F48AD3-C8B3-4F74-B546-F12937F7DD9F}"/>
+              </a:ext>
+              <a:ext uri="{C183D7F6-B498-43B3-948B-1728B52AA6E4}">
+                <adec:decorative xmlns:adec="http://schemas.microsoft.com/office/drawing/2017/decorative" val="1"/>
+              </a:ext>
+            </a:extLst>
+          </p:cNvPr>
+          <p:cNvSpPr>
+            <a:spLocks noGrp="1" noRot="1" noChangeAspect="1" noMove="1" noResize="1" noEditPoints="1" noAdjustHandles="1" noChangeArrowheads="1" noChangeShapeType="1" noTextEdit="1"/>
+          </p:cNvSpPr>
+          <p:nvPr>
+            <p:extLst>
+              <p:ext uri="{386F3935-93C4-4BCD-93E2-E3B085C9AB24}">
+                <p16:designElem xmlns:p16="http://schemas.microsoft.com/office/powerpoint/2015/main" val="1"/>
+              </p:ext>
+            </p:extLst>
+          </p:nvPr>
+        </p:nvSpPr>
+        <p:spPr>
+          <a:xfrm>
+            <a:off x="0" y="0"/>
+            <a:ext cx="12192000" cy="6858000"/>
+          </a:xfrm>
+          <a:prstGeom prst="rect">
+            <a:avLst/>
+          </a:prstGeom>
+          <a:ln>
+            <a:noFill/>
+          </a:ln>
+        </p:spPr>
+        <p:style>
+          <a:lnRef idx="2">
+            <a:schemeClr val="accent1">
+              <a:shade val="50000"/>
+            </a:schemeClr>
+          </a:lnRef>
+          <a:fillRef idx="1">
+            <a:schemeClr val="accent1"/>
+          </a:fillRef>
+          <a:effectRef idx="0">
+            <a:schemeClr val="accent1"/>
+          </a:effectRef>
+          <a:fontRef idx="minor">
+            <a:schemeClr val="lt1"/>
+          </a:fontRef>
+        </p:style>
+        <p:txBody>
+          <a:bodyPr rtlCol="0" anchor="ctr"/>
+          <a:lstStyle/>
+          <a:p>
+            <a:pPr algn="ctr"/>
+            <a:endParaRPr lang="en-US"/>
+          </a:p>
+        </p:txBody>
+      </p:sp>
+      <p:sp>
+        <p:nvSpPr>
+          <p:cNvPr id="2" name="Title 1">
+            <a:extLst>
+              <a:ext uri="{FF2B5EF4-FFF2-40B4-BE49-F238E27FC236}">
+                <a16:creationId xmlns:a16="http://schemas.microsoft.com/office/drawing/2014/main" id="{1287ACEA-BB24-1C0F-034C-D72CD4A616B4}"/>
+              </a:ext>
+            </a:extLst>
+          </p:cNvPr>
+          <p:cNvSpPr>
+            <a:spLocks noGrp="1"/>
+          </p:cNvSpPr>
+          <p:nvPr>
+            <p:ph type="ctrTitle"/>
+          </p:nvPr>
+        </p:nvSpPr>
+        <p:spPr>
+          <a:xfrm>
+            <a:off x="7848600" y="1122363"/>
+            <a:ext cx="4023360" cy="3204134"/>
+          </a:xfrm>
+        </p:spPr>
+        <p:txBody>
+          <a:bodyPr anchor="b">
+            <a:normAutofit/>
+          </a:bodyPr>
+          <a:lstStyle/>
+          <a:p>
+            <a:r>
+              <a:rPr lang="en-GB" sz="4800" dirty="0"/>
+              <a:t>Working of Search Engine</a:t>
+            </a:r>
+          </a:p>
+        </p:txBody>
+      </p:sp>
+      <p:sp>
+        <p:nvSpPr>
+          <p:cNvPr id="3" name="Subtitle 2">
+            <a:extLst>
+              <a:ext uri="{FF2B5EF4-FFF2-40B4-BE49-F238E27FC236}">
+                <a16:creationId xmlns:a16="http://schemas.microsoft.com/office/drawing/2014/main" id="{D3D84843-68D3-6D24-6038-6A14F892E26F}"/>
+              </a:ext>
+            </a:extLst>
+          </p:cNvPr>
+          <p:cNvSpPr>
+            <a:spLocks noGrp="1"/>
+          </p:cNvSpPr>
+          <p:nvPr>
+            <p:ph type="subTitle" idx="1"/>
+          </p:nvPr>
+        </p:nvSpPr>
+        <p:spPr>
+          <a:xfrm>
+            <a:off x="7848600" y="4872922"/>
+            <a:ext cx="4023360" cy="1208141"/>
+          </a:xfrm>
+        </p:spPr>
+        <p:txBody>
+          <a:bodyPr>
+            <a:normAutofit/>
+          </a:bodyPr>
+          <a:lstStyle/>
+          <a:p>
+            <a:r>
+              <a:rPr lang="en-GB" sz="2000" dirty="0"/>
+              <a:t>What really happens when you search for something on Google?</a:t>
+            </a:r>
+          </a:p>
+        </p:txBody>
+      </p:sp>
+      <p:pic>
+        <p:nvPicPr>
+          <p:cNvPr id="5" name="Video 4">
+            <a:extLst>
+              <a:ext uri="{FF2B5EF4-FFF2-40B4-BE49-F238E27FC236}">
+                <a16:creationId xmlns:a16="http://schemas.microsoft.com/office/drawing/2014/main" id="{8E278F31-F85B-E9C1-C025-72DC364307EE}"/>
+              </a:ext>
+            </a:extLst>
+          </p:cNvPr>
+          <p:cNvPicPr>
+            <a:picLocks noChangeAspect="1"/>
+          </p:cNvPicPr>
+          <p:nvPr>
+            <a:videoFile r:link="rId2"/>
+            <p:extLst>
+              <p:ext uri="{DAA4B4D4-6D71-4841-9C94-3DE7FCFB9230}">
+                <p14:media xmlns:p14="http://schemas.microsoft.com/office/powerpoint/2010/main" r:embed="rId1"/>
+              </p:ext>
+            </p:extLst>
+          </p:nvPr>
+        </p:nvPicPr>
+        <p:blipFill rotWithShape="1">
+          <a:blip r:embed="rId4"/>
+          <a:srcRect t="284" r="-1" b="-1"/>
+          <a:stretch/>
+        </p:blipFill>
+        <p:spPr>
+          <a:xfrm>
+            <a:off x="124743" y="1708904"/>
+            <a:ext cx="7596066" cy="4260652"/>
+          </a:xfrm>
+          <a:prstGeom prst="rect">
+            <a:avLst/>
+          </a:prstGeom>
+        </p:spPr>
+      </p:pic>
+      <p:sp>
+        <p:nvSpPr>
+          <p:cNvPr id="23" name="Rectangle 17">
+            <a:extLst>
+              <a:ext uri="{FF2B5EF4-FFF2-40B4-BE49-F238E27FC236}">
+                <a16:creationId xmlns:a16="http://schemas.microsoft.com/office/drawing/2014/main" id="{AF2F604E-43BE-4DC3-B983-E071523364F8}"/>
+              </a:ext>
+              <a:ext uri="{C183D7F6-B498-43B3-948B-1728B52AA6E4}">
+                <adec:decorative xmlns:adec="http://schemas.microsoft.com/office/drawing/2017/decorative" val="1"/>
+              </a:ext>
+            </a:extLst>
+          </p:cNvPr>
+          <p:cNvSpPr>
+            <a:spLocks noGrp="1" noRot="1" noChangeAspect="1" noMove="1" noResize="1" noEditPoints="1" noAdjustHandles="1" noChangeArrowheads="1" noChangeShapeType="1" noTextEdit="1"/>
+          </p:cNvSpPr>
+          <p:nvPr>
+            <p:extLst>
+              <p:ext uri="{386F3935-93C4-4BCD-93E2-E3B085C9AB24}">
+                <p16:designElem xmlns:p16="http://schemas.microsoft.com/office/powerpoint/2015/main" val="1"/>
+              </p:ext>
+            </p:extLst>
+          </p:nvPr>
+        </p:nvSpPr>
+        <p:spPr>
+          <a:xfrm rot="5400000">
+            <a:off x="8130540" y="346791"/>
+            <a:ext cx="146304" cy="704088"/>
+          </a:xfrm>
+          <a:prstGeom prst="rect">
+            <a:avLst/>
+          </a:prstGeom>
+          <a:solidFill>
+            <a:schemeClr val="accent1"/>
+          </a:solidFill>
+          <a:ln>
+            <a:noFill/>
+          </a:ln>
+        </p:spPr>
+        <p:style>
+          <a:lnRef idx="2">
+            <a:schemeClr val="accent1">
+              <a:shade val="50000"/>
+            </a:schemeClr>
+          </a:lnRef>
+          <a:fillRef idx="1">
+            <a:schemeClr val="accent1"/>
+          </a:fillRef>
+          <a:effectRef idx="0">
+            <a:schemeClr val="accent1"/>
+          </a:effectRef>
+          <a:fontRef idx="minor">
+            <a:schemeClr val="lt1"/>
+          </a:fontRef>
+        </p:style>
+        <p:txBody>
+          <a:bodyPr rtlCol="0" anchor="ctr"/>
+          <a:lstStyle/>
+          <a:p>
+            <a:pPr marL="0" marR="0" lvl="0" indent="0" algn="ctr" defTabSz="914400" rtl="0" eaLnBrk="1" fontAlgn="auto" latinLnBrk="0" hangingPunct="1">
+              <a:lnSpc>
+                <a:spcPct val="100000"/>
+              </a:lnSpc>
+              <a:spcBef>
+                <a:spcPts val="0"/>
+              </a:spcBef>
+              <a:spcAft>
+                <a:spcPts val="0"/>
+              </a:spcAft>
+              <a:buClrTx/>
+              <a:buSzTx/>
+              <a:buFontTx/>
+              <a:buNone/>
+              <a:tabLst/>
+              <a:defRPr/>
+            </a:pPr>
+            <a:endParaRPr kumimoji="0" lang="en-US" sz="1800" b="0" i="0" u="none" strike="noStrike" kern="1200" cap="none" spc="0" normalizeH="0" baseline="0" noProof="0">
+              <a:ln>
+                <a:noFill/>
+              </a:ln>
+              <a:solidFill>
+                <a:prstClr val="white"/>
+              </a:solidFill>
+              <a:effectLst/>
+              <a:uLnTx/>
+              <a:uFillTx/>
+              <a:latin typeface="Calibri" panose="020F0502020204030204"/>
+              <a:ea typeface="+mn-ea"/>
+              <a:cs typeface="+mn-cs"/>
+            </a:endParaRPr>
+          </a:p>
+        </p:txBody>
+      </p:sp>
+      <p:sp>
+        <p:nvSpPr>
+          <p:cNvPr id="24" name="Rectangle 19">
+            <a:extLst>
+              <a:ext uri="{FF2B5EF4-FFF2-40B4-BE49-F238E27FC236}">
+                <a16:creationId xmlns:a16="http://schemas.microsoft.com/office/drawing/2014/main" id="{08C9B587-E65E-4B52-B37C-ABEBB6E87928}"/>
+              </a:ext>
+              <a:ext uri="{C183D7F6-B498-43B3-948B-1728B52AA6E4}">
+                <adec:decorative xmlns:adec="http://schemas.microsoft.com/office/drawing/2017/decorative" val="1"/>
+              </a:ext>
+            </a:extLst>
+          </p:cNvPr>
+          <p:cNvSpPr>
+            <a:spLocks noGrp="1" noRot="1" noChangeAspect="1" noMove="1" noResize="1" noEditPoints="1" noAdjustHandles="1" noChangeArrowheads="1" noChangeShapeType="1" noTextEdit="1"/>
+          </p:cNvSpPr>
+          <p:nvPr>
+            <p:extLst>
+              <p:ext uri="{386F3935-93C4-4BCD-93E2-E3B085C9AB24}">
+                <p16:designElem xmlns:p16="http://schemas.microsoft.com/office/powerpoint/2015/main" val="1"/>
+              </p:ext>
+            </p:extLst>
+          </p:nvPr>
+        </p:nvSpPr>
+        <p:spPr>
+          <a:xfrm>
+            <a:off x="7851648" y="4546920"/>
+            <a:ext cx="4023360" cy="18288"/>
+          </a:xfrm>
+          <a:prstGeom prst="rect">
+            <a:avLst/>
+          </a:prstGeom>
+          <a:solidFill>
+            <a:schemeClr val="tx2">
+              <a:lumMod val="25000"/>
+              <a:lumOff val="75000"/>
+            </a:schemeClr>
+          </a:solidFill>
+          <a:ln w="3175">
+            <a:noFill/>
+          </a:ln>
+          <a:effectLst/>
+        </p:spPr>
+        <p:style>
+          <a:lnRef idx="2">
+            <a:schemeClr val="accent1">
+              <a:shade val="50000"/>
+            </a:schemeClr>
+          </a:lnRef>
+          <a:fillRef idx="1">
+            <a:schemeClr val="accent1"/>
+          </a:fillRef>
+          <a:effectRef idx="0">
+            <a:schemeClr val="accent1"/>
+          </a:effectRef>
+          <a:fontRef idx="minor">
+            <a:schemeClr val="lt1"/>
+          </a:fontRef>
+        </p:style>
+        <p:txBody>
+          <a:bodyPr rtlCol="0" anchor="ctr"/>
+          <a:lstStyle/>
+          <a:p>
+            <a:pPr marL="0" marR="0" lvl="0" indent="0" algn="ctr" defTabSz="914400" rtl="0" eaLnBrk="1" fontAlgn="auto" latinLnBrk="0" hangingPunct="1">
+              <a:lnSpc>
+                <a:spcPct val="100000"/>
+              </a:lnSpc>
+              <a:spcBef>
+                <a:spcPts val="0"/>
+              </a:spcBef>
+              <a:spcAft>
+                <a:spcPts val="0"/>
+              </a:spcAft>
+              <a:buClrTx/>
+              <a:buSzTx/>
+              <a:buFontTx/>
+              <a:buNone/>
+              <a:tabLst/>
+              <a:defRPr/>
+            </a:pPr>
+            <a:endParaRPr kumimoji="0" lang="en-US" sz="1800" b="0" i="0" u="none" strike="noStrike" kern="1200" cap="none" spc="0" normalizeH="0" baseline="0" noProof="0">
+              <a:ln>
+                <a:noFill/>
+              </a:ln>
+              <a:solidFill>
+                <a:prstClr val="white"/>
+              </a:solidFill>
+              <a:effectLst/>
+              <a:uLnTx/>
+              <a:uFillTx/>
+              <a:latin typeface="Calibri" panose="020F0502020204030204"/>
+              <a:ea typeface="+mn-ea"/>
+              <a:cs typeface="+mn-cs"/>
+            </a:endParaRPr>
+          </a:p>
+        </p:txBody>
+      </p:sp>
+    </p:spTree>
+    <p:extLst>
+      <p:ext uri="{BB962C8B-B14F-4D97-AF65-F5344CB8AC3E}">
+        <p14:creationId xmlns:p14="http://schemas.microsoft.com/office/powerpoint/2010/main" val="3779360905"/>
+      </p:ext>
+    </p:extLst>
+  </p:cSld>
+  <p:clrMapOvr>
+    <a:masterClrMapping/>
+  </p:clrMapOvr>
+  <p:timing>
+    <p:tnLst>
+      <p:par>
+        <p:cTn id="1" dur="indefinite" restart="never" nodeType="tmRoot">
+          <p:childTnLst>
+            <p:seq concurrent="1" nextAc="seek">
+              <p:cTn id="2" dur="indefinite" nodeType="mainSeq">
+                <p:childTnLst>
+                  <p:par>
+                    <p:cTn id="3" fill="hold">
+                      <p:stCondLst>
+                        <p:cond delay="indefinite"/>
+                        <p:cond evt="onBegin" delay="0">
+                          <p:tn val="2"/>
+                        </p:cond>
+                      </p:stCondLst>
+                      <p:childTnLst>
+                        <p:par>
+                          <p:cTn id="4" fill="hold">
+                            <p:stCondLst>
+                              <p:cond delay="0"/>
+                            </p:stCondLst>
+                            <p:childTnLst>
+                              <p:par>
+                                <p:cTn id="5" presetID="1" presetClass="mediacall" presetSubtype="0" fill="hold" nodeType="afterEffect">
+                                  <p:stCondLst>
+                                    <p:cond delay="0"/>
+                                  </p:stCondLst>
+                                  <p:childTnLst>
+                                    <p:cmd type="call" cmd="playFrom(0.0)">
+                                      <p:cBhvr>
+                                        <p:cTn id="6" dur="5312" fill="hold"/>
+                                        <p:tgtEl>
+                                          <p:spTgt spid="5"/>
+                                        </p:tgtEl>
+                                      </p:cBhvr>
+                                    </p:cmd>
+                                  </p:childTnLst>
+                                </p:cTn>
+                              </p:par>
+                            </p:childTnLst>
+                          </p:cTn>
+                        </p:par>
+                      </p:childTnLst>
+                    </p:cTn>
+                  </p:par>
+                </p:childTnLst>
+              </p:cTn>
+              <p:prevCondLst>
+                <p:cond evt="onPrev" delay="0">
+                  <p:tgtEl>
+                    <p:sldTgt/>
+                  </p:tgtEl>
+                </p:cond>
+              </p:prevCondLst>
+              <p:nextCondLst>
+                <p:cond evt="onNext" delay="0">
+                  <p:tgtEl>
+                    <p:sldTgt/>
+                  </p:tgtEl>
+                </p:cond>
+              </p:nextCondLst>
+            </p:seq>
+            <p:seq concurrent="1" nextAc="seek">
+              <p:cTn id="7" restart="whenNotActive" fill="hold" evtFilter="cancelBubble" nodeType="interactiveSeq">
+                <p:stCondLst>
+                  <p:cond evt="onClick" delay="0">
+                    <p:tgtEl>
+                      <p:spTgt spid="5"/>
+                    </p:tgtEl>
+                  </p:cond>
+                </p:stCondLst>
+                <p:endSync evt="end" delay="0">
+                  <p:rtn val="all"/>
+                </p:endSync>
+                <p:childTnLst>
+                  <p:par>
+                    <p:cTn id="8" fill="hold">
+                      <p:stCondLst>
+                        <p:cond delay="0"/>
+                      </p:stCondLst>
+                      <p:childTnLst>
+                        <p:par>
+                          <p:cTn id="9" fill="hold">
+                            <p:stCondLst>
+                              <p:cond delay="0"/>
+                            </p:stCondLst>
+                            <p:childTnLst>
+                              <p:par>
+                                <p:cTn id="10" presetID="2" presetClass="mediacall" presetSubtype="0" fill="hold" nodeType="clickEffect">
+                                  <p:stCondLst>
+                                    <p:cond delay="0"/>
+                                  </p:stCondLst>
+                                  <p:childTnLst>
+                                    <p:cmd type="call" cmd="togglePause">
+                                      <p:cBhvr>
+                                        <p:cTn id="11" dur="1" fill="hold"/>
+                                        <p:tgtEl>
+                                          <p:spTgt spid="5"/>
+                                        </p:tgtEl>
+                                      </p:cBhvr>
+                                    </p:cmd>
+                                  </p:childTnLst>
+                                </p:cTn>
+                              </p:par>
+                            </p:childTnLst>
+                          </p:cTn>
+                        </p:par>
+                      </p:childTnLst>
+                    </p:cTn>
+                  </p:par>
+                </p:childTnLst>
+              </p:cTn>
+              <p:nextCondLst>
+                <p:cond evt="onClick" delay="0">
+                  <p:tgtEl>
+                    <p:spTgt spid="5"/>
+                  </p:tgtEl>
+                </p:cond>
+              </p:nextCondLst>
+            </p:seq>
+            <p:video>
+              <p:cMediaNode mute="1">
+                <p:cTn id="12" repeatCount="indefinite" fill="hold" display="0">
+                  <p:stCondLst>
+                    <p:cond delay="indefinite"/>
+                  </p:stCondLst>
+                </p:cTn>
+                <p:tgtEl>
+                  <p:spTgt spid="5"/>
+                </p:tgtEl>
+              </p:cMediaNode>
+            </p:video>
+          </p:childTnLst>
+        </p:cTn>
+      </p:par>
+    </p:tnLst>
+  </p:timing>
+</p:sld>
+</file>
+
+<file path=ppt/slides/slide4.xml><?xml version="1.0" encoding="utf-8"?>
+<p:sld xmlns:a="http://schemas.openxmlformats.org/drawingml/2006/main" xmlns:r="http://schemas.openxmlformats.org/officeDocument/2006/relationships" xmlns:p="http://schemas.openxmlformats.org/presentationml/2006/main">
+  <p:cSld>
+    <p:bg>
+      <p:bgPr>
+        <a:solidFill>
+          <a:schemeClr val="bg1"/>
+        </a:solidFill>
+        <a:effectLst/>
+      </p:bgPr>
+    </p:bg>
+    <p:spTree>
+      <p:nvGrpSpPr>
+        <p:cNvPr id="1" name=""/>
+        <p:cNvGrpSpPr/>
+        <p:nvPr/>
+      </p:nvGrpSpPr>
+      <p:grpSpPr>
+        <a:xfrm>
+          <a:off x="0" y="0"/>
+          <a:ext cx="0" cy="0"/>
+          <a:chOff x="0" y="0"/>
+          <a:chExt cx="0" cy="0"/>
+        </a:xfrm>
+      </p:grpSpPr>
+      <p:sp useBgFill="1">
+        <p:nvSpPr>
+          <p:cNvPr id="42" name="Rectangle 41">
+            <a:extLst>
+              <a:ext uri="{FF2B5EF4-FFF2-40B4-BE49-F238E27FC236}">
+                <a16:creationId xmlns:a16="http://schemas.microsoft.com/office/drawing/2014/main" id="{017517EF-BD4D-4055-BDB4-A322C53568AD}"/>
+              </a:ext>
+              <a:ext uri="{C183D7F6-B498-43B3-948B-1728B52AA6E4}">
+                <adec:decorative xmlns:adec="http://schemas.microsoft.com/office/drawing/2017/decorative" val="1"/>
+              </a:ext>
+            </a:extLst>
+          </p:cNvPr>
+          <p:cNvSpPr>
+            <a:spLocks noGrp="1" noRot="1" noChangeAspect="1" noMove="1" noResize="1" noEditPoints="1" noAdjustHandles="1" noChangeArrowheads="1" noChangeShapeType="1" noTextEdit="1"/>
+          </p:cNvSpPr>
+          <p:nvPr>
+            <p:extLst>
+              <p:ext uri="{386F3935-93C4-4BCD-93E2-E3B085C9AB24}">
+                <p16:designElem xmlns:p16="http://schemas.microsoft.com/office/powerpoint/2015/main" val="1"/>
+              </p:ext>
+            </p:extLst>
+          </p:nvPr>
+        </p:nvSpPr>
+        <p:spPr>
+          <a:xfrm>
+            <a:off x="0" y="0"/>
+            <a:ext cx="12192000" cy="6858000"/>
+          </a:xfrm>
+          <a:prstGeom prst="rect">
+            <a:avLst/>
+          </a:prstGeom>
+          <a:ln>
+            <a:noFill/>
+          </a:ln>
+        </p:spPr>
+        <p:style>
+          <a:lnRef idx="2">
+            <a:schemeClr val="accent1">
+              <a:shade val="50000"/>
+            </a:schemeClr>
+          </a:lnRef>
+          <a:fillRef idx="1">
+            <a:schemeClr val="accent1"/>
+          </a:fillRef>
+          <a:effectRef idx="0">
+            <a:schemeClr val="accent1"/>
+          </a:effectRef>
+          <a:fontRef idx="minor">
+            <a:schemeClr val="lt1"/>
+          </a:fontRef>
+        </p:style>
+        <p:txBody>
+          <a:bodyPr rtlCol="0" anchor="ctr"/>
+          <a:lstStyle/>
+          <a:p>
+            <a:pPr algn="ctr"/>
+            <a:endParaRPr lang="en-US"/>
+          </a:p>
+        </p:txBody>
+      </p:sp>
+      <p:sp useBgFill="1">
+        <p:nvSpPr>
+          <p:cNvPr id="44" name="Rectangle 43">
+            <a:extLst>
+              <a:ext uri="{FF2B5EF4-FFF2-40B4-BE49-F238E27FC236}">
+                <a16:creationId xmlns:a16="http://schemas.microsoft.com/office/drawing/2014/main" id="{0ADDB668-2CA4-4D2B-9C34-3487CA330BA8}"/>
+              </a:ext>
+              <a:ext uri="{C183D7F6-B498-43B3-948B-1728B52AA6E4}">
+                <adec:decorative xmlns:adec="http://schemas.microsoft.com/office/drawing/2017/decorative" val="1"/>
+              </a:ext>
+            </a:extLst>
+          </p:cNvPr>
+          <p:cNvSpPr>
+            <a:spLocks noGrp="1" noRot="1" noChangeAspect="1" noMove="1" noResize="1" noEditPoints="1" noAdjustHandles="1" noChangeArrowheads="1" noChangeShapeType="1" noTextEdit="1"/>
+          </p:cNvSpPr>
+          <p:nvPr>
+            <p:extLst>
+              <p:ext uri="{386F3935-93C4-4BCD-93E2-E3B085C9AB24}">
+                <p16:designElem xmlns:p16="http://schemas.microsoft.com/office/powerpoint/2015/main" val="1"/>
+              </p:ext>
+            </p:extLst>
+          </p:nvPr>
+        </p:nvSpPr>
+        <p:spPr>
+          <a:xfrm>
+            <a:off x="551553" y="304802"/>
+            <a:ext cx="11097349" cy="1573149"/>
+          </a:xfrm>
+          <a:prstGeom prst="rect">
+            <a:avLst/>
+          </a:prstGeom>
+          <a:ln w="12700">
+            <a:solidFill>
+              <a:schemeClr val="tx2">
+                <a:lumMod val="10000"/>
+                <a:lumOff val="90000"/>
+              </a:schemeClr>
+            </a:solidFill>
+          </a:ln>
+          <a:effectLst>
+            <a:outerShdw blurRad="50800" dist="38100" dir="2700000" algn="tl" rotWithShape="0">
+              <a:schemeClr val="bg2">
+                <a:lumMod val="85000"/>
+                <a:alpha val="30000"/>
+              </a:schemeClr>
+            </a:outerShdw>
+          </a:effectLst>
+        </p:spPr>
+        <p:style>
+          <a:lnRef idx="2">
+            <a:schemeClr val="accent1">
+              <a:shade val="50000"/>
+            </a:schemeClr>
+          </a:lnRef>
+          <a:fillRef idx="1">
+            <a:schemeClr val="accent1"/>
+          </a:fillRef>
+          <a:effectRef idx="0">
+            <a:schemeClr val="accent1"/>
+          </a:effectRef>
+          <a:fontRef idx="minor">
+            <a:schemeClr val="lt1"/>
+          </a:fontRef>
+        </p:style>
+        <p:txBody>
+          <a:bodyPr rtlCol="0" anchor="ctr"/>
+          <a:lstStyle/>
+          <a:p>
+            <a:pPr marL="0" marR="0" lvl="0" indent="0" algn="ctr" defTabSz="914400" rtl="0" eaLnBrk="1" fontAlgn="auto" latinLnBrk="0" hangingPunct="1">
+              <a:lnSpc>
+                <a:spcPct val="100000"/>
+              </a:lnSpc>
+              <a:spcBef>
+                <a:spcPts val="0"/>
+              </a:spcBef>
+              <a:spcAft>
+                <a:spcPts val="0"/>
+              </a:spcAft>
+              <a:buClrTx/>
+              <a:buSzTx/>
+              <a:buFontTx/>
+              <a:buNone/>
+              <a:tabLst/>
+              <a:defRPr/>
+            </a:pPr>
+            <a:endParaRPr kumimoji="0" lang="en-US" sz="1800" b="0" i="0" u="none" strike="noStrike" kern="1200" cap="none" spc="0" normalizeH="0" baseline="0" noProof="0">
+              <a:ln>
+                <a:noFill/>
+              </a:ln>
+              <a:solidFill>
+                <a:prstClr val="white"/>
+              </a:solidFill>
+              <a:effectLst/>
+              <a:uLnTx/>
+              <a:uFillTx/>
+              <a:latin typeface="Calibri" panose="020F0502020204030204"/>
+              <a:ea typeface="+mn-ea"/>
+              <a:cs typeface="+mn-cs"/>
+            </a:endParaRPr>
+          </a:p>
+        </p:txBody>
+      </p:sp>
+      <p:sp>
+        <p:nvSpPr>
+          <p:cNvPr id="4" name="Title 3">
+            <a:extLst>
+              <a:ext uri="{FF2B5EF4-FFF2-40B4-BE49-F238E27FC236}">
+                <a16:creationId xmlns:a16="http://schemas.microsoft.com/office/drawing/2014/main" id="{B8E36522-A801-53CA-4FCC-7D1AB7EBA02C}"/>
+              </a:ext>
+            </a:extLst>
+          </p:cNvPr>
+          <p:cNvSpPr>
+            <a:spLocks noGrp="1"/>
+          </p:cNvSpPr>
+          <p:nvPr>
+            <p:ph type="ctrTitle"/>
+          </p:nvPr>
+        </p:nvSpPr>
+        <p:spPr>
+          <a:xfrm>
+            <a:off x="901690" y="405575"/>
+            <a:ext cx="6430414" cy="1371600"/>
+          </a:xfrm>
+        </p:spPr>
+        <p:txBody>
+          <a:bodyPr anchor="ctr">
+            <a:normAutofit/>
+          </a:bodyPr>
+          <a:lstStyle/>
+          <a:p>
+            <a:r>
+              <a:rPr lang="en-GB" sz="4000" dirty="0"/>
+              <a:t>How does google work?</a:t>
+            </a:r>
+          </a:p>
+        </p:txBody>
+      </p:sp>
+      <p:sp>
+        <p:nvSpPr>
+          <p:cNvPr id="5" name="Subtitle 4">
+            <a:extLst>
+              <a:ext uri="{FF2B5EF4-FFF2-40B4-BE49-F238E27FC236}">
+                <a16:creationId xmlns:a16="http://schemas.microsoft.com/office/drawing/2014/main" id="{C29EAA80-1F23-F5F5-2F73-317F03E3FE06}"/>
+              </a:ext>
+            </a:extLst>
+          </p:cNvPr>
+          <p:cNvSpPr>
+            <a:spLocks noGrp="1"/>
+          </p:cNvSpPr>
+          <p:nvPr>
+            <p:ph type="subTitle" idx="1"/>
+          </p:nvPr>
+        </p:nvSpPr>
+        <p:spPr>
+          <a:xfrm>
+            <a:off x="7924796" y="498698"/>
+            <a:ext cx="2893382" cy="1185353"/>
+          </a:xfrm>
+        </p:spPr>
+        <p:txBody>
+          <a:bodyPr anchor="ctr">
+            <a:normAutofit fontScale="92500"/>
+          </a:bodyPr>
+          <a:lstStyle/>
+          <a:p>
+            <a:r>
+              <a:rPr lang="en-GB" sz="1800" dirty="0"/>
+              <a:t>A simple example of a search through the world’s most used search engine.</a:t>
+            </a:r>
+          </a:p>
+        </p:txBody>
+      </p:sp>
+      <p:sp>
+        <p:nvSpPr>
+          <p:cNvPr id="46" name="Rectangle 45">
+            <a:extLst>
+              <a:ext uri="{FF2B5EF4-FFF2-40B4-BE49-F238E27FC236}">
+                <a16:creationId xmlns:a16="http://schemas.microsoft.com/office/drawing/2014/main" id="{2568BC19-F052-4108-93E1-6A3D1DEC072F}"/>
+              </a:ext>
+              <a:ext uri="{C183D7F6-B498-43B3-948B-1728B52AA6E4}">
+                <adec:decorative xmlns:adec="http://schemas.microsoft.com/office/drawing/2017/decorative" val="1"/>
+              </a:ext>
+            </a:extLst>
+          </p:cNvPr>
+          <p:cNvSpPr>
+            <a:spLocks noGrp="1" noRot="1" noChangeAspect="1" noMove="1" noResize="1" noEditPoints="1" noAdjustHandles="1" noChangeArrowheads="1" noChangeShapeType="1" noTextEdit="1"/>
+          </p:cNvSpPr>
+          <p:nvPr>
+            <p:extLst>
+              <p:ext uri="{386F3935-93C4-4BCD-93E2-E3B085C9AB24}">
+                <p16:designElem xmlns:p16="http://schemas.microsoft.com/office/powerpoint/2015/main" val="1"/>
+              </p:ext>
+            </p:extLst>
+          </p:nvPr>
+        </p:nvSpPr>
+        <p:spPr>
+          <a:xfrm>
+            <a:off x="494784" y="764424"/>
+            <a:ext cx="128016" cy="653903"/>
+          </a:xfrm>
+          <a:prstGeom prst="rect">
+            <a:avLst/>
+          </a:prstGeom>
+          <a:solidFill>
+            <a:schemeClr val="accent1"/>
+          </a:solidFill>
+          <a:ln>
+            <a:noFill/>
+          </a:ln>
+        </p:spPr>
+        <p:style>
+          <a:lnRef idx="2">
+            <a:schemeClr val="accent1">
+              <a:shade val="50000"/>
+            </a:schemeClr>
+          </a:lnRef>
+          <a:fillRef idx="1">
+            <a:schemeClr val="accent1"/>
+          </a:fillRef>
+          <a:effectRef idx="0">
+            <a:schemeClr val="accent1"/>
+          </a:effectRef>
+          <a:fontRef idx="minor">
+            <a:schemeClr val="lt1"/>
+          </a:fontRef>
+        </p:style>
+        <p:txBody>
+          <a:bodyPr rtlCol="0" anchor="ctr"/>
+          <a:lstStyle/>
+          <a:p>
+            <a:pPr marL="0" marR="0" lvl="0" indent="0" algn="ctr" defTabSz="914400" rtl="0" eaLnBrk="1" fontAlgn="auto" latinLnBrk="0" hangingPunct="1">
+              <a:lnSpc>
+                <a:spcPct val="100000"/>
+              </a:lnSpc>
+              <a:spcBef>
+                <a:spcPts val="0"/>
+              </a:spcBef>
+              <a:spcAft>
+                <a:spcPts val="0"/>
+              </a:spcAft>
+              <a:buClrTx/>
+              <a:buSzTx/>
+              <a:buFontTx/>
+              <a:buNone/>
+              <a:tabLst/>
+              <a:defRPr/>
+            </a:pPr>
+            <a:endParaRPr kumimoji="0" lang="en-US" sz="1800" b="0" i="0" u="none" strike="noStrike" kern="1200" cap="none" spc="0" normalizeH="0" baseline="0" noProof="0">
+              <a:ln>
+                <a:noFill/>
+              </a:ln>
+              <a:solidFill>
+                <a:prstClr val="white"/>
+              </a:solidFill>
+              <a:effectLst/>
+              <a:uLnTx/>
+              <a:uFillTx/>
+              <a:latin typeface="Calibri" panose="020F0502020204030204"/>
+              <a:ea typeface="+mn-ea"/>
+              <a:cs typeface="+mn-cs"/>
+            </a:endParaRPr>
+          </a:p>
+        </p:txBody>
+      </p:sp>
+      <p:sp>
+        <p:nvSpPr>
+          <p:cNvPr id="48" name="Rectangle 47">
+            <a:extLst>
+              <a:ext uri="{FF2B5EF4-FFF2-40B4-BE49-F238E27FC236}">
+                <a16:creationId xmlns:a16="http://schemas.microsoft.com/office/drawing/2014/main" id="{D5FD337D-4D6B-4C8B-B6F5-121097E09881}"/>
+              </a:ext>
+              <a:ext uri="{C183D7F6-B498-43B3-948B-1728B52AA6E4}">
+                <adec:decorative xmlns:adec="http://schemas.microsoft.com/office/drawing/2017/decorative" val="1"/>
+              </a:ext>
+            </a:extLst>
+          </p:cNvPr>
+          <p:cNvSpPr>
+            <a:spLocks noGrp="1" noRot="1" noChangeAspect="1" noMove="1" noResize="1" noEditPoints="1" noAdjustHandles="1" noChangeArrowheads="1" noChangeShapeType="1" noTextEdit="1"/>
+          </p:cNvSpPr>
+          <p:nvPr>
+            <p:extLst>
+              <p:ext uri="{386F3935-93C4-4BCD-93E2-E3B085C9AB24}">
+                <p16:designElem xmlns:p16="http://schemas.microsoft.com/office/powerpoint/2015/main" val="1"/>
+              </p:ext>
+            </p:extLst>
+          </p:nvPr>
+        </p:nvSpPr>
+        <p:spPr>
+          <a:xfrm rot="5400000">
+            <a:off x="7130604" y="1071836"/>
+            <a:ext cx="1021458" cy="9144"/>
+          </a:xfrm>
+          <a:prstGeom prst="rect">
+            <a:avLst/>
+          </a:prstGeom>
+          <a:solidFill>
+            <a:schemeClr val="tx2">
+              <a:lumMod val="25000"/>
+              <a:lumOff val="75000"/>
+            </a:schemeClr>
+          </a:solidFill>
+          <a:ln w="3175">
+            <a:noFill/>
+          </a:ln>
+          <a:effectLst/>
+        </p:spPr>
+        <p:style>
+          <a:lnRef idx="2">
+            <a:schemeClr val="accent1">
+              <a:shade val="50000"/>
+            </a:schemeClr>
+          </a:lnRef>
+          <a:fillRef idx="1">
+            <a:schemeClr val="accent1"/>
+          </a:fillRef>
+          <a:effectRef idx="0">
+            <a:schemeClr val="accent1"/>
+          </a:effectRef>
+          <a:fontRef idx="minor">
+            <a:schemeClr val="lt1"/>
+          </a:fontRef>
+        </p:style>
+        <p:txBody>
+          <a:bodyPr rtlCol="0" anchor="ctr"/>
+          <a:lstStyle/>
+          <a:p>
+            <a:pPr marL="0" marR="0" lvl="0" indent="0" algn="ctr" defTabSz="914400" rtl="0" eaLnBrk="1" fontAlgn="auto" latinLnBrk="0" hangingPunct="1">
+              <a:lnSpc>
+                <a:spcPct val="100000"/>
+              </a:lnSpc>
+              <a:spcBef>
+                <a:spcPts val="0"/>
+              </a:spcBef>
+              <a:spcAft>
+                <a:spcPts val="0"/>
+              </a:spcAft>
+              <a:buClrTx/>
+              <a:buSzTx/>
+              <a:buFontTx/>
+              <a:buNone/>
+              <a:tabLst/>
+              <a:defRPr/>
+            </a:pPr>
+            <a:endParaRPr kumimoji="0" lang="en-US" sz="1800" b="0" i="0" u="none" strike="noStrike" kern="1200" cap="none" spc="0" normalizeH="0" baseline="0" noProof="0">
+              <a:ln>
+                <a:noFill/>
+              </a:ln>
+              <a:solidFill>
+                <a:prstClr val="white"/>
+              </a:solidFill>
+              <a:effectLst/>
+              <a:uLnTx/>
+              <a:uFillTx/>
+              <a:latin typeface="Calibri" panose="020F0502020204030204"/>
+              <a:ea typeface="+mn-ea"/>
+              <a:cs typeface="+mn-cs"/>
+            </a:endParaRPr>
+          </a:p>
+        </p:txBody>
+      </p:sp>
+      <p:pic>
+        <p:nvPicPr>
+          <p:cNvPr id="8" name="Picture 7" descr="Diagram&#10;&#10;Description automatically generated">
+            <a:extLst>
+              <a:ext uri="{FF2B5EF4-FFF2-40B4-BE49-F238E27FC236}">
+                <a16:creationId xmlns:a16="http://schemas.microsoft.com/office/drawing/2014/main" id="{9B948ED4-BA20-B01A-94D1-CBFE2FE73335}"/>
+              </a:ext>
+            </a:extLst>
+          </p:cNvPr>
+          <p:cNvPicPr>
+            <a:picLocks noChangeAspect="1"/>
+          </p:cNvPicPr>
+          <p:nvPr/>
+        </p:nvPicPr>
+        <p:blipFill>
+          <a:blip r:embed="rId3">
+            <a:extLst>
+              <a:ext uri="{28A0092B-C50C-407E-A947-70E740481C1C}">
+                <a14:useLocalDpi xmlns:a14="http://schemas.microsoft.com/office/drawing/2010/main" val="0"/>
+              </a:ext>
+            </a:extLst>
+          </a:blip>
+          <a:stretch>
+            <a:fillRect/>
+          </a:stretch>
+        </p:blipFill>
+        <p:spPr>
+          <a:xfrm>
+            <a:off x="1178152" y="2091095"/>
+            <a:ext cx="9839160" cy="4206240"/>
+          </a:xfrm>
+          <a:prstGeom prst="rect">
+            <a:avLst/>
+          </a:prstGeom>
+        </p:spPr>
+      </p:pic>
+    </p:spTree>
+    <p:extLst>
+      <p:ext uri="{BB962C8B-B14F-4D97-AF65-F5344CB8AC3E}">
+        <p14:creationId xmlns:p14="http://schemas.microsoft.com/office/powerpoint/2010/main" val="3880259323"/>
+      </p:ext>
+    </p:extLst>
+  </p:cSld>
+  <p:clrMapOvr>
+    <a:masterClrMapping/>
+  </p:clrMapOvr>
+</p:sld>
+</file>
+
+<file path=ppt/slides/slide5.xml><?xml version="1.0" encoding="utf-8"?>
+<p:sld xmlns:a="http://schemas.openxmlformats.org/drawingml/2006/main" xmlns:r="http://schemas.openxmlformats.org/officeDocument/2006/relationships" xmlns:p="http://schemas.openxmlformats.org/presentationml/2006/main">
+  <p:cSld>
+    <p:bg>
+      <p:bgPr>
+        <a:solidFill>
+          <a:schemeClr val="bg1"/>
+        </a:solidFill>
+        <a:effectLst/>
+      </p:bgPr>
+    </p:bg>
+    <p:spTree>
+      <p:nvGrpSpPr>
+        <p:cNvPr id="1" name=""/>
+        <p:cNvGrpSpPr/>
+        <p:nvPr/>
+      </p:nvGrpSpPr>
+      <p:grpSpPr>
+        <a:xfrm>
+          <a:off x="0" y="0"/>
+          <a:ext cx="0" cy="0"/>
+          <a:chOff x="0" y="0"/>
+          <a:chExt cx="0" cy="0"/>
+        </a:xfrm>
+      </p:grpSpPr>
+      <p:sp useBgFill="1">
+        <p:nvSpPr>
+          <p:cNvPr id="29" name="Rectangle 28">
+            <a:extLst>
+              <a:ext uri="{FF2B5EF4-FFF2-40B4-BE49-F238E27FC236}">
+                <a16:creationId xmlns:a16="http://schemas.microsoft.com/office/drawing/2014/main" id="{68AF5748-FED8-45BA-8631-26D1D10F3246}"/>
+              </a:ext>
+              <a:ext uri="{C183D7F6-B498-43B3-948B-1728B52AA6E4}">
+                <adec:decorative xmlns:adec="http://schemas.microsoft.com/office/drawing/2017/decorative" val="1"/>
+              </a:ext>
+            </a:extLst>
+          </p:cNvPr>
+          <p:cNvSpPr>
+            <a:spLocks noGrp="1" noRot="1" noChangeAspect="1" noMove="1" noResize="1" noEditPoints="1" noAdjustHandles="1" noChangeArrowheads="1" noChangeShapeType="1" noTextEdit="1"/>
+          </p:cNvSpPr>
+          <p:nvPr>
+            <p:extLst>
+              <p:ext uri="{386F3935-93C4-4BCD-93E2-E3B085C9AB24}">
+                <p16:designElem xmlns:p16="http://schemas.microsoft.com/office/powerpoint/2015/main" val="1"/>
+              </p:ext>
+            </p:extLst>
+          </p:nvPr>
+        </p:nvSpPr>
+        <p:spPr>
+          <a:xfrm>
+            <a:off x="0" y="0"/>
+            <a:ext cx="12192000" cy="6858000"/>
+          </a:xfrm>
+          <a:prstGeom prst="rect">
+            <a:avLst/>
+          </a:prstGeom>
+          <a:ln>
+            <a:noFill/>
+          </a:ln>
+        </p:spPr>
+        <p:style>
+          <a:lnRef idx="2">
+            <a:schemeClr val="accent1">
+              <a:shade val="50000"/>
+            </a:schemeClr>
+          </a:lnRef>
+          <a:fillRef idx="1">
+            <a:schemeClr val="accent1"/>
+          </a:fillRef>
+          <a:effectRef idx="0">
+            <a:schemeClr val="accent1"/>
+          </a:effectRef>
+          <a:fontRef idx="minor">
+            <a:schemeClr val="lt1"/>
+          </a:fontRef>
+        </p:style>
+        <p:txBody>
+          <a:bodyPr rtlCol="0" anchor="ctr"/>
+          <a:lstStyle/>
+          <a:p>
+            <a:pPr algn="ctr"/>
+            <a:endParaRPr lang="en-US"/>
+          </a:p>
+        </p:txBody>
+      </p:sp>
+      <p:sp>
+        <p:nvSpPr>
+          <p:cNvPr id="2" name="Title 1">
+            <a:extLst>
+              <a:ext uri="{FF2B5EF4-FFF2-40B4-BE49-F238E27FC236}">
+                <a16:creationId xmlns:a16="http://schemas.microsoft.com/office/drawing/2014/main" id="{B8575F0A-BCA5-7DAB-3711-E5F0CECE71AA}"/>
+              </a:ext>
+            </a:extLst>
+          </p:cNvPr>
+          <p:cNvSpPr>
+            <a:spLocks noGrp="1"/>
+          </p:cNvSpPr>
+          <p:nvPr>
+            <p:ph type="ctrTitle"/>
+          </p:nvPr>
+        </p:nvSpPr>
+        <p:spPr>
+          <a:xfrm>
+            <a:off x="477981" y="1122363"/>
+            <a:ext cx="4023360" cy="3204134"/>
+          </a:xfrm>
+        </p:spPr>
+        <p:txBody>
+          <a:bodyPr anchor="b">
+            <a:normAutofit/>
+          </a:bodyPr>
+          <a:lstStyle/>
+          <a:p>
+            <a:r>
+              <a:rPr lang="en-GB" sz="4800"/>
+              <a:t>Web Crawling</a:t>
+            </a:r>
+          </a:p>
+        </p:txBody>
+      </p:sp>
+      <p:sp>
+        <p:nvSpPr>
+          <p:cNvPr id="3" name="Subtitle 2">
+            <a:extLst>
+              <a:ext uri="{FF2B5EF4-FFF2-40B4-BE49-F238E27FC236}">
+                <a16:creationId xmlns:a16="http://schemas.microsoft.com/office/drawing/2014/main" id="{07764057-0F12-8D8B-02D4-A0E35A7FA917}"/>
+              </a:ext>
+            </a:extLst>
+          </p:cNvPr>
+          <p:cNvSpPr>
+            <a:spLocks noGrp="1"/>
+          </p:cNvSpPr>
+          <p:nvPr>
+            <p:ph type="subTitle" idx="1"/>
+          </p:nvPr>
+        </p:nvSpPr>
+        <p:spPr>
+          <a:xfrm>
+            <a:off x="477981" y="4872922"/>
+            <a:ext cx="3933306" cy="1208141"/>
+          </a:xfrm>
+        </p:spPr>
+        <p:txBody>
+          <a:bodyPr>
+            <a:normAutofit/>
+          </a:bodyPr>
+          <a:lstStyle/>
+          <a:p>
+            <a:pPr>
+              <a:lnSpc>
+                <a:spcPct val="100000"/>
+              </a:lnSpc>
+            </a:pPr>
+            <a:r>
+              <a:rPr lang="en-US" sz="1400"/>
+              <a:t>Web crawlers systematically browse webpages to learn what each page on the website is about, so this information can be indexed, updated and retrieved when a user makes a search query</a:t>
+            </a:r>
+            <a:endParaRPr lang="en-GB" sz="1400"/>
+          </a:p>
+        </p:txBody>
+      </p:sp>
+      <p:sp>
+        <p:nvSpPr>
+          <p:cNvPr id="31" name="Rectangle 30">
+            <a:extLst>
+              <a:ext uri="{FF2B5EF4-FFF2-40B4-BE49-F238E27FC236}">
+                <a16:creationId xmlns:a16="http://schemas.microsoft.com/office/drawing/2014/main" id="{AF2F604E-43BE-4DC3-B983-E071523364F8}"/>
+              </a:ext>
+              <a:ext uri="{C183D7F6-B498-43B3-948B-1728B52AA6E4}">
+                <adec:decorative xmlns:adec="http://schemas.microsoft.com/office/drawing/2017/decorative" val="1"/>
+              </a:ext>
+            </a:extLst>
+          </p:cNvPr>
+          <p:cNvSpPr>
+            <a:spLocks noGrp="1" noRot="1" noChangeAspect="1" noMove="1" noResize="1" noEditPoints="1" noAdjustHandles="1" noChangeArrowheads="1" noChangeShapeType="1" noTextEdit="1"/>
+          </p:cNvSpPr>
+          <p:nvPr>
+            <p:extLst>
+              <p:ext uri="{386F3935-93C4-4BCD-93E2-E3B085C9AB24}">
+                <p16:designElem xmlns:p16="http://schemas.microsoft.com/office/powerpoint/2015/main" val="1"/>
+              </p:ext>
+            </p:extLst>
+          </p:nvPr>
+        </p:nvSpPr>
+        <p:spPr>
+          <a:xfrm rot="5400000">
+            <a:off x="759921" y="346791"/>
+            <a:ext cx="146304" cy="704088"/>
+          </a:xfrm>
+          <a:prstGeom prst="rect">
+            <a:avLst/>
+          </a:prstGeom>
+          <a:solidFill>
+            <a:schemeClr val="accent1"/>
+          </a:solidFill>
+          <a:ln>
+            <a:noFill/>
+          </a:ln>
+        </p:spPr>
+        <p:style>
+          <a:lnRef idx="2">
+            <a:schemeClr val="accent1">
+              <a:shade val="50000"/>
+            </a:schemeClr>
+          </a:lnRef>
+          <a:fillRef idx="1">
+            <a:schemeClr val="accent1"/>
+          </a:fillRef>
+          <a:effectRef idx="0">
+            <a:schemeClr val="accent1"/>
+          </a:effectRef>
+          <a:fontRef idx="minor">
+            <a:schemeClr val="lt1"/>
+          </a:fontRef>
+        </p:style>
+        <p:txBody>
+          <a:bodyPr rtlCol="0" anchor="ctr"/>
+          <a:lstStyle/>
+          <a:p>
+            <a:pPr marL="0" marR="0" lvl="0" indent="0" algn="ctr" defTabSz="914400" rtl="0" eaLnBrk="1" fontAlgn="auto" latinLnBrk="0" hangingPunct="1">
+              <a:lnSpc>
+                <a:spcPct val="100000"/>
+              </a:lnSpc>
+              <a:spcBef>
+                <a:spcPts val="0"/>
+              </a:spcBef>
+              <a:spcAft>
+                <a:spcPts val="0"/>
+              </a:spcAft>
+              <a:buClrTx/>
+              <a:buSzTx/>
+              <a:buFontTx/>
+              <a:buNone/>
+              <a:tabLst/>
+              <a:defRPr/>
+            </a:pPr>
+            <a:endParaRPr kumimoji="0" lang="en-US" sz="1800" b="0" i="0" u="none" strike="noStrike" kern="1200" cap="none" spc="0" normalizeH="0" baseline="0" noProof="0">
+              <a:ln>
+                <a:noFill/>
+              </a:ln>
+              <a:solidFill>
+                <a:prstClr val="white"/>
+              </a:solidFill>
+              <a:effectLst/>
+              <a:uLnTx/>
+              <a:uFillTx/>
+              <a:latin typeface="Calibri" panose="020F0502020204030204"/>
+              <a:ea typeface="+mn-ea"/>
+              <a:cs typeface="+mn-cs"/>
+            </a:endParaRPr>
+          </a:p>
+        </p:txBody>
+      </p:sp>
+      <p:sp>
+        <p:nvSpPr>
+          <p:cNvPr id="33" name="Rectangle 32">
+            <a:extLst>
+              <a:ext uri="{FF2B5EF4-FFF2-40B4-BE49-F238E27FC236}">
+                <a16:creationId xmlns:a16="http://schemas.microsoft.com/office/drawing/2014/main" id="{08C9B587-E65E-4B52-B37C-ABEBB6E87928}"/>
+              </a:ext>
+              <a:ext uri="{C183D7F6-B498-43B3-948B-1728B52AA6E4}">
+                <adec:decorative xmlns:adec="http://schemas.microsoft.com/office/drawing/2017/decorative" val="1"/>
+              </a:ext>
+            </a:extLst>
+          </p:cNvPr>
+          <p:cNvSpPr>
+            <a:spLocks noGrp="1" noRot="1" noChangeAspect="1" noMove="1" noResize="1" noEditPoints="1" noAdjustHandles="1" noChangeArrowheads="1" noChangeShapeType="1" noTextEdit="1"/>
+          </p:cNvSpPr>
+          <p:nvPr>
+            <p:extLst>
+              <p:ext uri="{386F3935-93C4-4BCD-93E2-E3B085C9AB24}">
+                <p16:designElem xmlns:p16="http://schemas.microsoft.com/office/powerpoint/2015/main" val="1"/>
+              </p:ext>
+            </p:extLst>
+          </p:nvPr>
+        </p:nvSpPr>
+        <p:spPr>
+          <a:xfrm>
+            <a:off x="481029" y="4546920"/>
+            <a:ext cx="4023360" cy="18288"/>
+          </a:xfrm>
+          <a:prstGeom prst="rect">
+            <a:avLst/>
+          </a:prstGeom>
+          <a:solidFill>
+            <a:schemeClr val="tx2">
+              <a:lumMod val="25000"/>
+              <a:lumOff val="75000"/>
+            </a:schemeClr>
+          </a:solidFill>
+          <a:ln w="3175">
+            <a:noFill/>
+          </a:ln>
+          <a:effectLst/>
+        </p:spPr>
+        <p:style>
+          <a:lnRef idx="2">
+            <a:schemeClr val="accent1">
+              <a:shade val="50000"/>
+            </a:schemeClr>
+          </a:lnRef>
+          <a:fillRef idx="1">
+            <a:schemeClr val="accent1"/>
+          </a:fillRef>
+          <a:effectRef idx="0">
+            <a:schemeClr val="accent1"/>
+          </a:effectRef>
+          <a:fontRef idx="minor">
+            <a:schemeClr val="lt1"/>
+          </a:fontRef>
+        </p:style>
+        <p:txBody>
+          <a:bodyPr rtlCol="0" anchor="ctr"/>
+          <a:lstStyle/>
+          <a:p>
+            <a:pPr marL="0" marR="0" lvl="0" indent="0" algn="ctr" defTabSz="914400" rtl="0" eaLnBrk="1" fontAlgn="auto" latinLnBrk="0" hangingPunct="1">
+              <a:lnSpc>
+                <a:spcPct val="100000"/>
+              </a:lnSpc>
+              <a:spcBef>
+                <a:spcPts val="0"/>
+              </a:spcBef>
+              <a:spcAft>
+                <a:spcPts val="0"/>
+              </a:spcAft>
+              <a:buClrTx/>
+              <a:buSzTx/>
+              <a:buFontTx/>
+              <a:buNone/>
+              <a:tabLst/>
+              <a:defRPr/>
+            </a:pPr>
+            <a:endParaRPr kumimoji="0" lang="en-US" sz="1800" b="0" i="0" u="none" strike="noStrike" kern="1200" cap="none" spc="0" normalizeH="0" baseline="0" noProof="0">
+              <a:ln>
+                <a:noFill/>
+              </a:ln>
+              <a:solidFill>
+                <a:prstClr val="white"/>
+              </a:solidFill>
+              <a:effectLst/>
+              <a:uLnTx/>
+              <a:uFillTx/>
+              <a:latin typeface="Calibri" panose="020F0502020204030204"/>
+              <a:ea typeface="+mn-ea"/>
+              <a:cs typeface="+mn-cs"/>
+            </a:endParaRPr>
+          </a:p>
+        </p:txBody>
+      </p:sp>
+      <p:pic>
+        <p:nvPicPr>
+          <p:cNvPr id="5" name="Picture 4" descr="Graphical user interface&#10;&#10;Description automatically generated">
+            <a:extLst>
+              <a:ext uri="{FF2B5EF4-FFF2-40B4-BE49-F238E27FC236}">
+                <a16:creationId xmlns:a16="http://schemas.microsoft.com/office/drawing/2014/main" id="{F128F54D-D3ED-0918-913B-6D9BC6CB2749}"/>
+              </a:ext>
+            </a:extLst>
+          </p:cNvPr>
+          <p:cNvPicPr>
+            <a:picLocks noChangeAspect="1"/>
+          </p:cNvPicPr>
+          <p:nvPr/>
+        </p:nvPicPr>
+        <p:blipFill>
+          <a:blip r:embed="rId3">
+            <a:extLst>
+              <a:ext uri="{28A0092B-C50C-407E-A947-70E740481C1C}">
+                <a14:useLocalDpi xmlns:a14="http://schemas.microsoft.com/office/drawing/2010/main" val="0"/>
+              </a:ext>
+            </a:extLst>
+          </a:blip>
+          <a:stretch>
+            <a:fillRect/>
+          </a:stretch>
+        </p:blipFill>
+        <p:spPr>
+          <a:xfrm>
+            <a:off x="4889268" y="2400957"/>
+            <a:ext cx="6846363" cy="3851079"/>
+          </a:xfrm>
+          <a:prstGeom prst="rect">
+            <a:avLst/>
+          </a:prstGeom>
+        </p:spPr>
+      </p:pic>
+    </p:spTree>
+    <p:extLst>
+      <p:ext uri="{BB962C8B-B14F-4D97-AF65-F5344CB8AC3E}">
+        <p14:creationId xmlns:p14="http://schemas.microsoft.com/office/powerpoint/2010/main" val="1135007147"/>
+      </p:ext>
+    </p:extLst>
+  </p:cSld>
+  <p:clrMapOvr>
+    <a:masterClrMapping/>
+  </p:clrMapOvr>
+</p:sld>
+</file>
+
+<file path=ppt/slides/slide6.xml><?xml version="1.0" encoding="utf-8"?>
+<p:sld xmlns:a="http://schemas.openxmlformats.org/drawingml/2006/main" xmlns:r="http://schemas.openxmlformats.org/officeDocument/2006/relationships" xmlns:p="http://schemas.openxmlformats.org/presentationml/2006/main">
+  <p:cSld>
+    <p:spTree>
+      <p:nvGrpSpPr>
+        <p:cNvPr id="1" name=""/>
+        <p:cNvGrpSpPr/>
+        <p:nvPr/>
+      </p:nvGrpSpPr>
+      <p:grpSpPr>
+        <a:xfrm>
+          <a:off x="0" y="0"/>
+          <a:ext cx="0" cy="0"/>
+          <a:chOff x="0" y="0"/>
+          <a:chExt cx="0" cy="0"/>
+        </a:xfrm>
+      </p:grpSpPr>
+      <p:sp>
+        <p:nvSpPr>
+          <p:cNvPr id="2" name="Title 1">
+            <a:extLst>
+              <a:ext uri="{FF2B5EF4-FFF2-40B4-BE49-F238E27FC236}">
+                <a16:creationId xmlns:a16="http://schemas.microsoft.com/office/drawing/2014/main" id="{B8575F0A-BCA5-7DAB-3711-E5F0CECE71AA}"/>
+              </a:ext>
+            </a:extLst>
+          </p:cNvPr>
+          <p:cNvSpPr>
+            <a:spLocks noGrp="1"/>
+          </p:cNvSpPr>
+          <p:nvPr>
+            <p:ph type="ctrTitle"/>
+          </p:nvPr>
+        </p:nvSpPr>
+        <p:spPr>
+          <a:xfrm>
+            <a:off x="477981" y="1122363"/>
+            <a:ext cx="4023360" cy="3204134"/>
+          </a:xfrm>
+        </p:spPr>
+        <p:txBody>
+          <a:bodyPr anchor="b">
+            <a:normAutofit/>
+          </a:bodyPr>
+          <a:lstStyle/>
+          <a:p>
+            <a:r>
+              <a:rPr lang="en-GB" sz="4800" dirty="0"/>
+              <a:t>Web Crawling</a:t>
+            </a:r>
+          </a:p>
+        </p:txBody>
+      </p:sp>
+      <p:sp>
+        <p:nvSpPr>
+          <p:cNvPr id="3" name="Subtitle 2">
+            <a:extLst>
+              <a:ext uri="{FF2B5EF4-FFF2-40B4-BE49-F238E27FC236}">
+                <a16:creationId xmlns:a16="http://schemas.microsoft.com/office/drawing/2014/main" id="{07764057-0F12-8D8B-02D4-A0E35A7FA917}"/>
+              </a:ext>
+            </a:extLst>
+          </p:cNvPr>
+          <p:cNvSpPr>
+            <a:spLocks noGrp="1"/>
+          </p:cNvSpPr>
+          <p:nvPr>
+            <p:ph type="subTitle" idx="1"/>
+          </p:nvPr>
+        </p:nvSpPr>
+        <p:spPr>
+          <a:xfrm>
+            <a:off x="477981" y="4872922"/>
+            <a:ext cx="3933306" cy="1208141"/>
+          </a:xfrm>
+        </p:spPr>
+        <p:txBody>
+          <a:bodyPr>
+            <a:normAutofit/>
+          </a:bodyPr>
+          <a:lstStyle/>
+          <a:p>
+            <a:pPr>
+              <a:lnSpc>
+                <a:spcPct val="100000"/>
+              </a:lnSpc>
+            </a:pPr>
+            <a:r>
+              <a:rPr lang="en-US" sz="1400" dirty="0" err="1"/>
+              <a:t>Jsoup</a:t>
+            </a:r>
+            <a:r>
+              <a:rPr lang="en-US" sz="1400" dirty="0"/>
+              <a:t> was used for crawling the webpages. The </a:t>
+            </a:r>
+            <a:r>
+              <a:rPr lang="en-US" sz="1400" dirty="0" err="1"/>
+              <a:t>urls</a:t>
+            </a:r>
+            <a:r>
+              <a:rPr lang="en-US" sz="1400" dirty="0"/>
+              <a:t> were hit using </a:t>
+            </a:r>
+            <a:r>
+              <a:rPr lang="en-US" sz="1400" dirty="0" err="1"/>
+              <a:t>jsoup</a:t>
+            </a:r>
+            <a:r>
+              <a:rPr lang="en-US" sz="1400" dirty="0"/>
+              <a:t> and files were downloaded as text files. These files were added to cache as well.</a:t>
+            </a:r>
+            <a:endParaRPr lang="en-GB" sz="1400" dirty="0"/>
+          </a:p>
+        </p:txBody>
+      </p:sp>
+      <p:pic>
+        <p:nvPicPr>
+          <p:cNvPr id="5" name="Picture 4" descr="Graphical user interface&#10;&#10;Description automatically generated">
+            <a:extLst>
+              <a:ext uri="{FF2B5EF4-FFF2-40B4-BE49-F238E27FC236}">
+                <a16:creationId xmlns:a16="http://schemas.microsoft.com/office/drawing/2014/main" id="{F128F54D-D3ED-0918-913B-6D9BC6CB2749}"/>
+              </a:ext>
+            </a:extLst>
+          </p:cNvPr>
+          <p:cNvPicPr>
+            <a:picLocks noChangeAspect="1"/>
+          </p:cNvPicPr>
+          <p:nvPr/>
+        </p:nvPicPr>
+        <p:blipFill>
+          <a:blip r:embed="rId3">
+            <a:extLst>
+              <a:ext uri="{28A0092B-C50C-407E-A947-70E740481C1C}">
+                <a14:useLocalDpi xmlns:a14="http://schemas.microsoft.com/office/drawing/2010/main" val="0"/>
+              </a:ext>
+            </a:extLst>
+          </a:blip>
+          <a:stretch>
+            <a:fillRect/>
+          </a:stretch>
+        </p:blipFill>
+        <p:spPr>
+          <a:xfrm>
+            <a:off x="4889268" y="2400957"/>
+            <a:ext cx="6846363" cy="3851079"/>
+          </a:xfrm>
+          <a:prstGeom prst="rect">
+            <a:avLst/>
+          </a:prstGeom>
+        </p:spPr>
+      </p:pic>
+    </p:spTree>
+    <p:extLst>
+      <p:ext uri="{BB962C8B-B14F-4D97-AF65-F5344CB8AC3E}">
+        <p14:creationId xmlns:p14="http://schemas.microsoft.com/office/powerpoint/2010/main" val="3456789399"/>
+      </p:ext>
+    </p:extLst>
+  </p:cSld>
+  <p:clrMapOvr>
+    <a:masterClrMapping/>
+  </p:clrMapOvr>
+</p:sld>
+</file>
+
+<file path=ppt/slides/slide7.xml><?xml version="1.0" encoding="utf-8"?>
+<p:sld xmlns:a="http://schemas.openxmlformats.org/drawingml/2006/main" xmlns:r="http://schemas.openxmlformats.org/officeDocument/2006/relationships" xmlns:p="http://schemas.openxmlformats.org/presentationml/2006/main">
+  <p:cSld>
+    <p:bg>
+      <p:bgPr>
+        <a:solidFill>
+          <a:schemeClr val="bg1"/>
+        </a:solidFill>
+        <a:effectLst/>
+      </p:bgPr>
+    </p:bg>
+    <p:spTree>
+      <p:nvGrpSpPr>
+        <p:cNvPr id="1" name=""/>
+        <p:cNvGrpSpPr/>
+        <p:nvPr/>
+      </p:nvGrpSpPr>
+      <p:grpSpPr>
+        <a:xfrm>
+          <a:off x="0" y="0"/>
+          <a:ext cx="0" cy="0"/>
+          <a:chOff x="0" y="0"/>
+          <a:chExt cx="0" cy="0"/>
+        </a:xfrm>
+      </p:grpSpPr>
+      <p:sp useBgFill="1">
+        <p:nvSpPr>
+          <p:cNvPr id="10" name="Rectangle 9">
+            <a:extLst>
+              <a:ext uri="{FF2B5EF4-FFF2-40B4-BE49-F238E27FC236}">
+                <a16:creationId xmlns:a16="http://schemas.microsoft.com/office/drawing/2014/main" id="{68AF5748-FED8-45BA-8631-26D1D10F3246}"/>
+              </a:ext>
+              <a:ext uri="{C183D7F6-B498-43B3-948B-1728B52AA6E4}">
+                <adec:decorative xmlns:adec="http://schemas.microsoft.com/office/drawing/2017/decorative" val="1"/>
+              </a:ext>
+            </a:extLst>
+          </p:cNvPr>
+          <p:cNvSpPr>
+            <a:spLocks noGrp="1" noRot="1" noChangeAspect="1" noMove="1" noResize="1" noEditPoints="1" noAdjustHandles="1" noChangeArrowheads="1" noChangeShapeType="1" noTextEdit="1"/>
+          </p:cNvSpPr>
+          <p:nvPr>
+            <p:extLst>
+              <p:ext uri="{386F3935-93C4-4BCD-93E2-E3B085C9AB24}">
+                <p16:designElem xmlns:p16="http://schemas.microsoft.com/office/powerpoint/2015/main" val="1"/>
+              </p:ext>
+            </p:extLst>
+          </p:nvPr>
+        </p:nvSpPr>
+        <p:spPr>
+          <a:xfrm>
+            <a:off x="0" y="0"/>
+            <a:ext cx="12192000" cy="6858000"/>
+          </a:xfrm>
+          <a:prstGeom prst="rect">
+            <a:avLst/>
+          </a:prstGeom>
+          <a:ln>
+            <a:noFill/>
+          </a:ln>
+        </p:spPr>
+        <p:style>
+          <a:lnRef idx="2">
+            <a:schemeClr val="accent1">
+              <a:shade val="50000"/>
+            </a:schemeClr>
+          </a:lnRef>
+          <a:fillRef idx="1">
+            <a:schemeClr val="accent1"/>
+          </a:fillRef>
+          <a:effectRef idx="0">
+            <a:schemeClr val="accent1"/>
+          </a:effectRef>
+          <a:fontRef idx="minor">
+            <a:schemeClr val="lt1"/>
+          </a:fontRef>
+        </p:style>
+        <p:txBody>
+          <a:bodyPr rtlCol="0" anchor="ctr"/>
+          <a:lstStyle/>
+          <a:p>
+            <a:pPr algn="ctr"/>
+            <a:endParaRPr lang="en-US"/>
+          </a:p>
+        </p:txBody>
+      </p:sp>
+      <p:sp>
+        <p:nvSpPr>
+          <p:cNvPr id="2" name="Title 1">
+            <a:extLst>
+              <a:ext uri="{FF2B5EF4-FFF2-40B4-BE49-F238E27FC236}">
+                <a16:creationId xmlns:a16="http://schemas.microsoft.com/office/drawing/2014/main" id="{B8575F0A-BCA5-7DAB-3711-E5F0CECE71AA}"/>
+              </a:ext>
+            </a:extLst>
+          </p:cNvPr>
+          <p:cNvSpPr>
+            <a:spLocks noGrp="1"/>
+          </p:cNvSpPr>
+          <p:nvPr>
+            <p:ph type="ctrTitle"/>
+          </p:nvPr>
+        </p:nvSpPr>
+        <p:spPr>
+          <a:xfrm>
+            <a:off x="477981" y="1122363"/>
+            <a:ext cx="4023360" cy="3204134"/>
+          </a:xfrm>
+        </p:spPr>
+        <p:txBody>
+          <a:bodyPr anchor="b">
+            <a:normAutofit/>
+          </a:bodyPr>
+          <a:lstStyle/>
+          <a:p>
+            <a:r>
+              <a:rPr lang="en-GB" sz="4800" dirty="0"/>
+              <a:t>Cache</a:t>
+            </a:r>
+          </a:p>
+        </p:txBody>
+      </p:sp>
+      <p:sp>
+        <p:nvSpPr>
+          <p:cNvPr id="3" name="Subtitle 2">
+            <a:extLst>
+              <a:ext uri="{FF2B5EF4-FFF2-40B4-BE49-F238E27FC236}">
+                <a16:creationId xmlns:a16="http://schemas.microsoft.com/office/drawing/2014/main" id="{07764057-0F12-8D8B-02D4-A0E35A7FA917}"/>
+              </a:ext>
+            </a:extLst>
+          </p:cNvPr>
+          <p:cNvSpPr>
+            <a:spLocks noGrp="1"/>
+          </p:cNvSpPr>
+          <p:nvPr>
+            <p:ph type="subTitle" idx="1"/>
+          </p:nvPr>
+        </p:nvSpPr>
+        <p:spPr>
+          <a:xfrm>
+            <a:off x="477981" y="4872922"/>
+            <a:ext cx="3933306" cy="1208141"/>
+          </a:xfrm>
+        </p:spPr>
+        <p:txBody>
+          <a:bodyPr>
+            <a:normAutofit/>
+          </a:bodyPr>
+          <a:lstStyle/>
+          <a:p>
+            <a:pPr>
+              <a:lnSpc>
+                <a:spcPct val="100000"/>
+              </a:lnSpc>
+            </a:pPr>
+            <a:r>
+              <a:rPr lang="en-US" sz="1700"/>
+              <a:t>A web cache is a device or software application used to store temporary copies of information received by the origin server.</a:t>
+            </a:r>
+            <a:endParaRPr lang="en-GB" sz="1700"/>
+          </a:p>
+        </p:txBody>
+      </p:sp>
+      <p:sp>
+        <p:nvSpPr>
+          <p:cNvPr id="12" name="Rectangle 11">
+            <a:extLst>
+              <a:ext uri="{FF2B5EF4-FFF2-40B4-BE49-F238E27FC236}">
+                <a16:creationId xmlns:a16="http://schemas.microsoft.com/office/drawing/2014/main" id="{AF2F604E-43BE-4DC3-B983-E071523364F8}"/>
+              </a:ext>
+              <a:ext uri="{C183D7F6-B498-43B3-948B-1728B52AA6E4}">
+                <adec:decorative xmlns:adec="http://schemas.microsoft.com/office/drawing/2017/decorative" val="1"/>
+              </a:ext>
+            </a:extLst>
+          </p:cNvPr>
+          <p:cNvSpPr>
+            <a:spLocks noGrp="1" noRot="1" noChangeAspect="1" noMove="1" noResize="1" noEditPoints="1" noAdjustHandles="1" noChangeArrowheads="1" noChangeShapeType="1" noTextEdit="1"/>
+          </p:cNvSpPr>
+          <p:nvPr>
+            <p:extLst>
+              <p:ext uri="{386F3935-93C4-4BCD-93E2-E3B085C9AB24}">
+                <p16:designElem xmlns:p16="http://schemas.microsoft.com/office/powerpoint/2015/main" val="1"/>
+              </p:ext>
+            </p:extLst>
+          </p:nvPr>
+        </p:nvSpPr>
+        <p:spPr>
+          <a:xfrm rot="5400000">
+            <a:off x="759921" y="346791"/>
+            <a:ext cx="146304" cy="704088"/>
+          </a:xfrm>
+          <a:prstGeom prst="rect">
+            <a:avLst/>
+          </a:prstGeom>
+          <a:solidFill>
+            <a:schemeClr val="accent1"/>
+          </a:solidFill>
+          <a:ln>
+            <a:noFill/>
+          </a:ln>
+        </p:spPr>
+        <p:style>
+          <a:lnRef idx="2">
+            <a:schemeClr val="accent1">
+              <a:shade val="50000"/>
+            </a:schemeClr>
+          </a:lnRef>
+          <a:fillRef idx="1">
+            <a:schemeClr val="accent1"/>
+          </a:fillRef>
+          <a:effectRef idx="0">
+            <a:schemeClr val="accent1"/>
+          </a:effectRef>
+          <a:fontRef idx="minor">
+            <a:schemeClr val="lt1"/>
+          </a:fontRef>
+        </p:style>
+        <p:txBody>
+          <a:bodyPr rtlCol="0" anchor="ctr"/>
+          <a:lstStyle/>
+          <a:p>
+            <a:pPr marL="0" marR="0" lvl="0" indent="0" algn="ctr" defTabSz="914400" rtl="0" eaLnBrk="1" fontAlgn="auto" latinLnBrk="0" hangingPunct="1">
+              <a:lnSpc>
+                <a:spcPct val="100000"/>
+              </a:lnSpc>
+              <a:spcBef>
+                <a:spcPts val="0"/>
+              </a:spcBef>
+              <a:spcAft>
+                <a:spcPts val="0"/>
+              </a:spcAft>
+              <a:buClrTx/>
+              <a:buSzTx/>
+              <a:buFontTx/>
+              <a:buNone/>
+              <a:tabLst/>
+              <a:defRPr/>
+            </a:pPr>
+            <a:endParaRPr kumimoji="0" lang="en-US" sz="1800" b="0" i="0" u="none" strike="noStrike" kern="1200" cap="none" spc="0" normalizeH="0" baseline="0" noProof="0">
+              <a:ln>
+                <a:noFill/>
+              </a:ln>
+              <a:solidFill>
+                <a:prstClr val="white"/>
+              </a:solidFill>
+              <a:effectLst/>
+              <a:uLnTx/>
+              <a:uFillTx/>
+              <a:latin typeface="Calibri" panose="020F0502020204030204"/>
+              <a:ea typeface="+mn-ea"/>
+              <a:cs typeface="+mn-cs"/>
+            </a:endParaRPr>
+          </a:p>
+        </p:txBody>
+      </p:sp>
+      <p:sp>
+        <p:nvSpPr>
+          <p:cNvPr id="14" name="Rectangle 13">
+            <a:extLst>
+              <a:ext uri="{FF2B5EF4-FFF2-40B4-BE49-F238E27FC236}">
+                <a16:creationId xmlns:a16="http://schemas.microsoft.com/office/drawing/2014/main" id="{08C9B587-E65E-4B52-B37C-ABEBB6E87928}"/>
+              </a:ext>
+              <a:ext uri="{C183D7F6-B498-43B3-948B-1728B52AA6E4}">
+                <adec:decorative xmlns:adec="http://schemas.microsoft.com/office/drawing/2017/decorative" val="1"/>
+              </a:ext>
+            </a:extLst>
+          </p:cNvPr>
+          <p:cNvSpPr>
+            <a:spLocks noGrp="1" noRot="1" noChangeAspect="1" noMove="1" noResize="1" noEditPoints="1" noAdjustHandles="1" noChangeArrowheads="1" noChangeShapeType="1" noTextEdit="1"/>
+          </p:cNvSpPr>
+          <p:nvPr>
+            <p:extLst>
+              <p:ext uri="{386F3935-93C4-4BCD-93E2-E3B085C9AB24}">
+                <p16:designElem xmlns:p16="http://schemas.microsoft.com/office/powerpoint/2015/main" val="1"/>
+              </p:ext>
+            </p:extLst>
+          </p:nvPr>
+        </p:nvSpPr>
+        <p:spPr>
+          <a:xfrm>
+            <a:off x="481029" y="4546920"/>
+            <a:ext cx="4023360" cy="18288"/>
+          </a:xfrm>
+          <a:prstGeom prst="rect">
+            <a:avLst/>
+          </a:prstGeom>
+          <a:solidFill>
+            <a:schemeClr val="tx2">
+              <a:lumMod val="25000"/>
+              <a:lumOff val="75000"/>
+            </a:schemeClr>
+          </a:solidFill>
+          <a:ln w="3175">
+            <a:noFill/>
+          </a:ln>
+          <a:effectLst/>
+        </p:spPr>
+        <p:style>
+          <a:lnRef idx="2">
+            <a:schemeClr val="accent1">
+              <a:shade val="50000"/>
+            </a:schemeClr>
+          </a:lnRef>
+          <a:fillRef idx="1">
+            <a:schemeClr val="accent1"/>
+          </a:fillRef>
+          <a:effectRef idx="0">
+            <a:schemeClr val="accent1"/>
+          </a:effectRef>
+          <a:fontRef idx="minor">
+            <a:schemeClr val="lt1"/>
+          </a:fontRef>
+        </p:style>
+        <p:txBody>
+          <a:bodyPr rtlCol="0" anchor="ctr"/>
+          <a:lstStyle/>
+          <a:p>
+            <a:pPr marL="0" marR="0" lvl="0" indent="0" algn="ctr" defTabSz="914400" rtl="0" eaLnBrk="1" fontAlgn="auto" latinLnBrk="0" hangingPunct="1">
+              <a:lnSpc>
+                <a:spcPct val="100000"/>
+              </a:lnSpc>
+              <a:spcBef>
+                <a:spcPts val="0"/>
+              </a:spcBef>
+              <a:spcAft>
+                <a:spcPts val="0"/>
+              </a:spcAft>
+              <a:buClrTx/>
+              <a:buSzTx/>
+              <a:buFontTx/>
+              <a:buNone/>
+              <a:tabLst/>
+              <a:defRPr/>
+            </a:pPr>
+            <a:endParaRPr kumimoji="0" lang="en-US" sz="1800" b="0" i="0" u="none" strike="noStrike" kern="1200" cap="none" spc="0" normalizeH="0" baseline="0" noProof="0">
+              <a:ln>
+                <a:noFill/>
+              </a:ln>
+              <a:solidFill>
+                <a:prstClr val="white"/>
+              </a:solidFill>
+              <a:effectLst/>
+              <a:uLnTx/>
+              <a:uFillTx/>
+              <a:latin typeface="Calibri" panose="020F0502020204030204"/>
+              <a:ea typeface="+mn-ea"/>
+              <a:cs typeface="+mn-cs"/>
+            </a:endParaRPr>
+          </a:p>
+        </p:txBody>
+      </p:sp>
+      <p:pic>
+        <p:nvPicPr>
+          <p:cNvPr id="5" name="Picture 4">
+            <a:extLst>
+              <a:ext uri="{FF2B5EF4-FFF2-40B4-BE49-F238E27FC236}">
+                <a16:creationId xmlns:a16="http://schemas.microsoft.com/office/drawing/2014/main" id="{F128F54D-D3ED-0918-913B-6D9BC6CB2749}"/>
+              </a:ext>
+            </a:extLst>
+          </p:cNvPr>
+          <p:cNvPicPr>
+            <a:picLocks noChangeAspect="1"/>
+          </p:cNvPicPr>
+          <p:nvPr/>
+        </p:nvPicPr>
+        <p:blipFill>
+          <a:blip r:embed="rId3">
+            <a:extLst>
+              <a:ext uri="{28A0092B-C50C-407E-A947-70E740481C1C}">
+                <a14:useLocalDpi xmlns:a14="http://schemas.microsoft.com/office/drawing/2010/main" val="0"/>
+              </a:ext>
+            </a:extLst>
+          </a:blip>
+          <a:stretch/>
+        </p:blipFill>
+        <p:spPr>
+          <a:xfrm>
+            <a:off x="4831911" y="1717409"/>
+            <a:ext cx="6846363" cy="3423181"/>
+          </a:xfrm>
+          <a:prstGeom prst="rect">
+            <a:avLst/>
+          </a:prstGeom>
+        </p:spPr>
+      </p:pic>
+    </p:spTree>
+    <p:extLst>
+      <p:ext uri="{BB962C8B-B14F-4D97-AF65-F5344CB8AC3E}">
+        <p14:creationId xmlns:p14="http://schemas.microsoft.com/office/powerpoint/2010/main" val="2692383989"/>
+      </p:ext>
+    </p:extLst>
+  </p:cSld>
+  <p:clrMapOvr>
+    <a:masterClrMapping/>
+  </p:clrMapOvr>
+</p:sld>
+</file>
+
+<file path=ppt/slides/slide8.xml><?xml version="1.0" encoding="utf-8"?>
+<p:sld xmlns:a="http://schemas.openxmlformats.org/drawingml/2006/main" xmlns:r="http://schemas.openxmlformats.org/officeDocument/2006/relationships" xmlns:p="http://schemas.openxmlformats.org/presentationml/2006/main">
+  <p:cSld>
+    <p:spTree>
+      <p:nvGrpSpPr>
+        <p:cNvPr id="1" name=""/>
+        <p:cNvGrpSpPr/>
+        <p:nvPr/>
+      </p:nvGrpSpPr>
+      <p:grpSpPr>
+        <a:xfrm>
+          <a:off x="0" y="0"/>
+          <a:ext cx="0" cy="0"/>
+          <a:chOff x="0" y="0"/>
+          <a:chExt cx="0" cy="0"/>
+        </a:xfrm>
+      </p:grpSpPr>
+      <p:sp>
+        <p:nvSpPr>
+          <p:cNvPr id="2" name="Title 1">
+            <a:extLst>
+              <a:ext uri="{FF2B5EF4-FFF2-40B4-BE49-F238E27FC236}">
+                <a16:creationId xmlns:a16="http://schemas.microsoft.com/office/drawing/2014/main" id="{B8575F0A-BCA5-7DAB-3711-E5F0CECE71AA}"/>
+              </a:ext>
+            </a:extLst>
+          </p:cNvPr>
+          <p:cNvSpPr>
+            <a:spLocks noGrp="1"/>
+          </p:cNvSpPr>
+          <p:nvPr>
+            <p:ph type="ctrTitle"/>
+          </p:nvPr>
+        </p:nvSpPr>
+        <p:spPr>
+          <a:xfrm>
+            <a:off x="477981" y="1122363"/>
+            <a:ext cx="4023360" cy="3204134"/>
+          </a:xfrm>
+        </p:spPr>
+        <p:txBody>
+          <a:bodyPr anchor="b">
+            <a:normAutofit/>
+          </a:bodyPr>
+          <a:lstStyle/>
+          <a:p>
+            <a:r>
+              <a:rPr lang="en-GB" sz="4800" dirty="0"/>
+              <a:t>Cache</a:t>
+            </a:r>
+          </a:p>
+        </p:txBody>
+      </p:sp>
+      <p:sp>
+        <p:nvSpPr>
+          <p:cNvPr id="3" name="Subtitle 2">
+            <a:extLst>
+              <a:ext uri="{FF2B5EF4-FFF2-40B4-BE49-F238E27FC236}">
+                <a16:creationId xmlns:a16="http://schemas.microsoft.com/office/drawing/2014/main" id="{07764057-0F12-8D8B-02D4-A0E35A7FA917}"/>
+              </a:ext>
+            </a:extLst>
+          </p:cNvPr>
+          <p:cNvSpPr>
+            <a:spLocks noGrp="1"/>
+          </p:cNvSpPr>
+          <p:nvPr>
+            <p:ph type="subTitle" idx="1"/>
+          </p:nvPr>
+        </p:nvSpPr>
+        <p:spPr>
+          <a:xfrm>
+            <a:off x="477981" y="4872922"/>
+            <a:ext cx="3933306" cy="1208141"/>
+          </a:xfrm>
+        </p:spPr>
+        <p:txBody>
+          <a:bodyPr>
+            <a:normAutofit/>
+          </a:bodyPr>
+          <a:lstStyle/>
+          <a:p>
+            <a:pPr>
+              <a:lnSpc>
+                <a:spcPct val="100000"/>
+              </a:lnSpc>
+            </a:pPr>
+            <a:r>
+              <a:rPr lang="en-US" sz="1700"/>
+              <a:t>A web cache is a device or software application used to store temporary copies of information received by the origin server.</a:t>
+            </a:r>
+            <a:endParaRPr lang="en-GB" sz="1700"/>
+          </a:p>
+        </p:txBody>
+      </p:sp>
+      <p:pic>
+        <p:nvPicPr>
+          <p:cNvPr id="5" name="Picture 4">
+            <a:extLst>
+              <a:ext uri="{FF2B5EF4-FFF2-40B4-BE49-F238E27FC236}">
+                <a16:creationId xmlns:a16="http://schemas.microsoft.com/office/drawing/2014/main" id="{F128F54D-D3ED-0918-913B-6D9BC6CB2749}"/>
+              </a:ext>
+            </a:extLst>
+          </p:cNvPr>
+          <p:cNvPicPr>
+            <a:picLocks noChangeAspect="1"/>
+          </p:cNvPicPr>
+          <p:nvPr/>
+        </p:nvPicPr>
+        <p:blipFill>
+          <a:blip r:embed="rId3">
+            <a:extLst>
+              <a:ext uri="{28A0092B-C50C-407E-A947-70E740481C1C}">
+                <a14:useLocalDpi xmlns:a14="http://schemas.microsoft.com/office/drawing/2010/main" val="0"/>
+              </a:ext>
+            </a:extLst>
+          </a:blip>
+          <a:stretch/>
+        </p:blipFill>
+        <p:spPr>
+          <a:xfrm>
+            <a:off x="4831911" y="1717409"/>
+            <a:ext cx="6846363" cy="3423181"/>
+          </a:xfrm>
+          <a:prstGeom prst="rect">
+            <a:avLst/>
+          </a:prstGeom>
+        </p:spPr>
+      </p:pic>
+    </p:spTree>
+    <p:extLst>
+      <p:ext uri="{BB962C8B-B14F-4D97-AF65-F5344CB8AC3E}">
+        <p14:creationId xmlns:p14="http://schemas.microsoft.com/office/powerpoint/2010/main" val="898928846"/>
+      </p:ext>
+    </p:extLst>
+  </p:cSld>
+  <p:clrMapOvr>
+    <a:masterClrMapping/>
+  </p:clrMapOvr>
+</p:sld>
+</file>
+
+<file path=ppt/slides/slide9.xml><?xml version="1.0" encoding="utf-8"?>
+<p:sld xmlns:a="http://schemas.openxmlformats.org/drawingml/2006/main" xmlns:r="http://schemas.openxmlformats.org/officeDocument/2006/relationships" xmlns:p="http://schemas.openxmlformats.org/presentationml/2006/main">
+  <p:cSld>
+    <p:spTree>
+      <p:nvGrpSpPr>
+        <p:cNvPr id="1" name=""/>
+        <p:cNvGrpSpPr/>
+        <p:nvPr/>
+      </p:nvGrpSpPr>
+      <p:grpSpPr>
+        <a:xfrm>
+          <a:off x="0" y="0"/>
+          <a:ext cx="0" cy="0"/>
+          <a:chOff x="0" y="0"/>
+          <a:chExt cx="0" cy="0"/>
+        </a:xfrm>
+      </p:grpSpPr>
+      <p:sp>
+        <p:nvSpPr>
+          <p:cNvPr id="2" name="Title 1">
+            <a:extLst>
+              <a:ext uri="{FF2B5EF4-FFF2-40B4-BE49-F238E27FC236}">
+                <a16:creationId xmlns:a16="http://schemas.microsoft.com/office/drawing/2014/main" id="{B8575F0A-BCA5-7DAB-3711-E5F0CECE71AA}"/>
+              </a:ext>
+            </a:extLst>
+          </p:cNvPr>
+          <p:cNvSpPr>
+            <a:spLocks noGrp="1"/>
+          </p:cNvSpPr>
+          <p:nvPr>
+            <p:ph type="ctrTitle"/>
+          </p:nvPr>
+        </p:nvSpPr>
+        <p:spPr>
+          <a:xfrm>
+            <a:off x="477981" y="1122363"/>
+            <a:ext cx="4023360" cy="3204134"/>
+          </a:xfrm>
+        </p:spPr>
+        <p:txBody>
+          <a:bodyPr anchor="b">
+            <a:normAutofit/>
+          </a:bodyPr>
+          <a:lstStyle/>
+          <a:p>
+            <a:r>
+              <a:rPr lang="en-GB" sz="4800" dirty="0"/>
+              <a:t>Page Ranking</a:t>
+            </a:r>
+          </a:p>
+        </p:txBody>
+      </p:sp>
+      <p:sp>
+        <p:nvSpPr>
+          <p:cNvPr id="3" name="Subtitle 2">
+            <a:extLst>
+              <a:ext uri="{FF2B5EF4-FFF2-40B4-BE49-F238E27FC236}">
+                <a16:creationId xmlns:a16="http://schemas.microsoft.com/office/drawing/2014/main" id="{07764057-0F12-8D8B-02D4-A0E35A7FA917}"/>
+              </a:ext>
+            </a:extLst>
+          </p:cNvPr>
+          <p:cNvSpPr>
+            <a:spLocks noGrp="1"/>
+          </p:cNvSpPr>
+          <p:nvPr>
+            <p:ph type="subTitle" idx="1"/>
+          </p:nvPr>
+        </p:nvSpPr>
+        <p:spPr>
+          <a:xfrm>
+            <a:off x="477981" y="4872922"/>
+            <a:ext cx="3933306" cy="1208141"/>
+          </a:xfrm>
+        </p:spPr>
+        <p:txBody>
+          <a:bodyPr>
+            <a:normAutofit/>
+          </a:bodyPr>
+          <a:lstStyle/>
+          <a:p>
+            <a:pPr>
+              <a:lnSpc>
+                <a:spcPct val="100000"/>
+              </a:lnSpc>
+            </a:pPr>
+            <a:r>
+              <a:rPr lang="en-US" sz="1700" dirty="0"/>
+              <a:t>Page ranking was done based on the most occurrence of a word in the page.</a:t>
+            </a:r>
+            <a:endParaRPr lang="en-GB" sz="1700" dirty="0"/>
+          </a:p>
+        </p:txBody>
+      </p:sp>
+      <p:pic>
+        <p:nvPicPr>
+          <p:cNvPr id="5" name="Picture 4">
+            <a:extLst>
+              <a:ext uri="{FF2B5EF4-FFF2-40B4-BE49-F238E27FC236}">
+                <a16:creationId xmlns:a16="http://schemas.microsoft.com/office/drawing/2014/main" id="{F128F54D-D3ED-0918-913B-6D9BC6CB2749}"/>
+              </a:ext>
+            </a:extLst>
+          </p:cNvPr>
+          <p:cNvPicPr>
+            <a:picLocks noChangeAspect="1"/>
+          </p:cNvPicPr>
+          <p:nvPr/>
+        </p:nvPicPr>
+        <p:blipFill>
+          <a:blip r:embed="rId3">
+            <a:extLst>
+              <a:ext uri="{28A0092B-C50C-407E-A947-70E740481C1C}">
+                <a14:useLocalDpi xmlns:a14="http://schemas.microsoft.com/office/drawing/2010/main" val="0"/>
+              </a:ext>
+            </a:extLst>
+          </a:blip>
+          <a:srcRect/>
+          <a:stretch/>
+        </p:blipFill>
+        <p:spPr>
+          <a:xfrm>
+            <a:off x="5034125" y="1717409"/>
+            <a:ext cx="6441935" cy="3423181"/>
+          </a:xfrm>
+          <a:prstGeom prst="rect">
+            <a:avLst/>
+          </a:prstGeom>
+        </p:spPr>
+      </p:pic>
+    </p:spTree>
+    <p:extLst>
+      <p:ext uri="{BB962C8B-B14F-4D97-AF65-F5344CB8AC3E}">
+        <p14:creationId xmlns:p14="http://schemas.microsoft.com/office/powerpoint/2010/main" val="1499565716"/>
       </p:ext>
     </p:extLst>
   </p:cSld>
@@ -2375,4 +6739,299 @@
     </a:ext>
   </a:extLst>
 </a:theme>
+</file>
+
+<file path=ppt/theme/theme2.xml><?xml version="1.0" encoding="utf-8"?>
+<a:theme xmlns:a="http://schemas.openxmlformats.org/drawingml/2006/main" name="Office Theme">
+  <a:themeElements>
+    <a:clrScheme name="Office">
+      <a:dk1>
+        <a:sysClr val="windowText" lastClr="000000"/>
+      </a:dk1>
+      <a:lt1>
+        <a:sysClr val="window" lastClr="FFFFFF"/>
+      </a:lt1>
+      <a:dk2>
+        <a:srgbClr val="44546A"/>
+      </a:dk2>
+      <a:lt2>
+        <a:srgbClr val="E7E6E6"/>
+      </a:lt2>
+      <a:accent1>
+        <a:srgbClr val="4472C4"/>
+      </a:accent1>
+      <a:accent2>
+        <a:srgbClr val="ED7D31"/>
+      </a:accent2>
+      <a:accent3>
+        <a:srgbClr val="A5A5A5"/>
+      </a:accent3>
+      <a:accent4>
+        <a:srgbClr val="FFC000"/>
+      </a:accent4>
+      <a:accent5>
+        <a:srgbClr val="5B9BD5"/>
+      </a:accent5>
+      <a:accent6>
+        <a:srgbClr val="70AD47"/>
+      </a:accent6>
+      <a:hlink>
+        <a:srgbClr val="0563C1"/>
+      </a:hlink>
+      <a:folHlink>
+        <a:srgbClr val="954F72"/>
+      </a:folHlink>
+    </a:clrScheme>
+    <a:fontScheme name="Office">
+      <a:majorFont>
+        <a:latin typeface="Calibri Light" panose="020F0302020204030204"/>
+        <a:ea typeface=""/>
+        <a:cs typeface=""/>
+        <a:font script="Jpan" typeface="游ゴシック Light"/>
+        <a:font script="Hang" typeface="맑은 고딕"/>
+        <a:font script="Hans" typeface="等线 Light"/>
+        <a:font script="Hant" typeface="新細明體"/>
+        <a:font script="Arab" typeface="Times New Roman"/>
+        <a:font script="Hebr" typeface="Times New Roman"/>
+        <a:font script="Thai" typeface="Angsana New"/>
+        <a:font script="Ethi" typeface="Nyala"/>
+        <a:font script="Beng" typeface="Vrinda"/>
+        <a:font script="Gujr" typeface="Shruti"/>
+        <a:font script="Khmr" typeface="MoolBoran"/>
+        <a:font script="Knda" typeface="Tunga"/>
+        <a:font script="Guru" typeface="Raavi"/>
+        <a:font script="Cans" typeface="Euphemia"/>
+        <a:font script="Cher" typeface="Plantagenet Cherokee"/>
+        <a:font script="Yiii" typeface="Microsoft Yi Baiti"/>
+        <a:font script="Tibt" typeface="Microsoft Himalaya"/>
+        <a:font script="Thaa" typeface="MV Boli"/>
+        <a:font script="Deva" typeface="Mangal"/>
+        <a:font script="Telu" typeface="Gautami"/>
+        <a:font script="Taml" typeface="Latha"/>
+        <a:font script="Syrc" typeface="Estrangelo Edessa"/>
+        <a:font script="Orya" typeface="Kalinga"/>
+        <a:font script="Mlym" typeface="Kartika"/>
+        <a:font script="Laoo" typeface="DokChampa"/>
+        <a:font script="Sinh" typeface="Iskoola Pota"/>
+        <a:font script="Mong" typeface="Mongolian Baiti"/>
+        <a:font script="Viet" typeface="Times New Roman"/>
+        <a:font script="Uigh" typeface="Microsoft Uighur"/>
+        <a:font script="Geor" typeface="Sylfaen"/>
+        <a:font script="Armn" typeface="Arial"/>
+        <a:font script="Bugi" typeface="Leelawadee UI"/>
+        <a:font script="Bopo" typeface="Microsoft JhengHei"/>
+        <a:font script="Java" typeface="Javanese Text"/>
+        <a:font script="Lisu" typeface="Segoe UI"/>
+        <a:font script="Mymr" typeface="Myanmar Text"/>
+        <a:font script="Nkoo" typeface="Ebrima"/>
+        <a:font script="Olck" typeface="Nirmala UI"/>
+        <a:font script="Osma" typeface="Ebrima"/>
+        <a:font script="Phag" typeface="Phagspa"/>
+        <a:font script="Syrn" typeface="Estrangelo Edessa"/>
+        <a:font script="Syrj" typeface="Estrangelo Edessa"/>
+        <a:font script="Syre" typeface="Estrangelo Edessa"/>
+        <a:font script="Sora" typeface="Nirmala UI"/>
+        <a:font script="Tale" typeface="Microsoft Tai Le"/>
+        <a:font script="Talu" typeface="Microsoft New Tai Lue"/>
+        <a:font script="Tfng" typeface="Ebrima"/>
+      </a:majorFont>
+      <a:minorFont>
+        <a:latin typeface="Calibri" panose="020F0502020204030204"/>
+        <a:ea typeface=""/>
+        <a:cs typeface=""/>
+        <a:font script="Jpan" typeface="游ゴシック"/>
+        <a:font script="Hang" typeface="맑은 고딕"/>
+        <a:font script="Hans" typeface="等线"/>
+        <a:font script="Hant" typeface="新細明體"/>
+        <a:font script="Arab" typeface="Arial"/>
+        <a:font script="Hebr" typeface="Arial"/>
+        <a:font script="Thai" typeface="Cordia New"/>
+        <a:font script="Ethi" typeface="Nyala"/>
+        <a:font script="Beng" typeface="Vrinda"/>
+        <a:font script="Gujr" typeface="Shruti"/>
+        <a:font script="Khmr" typeface="DaunPenh"/>
+        <a:font script="Knda" typeface="Tunga"/>
+        <a:font script="Guru" typeface="Raavi"/>
+        <a:font script="Cans" typeface="Euphemia"/>
+        <a:font script="Cher" typeface="Plantagenet Cherokee"/>
+        <a:font script="Yiii" typeface="Microsoft Yi Baiti"/>
+        <a:font script="Tibt" typeface="Microsoft Himalaya"/>
+        <a:font script="Thaa" typeface="MV Boli"/>
+        <a:font script="Deva" typeface="Mangal"/>
+        <a:font script="Telu" typeface="Gautami"/>
+        <a:font script="Taml" typeface="Latha"/>
+        <a:font script="Syrc" typeface="Estrangelo Edessa"/>
+        <a:font script="Orya" typeface="Kalinga"/>
+        <a:font script="Mlym" typeface="Kartika"/>
+        <a:font script="Laoo" typeface="DokChampa"/>
+        <a:font script="Sinh" typeface="Iskoola Pota"/>
+        <a:font script="Mong" typeface="Mongolian Baiti"/>
+        <a:font script="Viet" typeface="Arial"/>
+        <a:font script="Uigh" typeface="Microsoft Uighur"/>
+        <a:font script="Geor" typeface="Sylfaen"/>
+        <a:font script="Armn" typeface="Arial"/>
+        <a:font script="Bugi" typeface="Leelawadee UI"/>
+        <a:font script="Bopo" typeface="Microsoft JhengHei"/>
+        <a:font script="Java" typeface="Javanese Text"/>
+        <a:font script="Lisu" typeface="Segoe UI"/>
+        <a:font script="Mymr" typeface="Myanmar Text"/>
+        <a:font script="Nkoo" typeface="Ebrima"/>
+        <a:font script="Olck" typeface="Nirmala UI"/>
+        <a:font script="Osma" typeface="Ebrima"/>
+        <a:font script="Phag" typeface="Phagspa"/>
+        <a:font script="Syrn" typeface="Estrangelo Edessa"/>
+        <a:font script="Syrj" typeface="Estrangelo Edessa"/>
+        <a:font script="Syre" typeface="Estrangelo Edessa"/>
+        <a:font script="Sora" typeface="Nirmala UI"/>
+        <a:font script="Tale" typeface="Microsoft Tai Le"/>
+        <a:font script="Talu" typeface="Microsoft New Tai Lue"/>
+        <a:font script="Tfng" typeface="Ebrima"/>
+      </a:minorFont>
+    </a:fontScheme>
+    <a:fmtScheme name="Office">
+      <a:fillStyleLst>
+        <a:solidFill>
+          <a:schemeClr val="phClr"/>
+        </a:solidFill>
+        <a:gradFill rotWithShape="1">
+          <a:gsLst>
+            <a:gs pos="0">
+              <a:schemeClr val="phClr">
+                <a:lumMod val="110000"/>
+                <a:satMod val="105000"/>
+                <a:tint val="67000"/>
+              </a:schemeClr>
+            </a:gs>
+            <a:gs pos="50000">
+              <a:schemeClr val="phClr">
+                <a:lumMod val="105000"/>
+                <a:satMod val="103000"/>
+                <a:tint val="73000"/>
+              </a:schemeClr>
+            </a:gs>
+            <a:gs pos="100000">
+              <a:schemeClr val="phClr">
+                <a:lumMod val="105000"/>
+                <a:satMod val="109000"/>
+                <a:tint val="81000"/>
+              </a:schemeClr>
+            </a:gs>
+          </a:gsLst>
+          <a:lin ang="5400000" scaled="0"/>
+        </a:gradFill>
+        <a:gradFill rotWithShape="1">
+          <a:gsLst>
+            <a:gs pos="0">
+              <a:schemeClr val="phClr">
+                <a:satMod val="103000"/>
+                <a:lumMod val="102000"/>
+                <a:tint val="94000"/>
+              </a:schemeClr>
+            </a:gs>
+            <a:gs pos="50000">
+              <a:schemeClr val="phClr">
+                <a:satMod val="110000"/>
+                <a:lumMod val="100000"/>
+                <a:shade val="100000"/>
+              </a:schemeClr>
+            </a:gs>
+            <a:gs pos="100000">
+              <a:schemeClr val="phClr">
+                <a:lumMod val="99000"/>
+                <a:satMod val="120000"/>
+                <a:shade val="78000"/>
+              </a:schemeClr>
+            </a:gs>
+          </a:gsLst>
+          <a:lin ang="5400000" scaled="0"/>
+        </a:gradFill>
+      </a:fillStyleLst>
+      <a:lnStyleLst>
+        <a:ln w="6350" cap="flat" cmpd="sng" algn="ctr">
+          <a:solidFill>
+            <a:schemeClr val="phClr"/>
+          </a:solidFill>
+          <a:prstDash val="solid"/>
+          <a:miter lim="800000"/>
+        </a:ln>
+        <a:ln w="12700" cap="flat" cmpd="sng" algn="ctr">
+          <a:solidFill>
+            <a:schemeClr val="phClr"/>
+          </a:solidFill>
+          <a:prstDash val="solid"/>
+          <a:miter lim="800000"/>
+        </a:ln>
+        <a:ln w="19050" cap="flat" cmpd="sng" algn="ctr">
+          <a:solidFill>
+            <a:schemeClr val="phClr"/>
+          </a:solidFill>
+          <a:prstDash val="solid"/>
+          <a:miter lim="800000"/>
+        </a:ln>
+      </a:lnStyleLst>
+      <a:effectStyleLst>
+        <a:effectStyle>
+          <a:effectLst/>
+        </a:effectStyle>
+        <a:effectStyle>
+          <a:effectLst/>
+        </a:effectStyle>
+        <a:effectStyle>
+          <a:effectLst>
+            <a:outerShdw blurRad="57150" dist="19050" dir="5400000" algn="ctr" rotWithShape="0">
+              <a:srgbClr val="000000">
+                <a:alpha val="63000"/>
+              </a:srgbClr>
+            </a:outerShdw>
+          </a:effectLst>
+        </a:effectStyle>
+      </a:effectStyleLst>
+      <a:bgFillStyleLst>
+        <a:solidFill>
+          <a:schemeClr val="phClr"/>
+        </a:solidFill>
+        <a:solidFill>
+          <a:schemeClr val="phClr">
+            <a:tint val="95000"/>
+            <a:satMod val="170000"/>
+          </a:schemeClr>
+        </a:solidFill>
+        <a:gradFill rotWithShape="1">
+          <a:gsLst>
+            <a:gs pos="0">
+              <a:schemeClr val="phClr">
+                <a:tint val="93000"/>
+                <a:satMod val="150000"/>
+                <a:shade val="98000"/>
+                <a:lumMod val="102000"/>
+              </a:schemeClr>
+            </a:gs>
+            <a:gs pos="50000">
+              <a:schemeClr val="phClr">
+                <a:tint val="98000"/>
+                <a:satMod val="130000"/>
+                <a:shade val="90000"/>
+                <a:lumMod val="103000"/>
+              </a:schemeClr>
+            </a:gs>
+            <a:gs pos="100000">
+              <a:schemeClr val="phClr">
+                <a:shade val="63000"/>
+                <a:satMod val="120000"/>
+              </a:schemeClr>
+            </a:gs>
+          </a:gsLst>
+          <a:lin ang="5400000" scaled="0"/>
+        </a:gradFill>
+      </a:bgFillStyleLst>
+    </a:fmtScheme>
+  </a:themeElements>
+  <a:objectDefaults/>
+  <a:extraClrSchemeLst/>
+  <a:extLst>
+    <a:ext uri="{05A4C25C-085E-4340-85A3-A5531E510DB2}">
+      <thm15:themeFamily xmlns:thm15="http://schemas.microsoft.com/office/thememl/2012/main" name="Office Theme" id="{62F939B6-93AF-4DB8-9C6B-D6C7DFDC589F}" vid="{4A3C46E8-61CC-4603-A589-7422A47A8E4A}"/>
+    </a:ext>
+  </a:extLst>
+</a:theme>
 </file>
--- a/presentation/Group14_websearchengine_presentation.pptx
+++ b/presentation/Group14_websearchengine_presentation.pptx
@@ -5,7 +5,7 @@
     <p:sldMasterId id="2147483761" r:id="rId1"/>
   </p:sldMasterIdLst>
   <p:notesMasterIdLst>
-    <p:notesMasterId r:id="rId14"/>
+    <p:notesMasterId r:id="rId15"/>
   </p:notesMasterIdLst>
   <p:sldIdLst>
     <p:sldId id="256" r:id="rId2"/>
@@ -20,6 +20,7 @@
     <p:sldId id="266" r:id="rId11"/>
     <p:sldId id="267" r:id="rId12"/>
     <p:sldId id="268" r:id="rId13"/>
+    <p:sldId id="269" r:id="rId14"/>
   </p:sldIdLst>
   <p:sldSz cx="12192000" cy="6858000"/>
   <p:notesSz cx="6858000" cy="9144000"/>
@@ -554,6 +555,120 @@
     <p:extLst>
       <p:ext uri="{BB962C8B-B14F-4D97-AF65-F5344CB8AC3E}">
         <p14:creationId xmlns:p14="http://schemas.microsoft.com/office/powerpoint/2010/main" val="3858168477"/>
+      </p:ext>
+    </p:extLst>
+  </p:cSld>
+  <p:clrMapOvr>
+    <a:masterClrMapping/>
+  </p:clrMapOvr>
+</p:notes>
+</file>
+
+<file path=ppt/notesSlides/notesSlide10.xml><?xml version="1.0" encoding="utf-8"?>
+<p:notes xmlns:a="http://schemas.openxmlformats.org/drawingml/2006/main" xmlns:r="http://schemas.openxmlformats.org/officeDocument/2006/relationships" xmlns:p="http://schemas.openxmlformats.org/presentationml/2006/main">
+  <p:cSld>
+    <p:spTree>
+      <p:nvGrpSpPr>
+        <p:cNvPr id="1" name=""/>
+        <p:cNvGrpSpPr/>
+        <p:nvPr/>
+      </p:nvGrpSpPr>
+      <p:grpSpPr>
+        <a:xfrm>
+          <a:off x="0" y="0"/>
+          <a:ext cx="0" cy="0"/>
+          <a:chOff x="0" y="0"/>
+          <a:chExt cx="0" cy="0"/>
+        </a:xfrm>
+      </p:grpSpPr>
+      <p:sp>
+        <p:nvSpPr>
+          <p:cNvPr id="2" name="Slide Image Placeholder 1"/>
+          <p:cNvSpPr>
+            <a:spLocks noGrp="1" noRot="1" noChangeAspect="1"/>
+          </p:cNvSpPr>
+          <p:nvPr>
+            <p:ph type="sldImg"/>
+          </p:nvPr>
+        </p:nvSpPr>
+        <p:spPr/>
+      </p:sp>
+      <p:sp>
+        <p:nvSpPr>
+          <p:cNvPr id="3" name="Notes Placeholder 2"/>
+          <p:cNvSpPr>
+            <a:spLocks noGrp="1"/>
+          </p:cNvSpPr>
+          <p:nvPr>
+            <p:ph type="body" idx="1"/>
+          </p:nvPr>
+        </p:nvSpPr>
+        <p:spPr/>
+        <p:txBody>
+          <a:bodyPr/>
+          <a:lstStyle/>
+          <a:p>
+            <a:pPr marL="0" marR="0" lvl="0" indent="0" algn="l" defTabSz="914400" rtl="0" eaLnBrk="1" fontAlgn="auto" latinLnBrk="0" hangingPunct="1">
+              <a:lnSpc>
+                <a:spcPct val="100000"/>
+              </a:lnSpc>
+              <a:spcBef>
+                <a:spcPts val="0"/>
+              </a:spcBef>
+              <a:spcAft>
+                <a:spcPts val="0"/>
+              </a:spcAft>
+              <a:buClrTx/>
+              <a:buSzTx/>
+              <a:buFontTx/>
+              <a:buNone/>
+              <a:tabLst/>
+              <a:defRPr/>
+            </a:pPr>
+            <a:r>
+              <a:rPr lang="en-GB" dirty="0">
+                <a:solidFill>
+                  <a:schemeClr val="bg1"/>
+                </a:solidFill>
+              </a:rPr>
+              <a:t>Action is the foundational key to all success</a:t>
+            </a:r>
+          </a:p>
+          <a:p>
+            <a:r>
+              <a:rPr lang="en-GB" dirty="0"/>
+              <a:t>Pablo Picasso</a:t>
+            </a:r>
+          </a:p>
+        </p:txBody>
+      </p:sp>
+      <p:sp>
+        <p:nvSpPr>
+          <p:cNvPr id="4" name="Slide Number Placeholder 3"/>
+          <p:cNvSpPr>
+            <a:spLocks noGrp="1"/>
+          </p:cNvSpPr>
+          <p:nvPr>
+            <p:ph type="sldNum" sz="quarter" idx="5"/>
+          </p:nvPr>
+        </p:nvSpPr>
+        <p:spPr/>
+        <p:txBody>
+          <a:bodyPr/>
+          <a:lstStyle/>
+          <a:p>
+            <a:fld id="{753A5632-1335-4A32-A2F6-109084B7CA42}" type="slidenum">
+              <a:rPr lang="en-GB" smtClean="0"/>
+              <a:t>13</a:t>
+            </a:fld>
+            <a:endParaRPr lang="en-GB"/>
+          </a:p>
+        </p:txBody>
+      </p:sp>
+    </p:spTree>
+    <p:extLst>
+      <p:ext uri="{BB962C8B-B14F-4D97-AF65-F5344CB8AC3E}">
+        <p14:creationId xmlns:p14="http://schemas.microsoft.com/office/powerpoint/2010/main" val="159806110"/>
       </p:ext>
     </p:extLst>
   </p:cSld>
@@ -3392,13 +3507,13 @@
         </p:nvSpPr>
         <p:spPr>
           <a:xfrm>
-            <a:off x="477980" y="4872922"/>
+            <a:off x="477981" y="4705774"/>
             <a:ext cx="11192909" cy="1208141"/>
           </a:xfrm>
         </p:spPr>
         <p:txBody>
           <a:bodyPr>
-            <a:normAutofit/>
+            <a:noAutofit/>
           </a:bodyPr>
           <a:lstStyle/>
           <a:p>
@@ -3408,8 +3523,48 @@
               </a:lnSpc>
             </a:pPr>
             <a:r>
-              <a:rPr lang="en-GB" sz="1700" dirty="0"/>
-              <a:t>A tree was used for creating the mechanism of auto-correct. </a:t>
+              <a:rPr lang="en-US" sz="1600" dirty="0"/>
+              <a:t>Three cases were handled:</a:t>
+            </a:r>
+          </a:p>
+          <a:p>
+            <a:pPr marL="342900" indent="-342900">
+              <a:lnSpc>
+                <a:spcPct val="100000"/>
+              </a:lnSpc>
+              <a:buAutoNum type="arabicPeriod"/>
+            </a:pPr>
+            <a:r>
+              <a:rPr lang="en-US" sz="1600" dirty="0"/>
+              <a:t>Wrong words. autocorrect made correction(s)</a:t>
+            </a:r>
+          </a:p>
+          <a:p>
+            <a:pPr marL="342900" indent="-342900">
+              <a:lnSpc>
+                <a:spcPct val="100000"/>
+              </a:lnSpc>
+              <a:buAutoNum type="arabicPeriod"/>
+            </a:pPr>
+            <a:r>
+              <a:rPr lang="en-US" sz="1600" dirty="0"/>
+              <a:t>Right word. autocorrect validated it.</a:t>
+            </a:r>
+          </a:p>
+          <a:p>
+            <a:pPr marL="342900" indent="-342900">
+              <a:lnSpc>
+                <a:spcPct val="100000"/>
+              </a:lnSpc>
+              <a:buAutoNum type="arabicPeriod"/>
+            </a:pPr>
+            <a:r>
+              <a:rPr lang="en-US" sz="1600" dirty="0"/>
+              <a:t>Word not found in word bank. autocorrect asked to enter the word-to-word bank and once added it accepted the input as a valid word</a:t>
+            </a:r>
+            <a:r>
+              <a:rPr lang="en-GB" sz="1600" dirty="0"/>
+              <a:t> </a:t>
             </a:r>
           </a:p>
         </p:txBody>
@@ -3518,7 +3673,26 @@
             </a:r>
             <a:r>
               <a:rPr lang="en-US" sz="1700" dirty="0"/>
-              <a:t> was used for creating the mechanism of Auto-fill.</a:t>
+              <a:t> was used for creating the mechanism of Auto-fill. The </a:t>
+            </a:r>
+            <a:r>
+              <a:rPr lang="en-US" sz="1700" dirty="0" err="1"/>
+              <a:t>Trie</a:t>
+            </a:r>
+            <a:r>
+              <a:rPr lang="en-US" sz="1700" dirty="0"/>
+              <a:t> was constructed from history.</a:t>
+            </a:r>
+          </a:p>
+          <a:p>
+            <a:pPr>
+              <a:lnSpc>
+                <a:spcPct val="100000"/>
+              </a:lnSpc>
+            </a:pPr>
+            <a:r>
+              <a:rPr lang="en-US" sz="1700" dirty="0"/>
+              <a:t>As the user keeps on searching, the word bank improves and can give better suggestions.</a:t>
             </a:r>
             <a:endParaRPr lang="en-GB" sz="1700" dirty="0"/>
           </a:p>
@@ -3613,7 +3787,7 @@
         </p:spPr>
         <p:txBody>
           <a:bodyPr>
-            <a:normAutofit/>
+            <a:normAutofit fontScale="92500" lnSpcReduction="20000"/>
           </a:bodyPr>
           <a:lstStyle/>
           <a:p>
@@ -3663,7 +3837,63 @@
                 <a:effectLst/>
                 <a:latin typeface="Times New Roman" panose="02020603050405020304" pitchFamily="18" charset="0"/>
               </a:rPr>
-              <a:t>. WhatIs.com. https://www.techtarget.com/whatis/definition/crawler</a:t>
+              <a:t>. WhatIs.com. </a:t>
+            </a:r>
+            <a:r>
+              <a:rPr lang="en-US" sz="1800" dirty="0">
+                <a:effectLst/>
+                <a:latin typeface="Times New Roman" panose="02020603050405020304" pitchFamily="18" charset="0"/>
+                <a:hlinkClick r:id="rId4"/>
+              </a:rPr>
+              <a:t>https://www.techtarget.com/whatis/definition/crawler</a:t>
+            </a:r>
+            <a:endParaRPr lang="en-US" sz="1800" dirty="0">
+              <a:effectLst/>
+              <a:latin typeface="Times New Roman" panose="02020603050405020304" pitchFamily="18" charset="0"/>
+            </a:endParaRPr>
+          </a:p>
+          <a:p>
+            <a:pPr marL="285750" indent="-285750">
+              <a:lnSpc>
+                <a:spcPct val="100000"/>
+              </a:lnSpc>
+              <a:buFont typeface="Arial" panose="020B0604020202020204" pitchFamily="34" charset="0"/>
+              <a:buChar char="•"/>
+            </a:pPr>
+            <a:r>
+              <a:rPr lang="en-US" sz="1800" dirty="0">
+                <a:effectLst/>
+                <a:latin typeface="Times New Roman" panose="02020603050405020304" pitchFamily="18" charset="0"/>
+              </a:rPr>
+              <a:t>Web Cache Guide - </a:t>
+            </a:r>
+            <a:r>
+              <a:rPr lang="en-US" sz="1800" dirty="0" err="1">
+                <a:effectLst/>
+                <a:latin typeface="Times New Roman" panose="02020603050405020304" pitchFamily="18" charset="0"/>
+              </a:rPr>
+              <a:t>KeyCDN</a:t>
+            </a:r>
+            <a:r>
+              <a:rPr lang="en-US" sz="1800" dirty="0">
+                <a:effectLst/>
+                <a:latin typeface="Times New Roman" panose="02020603050405020304" pitchFamily="18" charset="0"/>
+              </a:rPr>
+              <a:t> Support. (n.d.). </a:t>
+            </a:r>
+            <a:r>
+              <a:rPr lang="en-US" sz="1800" dirty="0" err="1">
+                <a:effectLst/>
+                <a:latin typeface="Times New Roman" panose="02020603050405020304" pitchFamily="18" charset="0"/>
+              </a:rPr>
+              <a:t>KeyCDN</a:t>
+            </a:r>
+            <a:r>
+              <a:rPr lang="en-US" sz="1800" dirty="0">
+                <a:effectLst/>
+                <a:latin typeface="Times New Roman" panose="02020603050405020304" pitchFamily="18" charset="0"/>
+              </a:rPr>
+              <a:t>. https://www.keycdn.com/support/web-cache</a:t>
             </a:r>
           </a:p>
           <a:p>
@@ -3702,6 +3932,347 @@
     <p:extLst>
       <p:ext uri="{BB962C8B-B14F-4D97-AF65-F5344CB8AC3E}">
         <p14:creationId xmlns:p14="http://schemas.microsoft.com/office/powerpoint/2010/main" val="3987916350"/>
+      </p:ext>
+    </p:extLst>
+  </p:cSld>
+  <p:clrMapOvr>
+    <a:masterClrMapping/>
+  </p:clrMapOvr>
+</p:sld>
+</file>
+
+<file path=ppt/slides/slide13.xml><?xml version="1.0" encoding="utf-8"?>
+<p:sld xmlns:a="http://schemas.openxmlformats.org/drawingml/2006/main" xmlns:r="http://schemas.openxmlformats.org/officeDocument/2006/relationships" xmlns:p="http://schemas.openxmlformats.org/presentationml/2006/main">
+  <p:cSld>
+    <p:bg>
+      <p:bgPr>
+        <a:solidFill>
+          <a:schemeClr val="bg1"/>
+        </a:solidFill>
+        <a:effectLst/>
+      </p:bgPr>
+    </p:bg>
+    <p:spTree>
+      <p:nvGrpSpPr>
+        <p:cNvPr id="1" name=""/>
+        <p:cNvGrpSpPr/>
+        <p:nvPr/>
+      </p:nvGrpSpPr>
+      <p:grpSpPr>
+        <a:xfrm>
+          <a:off x="0" y="0"/>
+          <a:ext cx="0" cy="0"/>
+          <a:chOff x="0" y="0"/>
+          <a:chExt cx="0" cy="0"/>
+        </a:xfrm>
+      </p:grpSpPr>
+      <p:sp useBgFill="1">
+        <p:nvSpPr>
+          <p:cNvPr id="8" name="Rectangle 7">
+            <a:extLst>
+              <a:ext uri="{FF2B5EF4-FFF2-40B4-BE49-F238E27FC236}">
+                <a16:creationId xmlns:a16="http://schemas.microsoft.com/office/drawing/2014/main" id="{1ACA2EA0-FFD3-42EC-9406-B595015ED96E}"/>
+              </a:ext>
+              <a:ext uri="{C183D7F6-B498-43B3-948B-1728B52AA6E4}">
+                <adec:decorative xmlns:adec="http://schemas.microsoft.com/office/drawing/2017/decorative" val="1"/>
+              </a:ext>
+            </a:extLst>
+          </p:cNvPr>
+          <p:cNvSpPr>
+            <a:spLocks noGrp="1" noRot="1" noChangeAspect="1" noMove="1" noResize="1" noEditPoints="1" noAdjustHandles="1" noChangeArrowheads="1" noChangeShapeType="1" noTextEdit="1"/>
+          </p:cNvSpPr>
+          <p:nvPr>
+            <p:extLst>
+              <p:ext uri="{386F3935-93C4-4BCD-93E2-E3B085C9AB24}">
+                <p16:designElem xmlns:p16="http://schemas.microsoft.com/office/powerpoint/2015/main" val="1"/>
+              </p:ext>
+            </p:extLst>
+          </p:nvPr>
+        </p:nvSpPr>
+        <p:spPr>
+          <a:xfrm>
+            <a:off x="0" y="0"/>
+            <a:ext cx="12192000" cy="6858000"/>
+          </a:xfrm>
+          <a:prstGeom prst="rect">
+            <a:avLst/>
+          </a:prstGeom>
+          <a:ln>
+            <a:noFill/>
+          </a:ln>
+        </p:spPr>
+        <p:style>
+          <a:lnRef idx="2">
+            <a:schemeClr val="accent1">
+              <a:shade val="50000"/>
+            </a:schemeClr>
+          </a:lnRef>
+          <a:fillRef idx="1">
+            <a:schemeClr val="accent1"/>
+          </a:fillRef>
+          <a:effectRef idx="0">
+            <a:schemeClr val="accent1"/>
+          </a:effectRef>
+          <a:fontRef idx="minor">
+            <a:schemeClr val="lt1"/>
+          </a:fontRef>
+        </p:style>
+        <p:txBody>
+          <a:bodyPr rtlCol="0" anchor="ctr"/>
+          <a:lstStyle/>
+          <a:p>
+            <a:pPr algn="ctr"/>
+            <a:endParaRPr lang="en-US"/>
+          </a:p>
+        </p:txBody>
+      </p:sp>
+      <p:sp useBgFill="1">
+        <p:nvSpPr>
+          <p:cNvPr id="10" name="Rectangle 9">
+            <a:extLst>
+              <a:ext uri="{FF2B5EF4-FFF2-40B4-BE49-F238E27FC236}">
+                <a16:creationId xmlns:a16="http://schemas.microsoft.com/office/drawing/2014/main" id="{D5288BCE-665C-472A-8C43-664BCFA31E43}"/>
+              </a:ext>
+              <a:ext uri="{C183D7F6-B498-43B3-948B-1728B52AA6E4}">
+                <adec:decorative xmlns:adec="http://schemas.microsoft.com/office/drawing/2017/decorative" val="1"/>
+              </a:ext>
+            </a:extLst>
+          </p:cNvPr>
+          <p:cNvSpPr>
+            <a:spLocks noGrp="1" noRot="1" noChangeAspect="1" noMove="1" noResize="1" noEditPoints="1" noAdjustHandles="1" noChangeArrowheads="1" noChangeShapeType="1" noTextEdit="1"/>
+          </p:cNvSpPr>
+          <p:nvPr>
+            <p:extLst>
+              <p:ext uri="{386F3935-93C4-4BCD-93E2-E3B085C9AB24}">
+                <p16:designElem xmlns:p16="http://schemas.microsoft.com/office/powerpoint/2015/main" val="1"/>
+              </p:ext>
+            </p:extLst>
+          </p:nvPr>
+        </p:nvSpPr>
+        <p:spPr>
+          <a:xfrm>
+            <a:off x="1528762" y="1247775"/>
+            <a:ext cx="9144000" cy="3007447"/>
+          </a:xfrm>
+          <a:prstGeom prst="rect">
+            <a:avLst/>
+          </a:prstGeom>
+          <a:ln w="12700">
+            <a:solidFill>
+              <a:schemeClr val="tx2">
+                <a:lumMod val="10000"/>
+                <a:lumOff val="90000"/>
+              </a:schemeClr>
+            </a:solidFill>
+          </a:ln>
+          <a:effectLst>
+            <a:outerShdw blurRad="50800" dist="38100" dir="2700000" algn="tl" rotWithShape="0">
+              <a:schemeClr val="bg2">
+                <a:lumMod val="85000"/>
+                <a:alpha val="30000"/>
+              </a:schemeClr>
+            </a:outerShdw>
+          </a:effectLst>
+        </p:spPr>
+        <p:style>
+          <a:lnRef idx="2">
+            <a:schemeClr val="accent1">
+              <a:shade val="50000"/>
+            </a:schemeClr>
+          </a:lnRef>
+          <a:fillRef idx="1">
+            <a:schemeClr val="accent1"/>
+          </a:fillRef>
+          <a:effectRef idx="0">
+            <a:schemeClr val="accent1"/>
+          </a:effectRef>
+          <a:fontRef idx="minor">
+            <a:schemeClr val="lt1"/>
+          </a:fontRef>
+        </p:style>
+        <p:txBody>
+          <a:bodyPr rtlCol="0" anchor="ctr"/>
+          <a:lstStyle/>
+          <a:p>
+            <a:pPr marL="0" marR="0" lvl="0" indent="0" algn="ctr" defTabSz="914400" rtl="0" eaLnBrk="1" fontAlgn="auto" latinLnBrk="0" hangingPunct="1">
+              <a:lnSpc>
+                <a:spcPct val="100000"/>
+              </a:lnSpc>
+              <a:spcBef>
+                <a:spcPts val="0"/>
+              </a:spcBef>
+              <a:spcAft>
+                <a:spcPts val="0"/>
+              </a:spcAft>
+              <a:buClrTx/>
+              <a:buSzTx/>
+              <a:buFontTx/>
+              <a:buNone/>
+              <a:tabLst/>
+              <a:defRPr/>
+            </a:pPr>
+            <a:endParaRPr kumimoji="0" lang="en-US" sz="1800" b="0" i="0" u="none" strike="noStrike" kern="1200" cap="none" spc="0" normalizeH="0" baseline="0" noProof="0">
+              <a:ln>
+                <a:noFill/>
+              </a:ln>
+              <a:solidFill>
+                <a:prstClr val="white"/>
+              </a:solidFill>
+              <a:effectLst/>
+              <a:uLnTx/>
+              <a:uFillTx/>
+              <a:latin typeface="Calibri" panose="020F0502020204030204"/>
+              <a:ea typeface="+mn-ea"/>
+              <a:cs typeface="+mn-cs"/>
+            </a:endParaRPr>
+          </a:p>
+        </p:txBody>
+      </p:sp>
+      <p:sp>
+        <p:nvSpPr>
+          <p:cNvPr id="2" name="Title 1">
+            <a:extLst>
+              <a:ext uri="{FF2B5EF4-FFF2-40B4-BE49-F238E27FC236}">
+                <a16:creationId xmlns:a16="http://schemas.microsoft.com/office/drawing/2014/main" id="{ECC861D8-AF44-2987-ED5A-547078B1BD44}"/>
+              </a:ext>
+            </a:extLst>
+          </p:cNvPr>
+          <p:cNvSpPr>
+            <a:spLocks noGrp="1"/>
+          </p:cNvSpPr>
+          <p:nvPr>
+            <p:ph type="ctrTitle"/>
+          </p:nvPr>
+        </p:nvSpPr>
+        <p:spPr>
+          <a:xfrm>
+            <a:off x="1804988" y="1442172"/>
+            <a:ext cx="8582025" cy="2177328"/>
+          </a:xfrm>
+        </p:spPr>
+        <p:txBody>
+          <a:bodyPr anchor="ctr">
+            <a:normAutofit/>
+          </a:bodyPr>
+          <a:lstStyle/>
+          <a:p>
+            <a:pPr algn="ctr"/>
+            <a:r>
+              <a:rPr lang="en-GB" sz="7200"/>
+              <a:t>Thank You</a:t>
+            </a:r>
+          </a:p>
+        </p:txBody>
+      </p:sp>
+      <p:sp>
+        <p:nvSpPr>
+          <p:cNvPr id="12" name="Rectangle: Rounded Corners 11">
+            <a:extLst>
+              <a:ext uri="{FF2B5EF4-FFF2-40B4-BE49-F238E27FC236}">
+                <a16:creationId xmlns:a16="http://schemas.microsoft.com/office/drawing/2014/main" id="{46C57131-53A7-4C1A-BEA8-25F06A06AD29}"/>
+              </a:ext>
+              <a:ext uri="{C183D7F6-B498-43B3-948B-1728B52AA6E4}">
+                <adec:decorative xmlns:adec="http://schemas.microsoft.com/office/drawing/2017/decorative" val="1"/>
+              </a:ext>
+            </a:extLst>
+          </p:cNvPr>
+          <p:cNvSpPr>
+            <a:spLocks noGrp="1" noRot="1" noChangeAspect="1" noMove="1" noResize="1" noEditPoints="1" noAdjustHandles="1" noChangeArrowheads="1" noChangeShapeType="1" noTextEdit="1"/>
+          </p:cNvSpPr>
+          <p:nvPr>
+            <p:extLst>
+              <p:ext uri="{386F3935-93C4-4BCD-93E2-E3B085C9AB24}">
+                <p16:designElem xmlns:p16="http://schemas.microsoft.com/office/powerpoint/2015/main" val="1"/>
+              </p:ext>
+            </p:extLst>
+          </p:nvPr>
+        </p:nvSpPr>
+        <p:spPr>
+          <a:xfrm>
+            <a:off x="2487872" y="3912322"/>
+            <a:ext cx="7225780" cy="685800"/>
+          </a:xfrm>
+          <a:prstGeom prst="roundRect">
+            <a:avLst>
+              <a:gd name="adj" fmla="val 0"/>
+            </a:avLst>
+          </a:prstGeom>
+          <a:solidFill>
+            <a:schemeClr val="accent1"/>
+          </a:solidFill>
+          <a:ln>
+            <a:noFill/>
+          </a:ln>
+        </p:spPr>
+        <p:style>
+          <a:lnRef idx="2">
+            <a:schemeClr val="accent1">
+              <a:shade val="50000"/>
+            </a:schemeClr>
+          </a:lnRef>
+          <a:fillRef idx="1">
+            <a:schemeClr val="accent1"/>
+          </a:fillRef>
+          <a:effectRef idx="0">
+            <a:schemeClr val="accent1"/>
+          </a:effectRef>
+          <a:fontRef idx="minor">
+            <a:schemeClr val="lt1"/>
+          </a:fontRef>
+        </p:style>
+        <p:txBody>
+          <a:bodyPr rtlCol="0" anchor="ctr"/>
+          <a:lstStyle/>
+          <a:p>
+            <a:pPr algn="ctr"/>
+            <a:endParaRPr lang="en-US"/>
+          </a:p>
+        </p:txBody>
+      </p:sp>
+      <p:sp>
+        <p:nvSpPr>
+          <p:cNvPr id="3" name="Subtitle 2">
+            <a:extLst>
+              <a:ext uri="{FF2B5EF4-FFF2-40B4-BE49-F238E27FC236}">
+                <a16:creationId xmlns:a16="http://schemas.microsoft.com/office/drawing/2014/main" id="{EFDCDCBC-4AB0-23E5-D1E8-15D47CB3D215}"/>
+              </a:ext>
+            </a:extLst>
+          </p:cNvPr>
+          <p:cNvSpPr>
+            <a:spLocks noGrp="1"/>
+          </p:cNvSpPr>
+          <p:nvPr>
+            <p:ph type="subTitle" idx="1"/>
+          </p:nvPr>
+        </p:nvSpPr>
+        <p:spPr>
+          <a:xfrm>
+            <a:off x="2566988" y="3962400"/>
+            <a:ext cx="7058025" cy="581025"/>
+          </a:xfrm>
+        </p:spPr>
+        <p:txBody>
+          <a:bodyPr anchor="ctr">
+            <a:normAutofit fontScale="92500"/>
+          </a:bodyPr>
+          <a:lstStyle/>
+          <a:p>
+            <a:pPr algn="ctr"/>
+            <a:r>
+              <a:rPr lang="en-GB" dirty="0">
+                <a:solidFill>
+                  <a:schemeClr val="bg1"/>
+                </a:solidFill>
+              </a:rPr>
+              <a:t>Action is the foundational key to all success</a:t>
+            </a:r>
+          </a:p>
+        </p:txBody>
+      </p:sp>
+    </p:spTree>
+    <p:extLst>
+      <p:ext uri="{BB962C8B-B14F-4D97-AF65-F5344CB8AC3E}">
+        <p14:creationId xmlns:p14="http://schemas.microsoft.com/office/powerpoint/2010/main" val="312154579"/>
       </p:ext>
     </p:extLst>
   </p:cSld>
@@ -6486,7 +7057,7 @@
             </a:pPr>
             <a:r>
               <a:rPr lang="en-US" sz="1700" dirty="0"/>
-              <a:t>Page ranking was done based on the most occurrence of a word in the page.</a:t>
+              <a:t>Page ranking was done based on the most occurrence of a word in the page. And word searches were performed on the pages in cache</a:t>
             </a:r>
             <a:endParaRPr lang="en-GB" sz="1700" dirty="0"/>
           </a:p>
